--- a/Documentación/Presentacion SCTPs.pptx
+++ b/Documentación/Presentacion SCTPs.pptx
@@ -4,20 +4,38 @@
   <p:sldMasterIdLst>
     <p:sldMasterId id="2147483648" r:id="rId1"/>
   </p:sldMasterIdLst>
+  <p:notesMasterIdLst>
+    <p:notesMasterId r:id="rId30"/>
+  </p:notesMasterIdLst>
   <p:sldIdLst>
     <p:sldId id="256" r:id="rId2"/>
     <p:sldId id="268" r:id="rId3"/>
     <p:sldId id="257" r:id="rId4"/>
-    <p:sldId id="258" r:id="rId5"/>
-    <p:sldId id="259" r:id="rId6"/>
-    <p:sldId id="260" r:id="rId7"/>
-    <p:sldId id="261" r:id="rId8"/>
-    <p:sldId id="262" r:id="rId9"/>
-    <p:sldId id="263" r:id="rId10"/>
-    <p:sldId id="264" r:id="rId11"/>
-    <p:sldId id="265" r:id="rId12"/>
-    <p:sldId id="266" r:id="rId13"/>
-    <p:sldId id="267" r:id="rId14"/>
+    <p:sldId id="273" r:id="rId5"/>
+    <p:sldId id="258" r:id="rId6"/>
+    <p:sldId id="259" r:id="rId7"/>
+    <p:sldId id="260" r:id="rId8"/>
+    <p:sldId id="261" r:id="rId9"/>
+    <p:sldId id="275" r:id="rId10"/>
+    <p:sldId id="262" r:id="rId11"/>
+    <p:sldId id="263" r:id="rId12"/>
+    <p:sldId id="264" r:id="rId13"/>
+    <p:sldId id="269" r:id="rId14"/>
+    <p:sldId id="270" r:id="rId15"/>
+    <p:sldId id="274" r:id="rId16"/>
+    <p:sldId id="272" r:id="rId17"/>
+    <p:sldId id="271" r:id="rId18"/>
+    <p:sldId id="279" r:id="rId19"/>
+    <p:sldId id="280" r:id="rId20"/>
+    <p:sldId id="281" r:id="rId21"/>
+    <p:sldId id="282" r:id="rId22"/>
+    <p:sldId id="283" r:id="rId23"/>
+    <p:sldId id="265" r:id="rId24"/>
+    <p:sldId id="276" r:id="rId25"/>
+    <p:sldId id="278" r:id="rId26"/>
+    <p:sldId id="266" r:id="rId27"/>
+    <p:sldId id="277" r:id="rId28"/>
+    <p:sldId id="267" r:id="rId29"/>
   </p:sldIdLst>
   <p:sldSz cx="9144000" cy="6858000" type="screen4x3"/>
   <p:notesSz cx="6858000" cy="9144000"/>
@@ -116,7 +134,457 @@
       </a:defRPr>
     </a:lvl9pPr>
   </p:defaultTextStyle>
+  <p:extLst>
+    <p:ext uri="{EFAFB233-063F-42B5-8137-9DF3F51BA10A}">
+      <p15:sldGuideLst xmlns:p15="http://schemas.microsoft.com/office/powerpoint/2012/main">
+        <p15:guide id="1" orient="horz" pos="2160">
+          <p15:clr>
+            <a:srgbClr val="A4A3A4"/>
+          </p15:clr>
+        </p15:guide>
+        <p15:guide id="2" pos="2880">
+          <p15:clr>
+            <a:srgbClr val="A4A3A4"/>
+          </p15:clr>
+        </p15:guide>
+      </p15:sldGuideLst>
+    </p:ext>
+  </p:extLst>
 </p:presentation>
+</file>
+
+<file path=ppt/notesMasters/notesMaster1.xml><?xml version="1.0" encoding="utf-8"?>
+<p:notesMaster xmlns:a="http://schemas.openxmlformats.org/drawingml/2006/main" xmlns:r="http://schemas.openxmlformats.org/officeDocument/2006/relationships" xmlns:p="http://schemas.openxmlformats.org/presentationml/2006/main">
+  <p:cSld>
+    <p:bg>
+      <p:bgRef idx="1001">
+        <a:schemeClr val="bg1"/>
+      </p:bgRef>
+    </p:bg>
+    <p:spTree>
+      <p:nvGrpSpPr>
+        <p:cNvPr id="1" name=""/>
+        <p:cNvGrpSpPr/>
+        <p:nvPr/>
+      </p:nvGrpSpPr>
+      <p:grpSpPr>
+        <a:xfrm>
+          <a:off x="0" y="0"/>
+          <a:ext cx="0" cy="0"/>
+          <a:chOff x="0" y="0"/>
+          <a:chExt cx="0" cy="0"/>
+        </a:xfrm>
+      </p:grpSpPr>
+      <p:sp>
+        <p:nvSpPr>
+          <p:cNvPr id="2" name="Marcador de encabezado 1"/>
+          <p:cNvSpPr>
+            <a:spLocks noGrp="1"/>
+          </p:cNvSpPr>
+          <p:nvPr>
+            <p:ph type="hdr" sz="quarter"/>
+          </p:nvPr>
+        </p:nvSpPr>
+        <p:spPr>
+          <a:xfrm>
+            <a:off x="0" y="0"/>
+            <a:ext cx="2971800" cy="458788"/>
+          </a:xfrm>
+          <a:prstGeom prst="rect">
+            <a:avLst/>
+          </a:prstGeom>
+        </p:spPr>
+        <p:txBody>
+          <a:bodyPr vert="horz" lIns="91440" tIns="45720" rIns="91440" bIns="45720" rtlCol="0"/>
+          <a:lstStyle>
+            <a:lvl1pPr algn="l">
+              <a:defRPr sz="1200"/>
+            </a:lvl1pPr>
+          </a:lstStyle>
+          <a:p>
+            <a:endParaRPr lang="es-AR"/>
+          </a:p>
+        </p:txBody>
+      </p:sp>
+      <p:sp>
+        <p:nvSpPr>
+          <p:cNvPr id="3" name="Marcador de fecha 2"/>
+          <p:cNvSpPr>
+            <a:spLocks noGrp="1"/>
+          </p:cNvSpPr>
+          <p:nvPr>
+            <p:ph type="dt" idx="1"/>
+          </p:nvPr>
+        </p:nvSpPr>
+        <p:spPr>
+          <a:xfrm>
+            <a:off x="3884613" y="0"/>
+            <a:ext cx="2971800" cy="458788"/>
+          </a:xfrm>
+          <a:prstGeom prst="rect">
+            <a:avLst/>
+          </a:prstGeom>
+        </p:spPr>
+        <p:txBody>
+          <a:bodyPr vert="horz" lIns="91440" tIns="45720" rIns="91440" bIns="45720" rtlCol="0"/>
+          <a:lstStyle>
+            <a:lvl1pPr algn="r">
+              <a:defRPr sz="1200"/>
+            </a:lvl1pPr>
+          </a:lstStyle>
+          <a:p>
+            <a:fld id="{2ADE1C6F-19E3-4389-88D4-500EEE71C5FB}" type="datetimeFigureOut">
+              <a:rPr lang="es-AR" smtClean="0"/>
+              <a:t>09/11/2017</a:t>
+            </a:fld>
+            <a:endParaRPr lang="es-AR"/>
+          </a:p>
+        </p:txBody>
+      </p:sp>
+      <p:sp>
+        <p:nvSpPr>
+          <p:cNvPr id="4" name="Marcador de imagen de diapositiva 3"/>
+          <p:cNvSpPr>
+            <a:spLocks noGrp="1" noRot="1" noChangeAspect="1"/>
+          </p:cNvSpPr>
+          <p:nvPr>
+            <p:ph type="sldImg" idx="2"/>
+          </p:nvPr>
+        </p:nvSpPr>
+        <p:spPr>
+          <a:xfrm>
+            <a:off x="1371600" y="1143000"/>
+            <a:ext cx="4114800" cy="3086100"/>
+          </a:xfrm>
+          <a:prstGeom prst="rect">
+            <a:avLst/>
+          </a:prstGeom>
+          <a:noFill/>
+          <a:ln w="12700">
+            <a:solidFill>
+              <a:prstClr val="black"/>
+            </a:solidFill>
+          </a:ln>
+        </p:spPr>
+        <p:txBody>
+          <a:bodyPr vert="horz" lIns="91440" tIns="45720" rIns="91440" bIns="45720" rtlCol="0" anchor="ctr"/>
+          <a:lstStyle/>
+          <a:p>
+            <a:endParaRPr lang="es-AR"/>
+          </a:p>
+        </p:txBody>
+      </p:sp>
+      <p:sp>
+        <p:nvSpPr>
+          <p:cNvPr id="5" name="Marcador de notas 4"/>
+          <p:cNvSpPr>
+            <a:spLocks noGrp="1"/>
+          </p:cNvSpPr>
+          <p:nvPr>
+            <p:ph type="body" sz="quarter" idx="3"/>
+          </p:nvPr>
+        </p:nvSpPr>
+        <p:spPr>
+          <a:xfrm>
+            <a:off x="685800" y="4400550"/>
+            <a:ext cx="5486400" cy="3600450"/>
+          </a:xfrm>
+          <a:prstGeom prst="rect">
+            <a:avLst/>
+          </a:prstGeom>
+        </p:spPr>
+        <p:txBody>
+          <a:bodyPr vert="horz" lIns="91440" tIns="45720" rIns="91440" bIns="45720" rtlCol="0"/>
+          <a:lstStyle/>
+          <a:p>
+            <a:pPr lvl="0"/>
+            <a:r>
+              <a:rPr lang="es-ES" smtClean="0"/>
+              <a:t>Editar el estilo de texto del patrón</a:t>
+            </a:r>
+          </a:p>
+          <a:p>
+            <a:pPr lvl="1"/>
+            <a:r>
+              <a:rPr lang="es-ES" smtClean="0"/>
+              <a:t>Segundo nivel</a:t>
+            </a:r>
+          </a:p>
+          <a:p>
+            <a:pPr lvl="2"/>
+            <a:r>
+              <a:rPr lang="es-ES" smtClean="0"/>
+              <a:t>Tercer nivel</a:t>
+            </a:r>
+          </a:p>
+          <a:p>
+            <a:pPr lvl="3"/>
+            <a:r>
+              <a:rPr lang="es-ES" smtClean="0"/>
+              <a:t>Cuarto nivel</a:t>
+            </a:r>
+          </a:p>
+          <a:p>
+            <a:pPr lvl="4"/>
+            <a:r>
+              <a:rPr lang="es-ES" smtClean="0"/>
+              <a:t>Quinto nivel</a:t>
+            </a:r>
+            <a:endParaRPr lang="es-AR"/>
+          </a:p>
+        </p:txBody>
+      </p:sp>
+      <p:sp>
+        <p:nvSpPr>
+          <p:cNvPr id="6" name="Marcador de pie de página 5"/>
+          <p:cNvSpPr>
+            <a:spLocks noGrp="1"/>
+          </p:cNvSpPr>
+          <p:nvPr>
+            <p:ph type="ftr" sz="quarter" idx="4"/>
+          </p:nvPr>
+        </p:nvSpPr>
+        <p:spPr>
+          <a:xfrm>
+            <a:off x="0" y="8685213"/>
+            <a:ext cx="2971800" cy="458787"/>
+          </a:xfrm>
+          <a:prstGeom prst="rect">
+            <a:avLst/>
+          </a:prstGeom>
+        </p:spPr>
+        <p:txBody>
+          <a:bodyPr vert="horz" lIns="91440" tIns="45720" rIns="91440" bIns="45720" rtlCol="0" anchor="b"/>
+          <a:lstStyle>
+            <a:lvl1pPr algn="l">
+              <a:defRPr sz="1200"/>
+            </a:lvl1pPr>
+          </a:lstStyle>
+          <a:p>
+            <a:endParaRPr lang="es-AR"/>
+          </a:p>
+        </p:txBody>
+      </p:sp>
+      <p:sp>
+        <p:nvSpPr>
+          <p:cNvPr id="7" name="Marcador de número de diapositiva 6"/>
+          <p:cNvSpPr>
+            <a:spLocks noGrp="1"/>
+          </p:cNvSpPr>
+          <p:nvPr>
+            <p:ph type="sldNum" sz="quarter" idx="5"/>
+          </p:nvPr>
+        </p:nvSpPr>
+        <p:spPr>
+          <a:xfrm>
+            <a:off x="3884613" y="8685213"/>
+            <a:ext cx="2971800" cy="458787"/>
+          </a:xfrm>
+          <a:prstGeom prst="rect">
+            <a:avLst/>
+          </a:prstGeom>
+        </p:spPr>
+        <p:txBody>
+          <a:bodyPr vert="horz" lIns="91440" tIns="45720" rIns="91440" bIns="45720" rtlCol="0" anchor="b"/>
+          <a:lstStyle>
+            <a:lvl1pPr algn="r">
+              <a:defRPr sz="1200"/>
+            </a:lvl1pPr>
+          </a:lstStyle>
+          <a:p>
+            <a:fld id="{B627E2E0-9F29-4AE4-BAE2-5102933765B8}" type="slidenum">
+              <a:rPr lang="es-AR" smtClean="0"/>
+              <a:t>‹Nº›</a:t>
+            </a:fld>
+            <a:endParaRPr lang="es-AR"/>
+          </a:p>
+        </p:txBody>
+      </p:sp>
+    </p:spTree>
+    <p:extLst>
+      <p:ext uri="{BB962C8B-B14F-4D97-AF65-F5344CB8AC3E}">
+        <p14:creationId xmlns:p14="http://schemas.microsoft.com/office/powerpoint/2010/main" val="3466409337"/>
+      </p:ext>
+    </p:extLst>
+  </p:cSld>
+  <p:clrMap bg1="lt1" tx1="dk1" bg2="lt2" tx2="dk2" accent1="accent1" accent2="accent2" accent3="accent3" accent4="accent4" accent5="accent5" accent6="accent6" hlink="hlink" folHlink="folHlink"/>
+  <p:notesStyle>
+    <a:lvl1pPr marL="0" algn="l" defTabSz="914400" rtl="0" eaLnBrk="1" latinLnBrk="0" hangingPunct="1">
+      <a:defRPr sz="1200" kern="1200">
+        <a:solidFill>
+          <a:schemeClr val="tx1"/>
+        </a:solidFill>
+        <a:latin typeface="+mn-lt"/>
+        <a:ea typeface="+mn-ea"/>
+        <a:cs typeface="+mn-cs"/>
+      </a:defRPr>
+    </a:lvl1pPr>
+    <a:lvl2pPr marL="457200" algn="l" defTabSz="914400" rtl="0" eaLnBrk="1" latinLnBrk="0" hangingPunct="1">
+      <a:defRPr sz="1200" kern="1200">
+        <a:solidFill>
+          <a:schemeClr val="tx1"/>
+        </a:solidFill>
+        <a:latin typeface="+mn-lt"/>
+        <a:ea typeface="+mn-ea"/>
+        <a:cs typeface="+mn-cs"/>
+      </a:defRPr>
+    </a:lvl2pPr>
+    <a:lvl3pPr marL="914400" algn="l" defTabSz="914400" rtl="0" eaLnBrk="1" latinLnBrk="0" hangingPunct="1">
+      <a:defRPr sz="1200" kern="1200">
+        <a:solidFill>
+          <a:schemeClr val="tx1"/>
+        </a:solidFill>
+        <a:latin typeface="+mn-lt"/>
+        <a:ea typeface="+mn-ea"/>
+        <a:cs typeface="+mn-cs"/>
+      </a:defRPr>
+    </a:lvl3pPr>
+    <a:lvl4pPr marL="1371600" algn="l" defTabSz="914400" rtl="0" eaLnBrk="1" latinLnBrk="0" hangingPunct="1">
+      <a:defRPr sz="1200" kern="1200">
+        <a:solidFill>
+          <a:schemeClr val="tx1"/>
+        </a:solidFill>
+        <a:latin typeface="+mn-lt"/>
+        <a:ea typeface="+mn-ea"/>
+        <a:cs typeface="+mn-cs"/>
+      </a:defRPr>
+    </a:lvl4pPr>
+    <a:lvl5pPr marL="1828800" algn="l" defTabSz="914400" rtl="0" eaLnBrk="1" latinLnBrk="0" hangingPunct="1">
+      <a:defRPr sz="1200" kern="1200">
+        <a:solidFill>
+          <a:schemeClr val="tx1"/>
+        </a:solidFill>
+        <a:latin typeface="+mn-lt"/>
+        <a:ea typeface="+mn-ea"/>
+        <a:cs typeface="+mn-cs"/>
+      </a:defRPr>
+    </a:lvl5pPr>
+    <a:lvl6pPr marL="2286000" algn="l" defTabSz="914400" rtl="0" eaLnBrk="1" latinLnBrk="0" hangingPunct="1">
+      <a:defRPr sz="1200" kern="1200">
+        <a:solidFill>
+          <a:schemeClr val="tx1"/>
+        </a:solidFill>
+        <a:latin typeface="+mn-lt"/>
+        <a:ea typeface="+mn-ea"/>
+        <a:cs typeface="+mn-cs"/>
+      </a:defRPr>
+    </a:lvl6pPr>
+    <a:lvl7pPr marL="2743200" algn="l" defTabSz="914400" rtl="0" eaLnBrk="1" latinLnBrk="0" hangingPunct="1">
+      <a:defRPr sz="1200" kern="1200">
+        <a:solidFill>
+          <a:schemeClr val="tx1"/>
+        </a:solidFill>
+        <a:latin typeface="+mn-lt"/>
+        <a:ea typeface="+mn-ea"/>
+        <a:cs typeface="+mn-cs"/>
+      </a:defRPr>
+    </a:lvl7pPr>
+    <a:lvl8pPr marL="3200400" algn="l" defTabSz="914400" rtl="0" eaLnBrk="1" latinLnBrk="0" hangingPunct="1">
+      <a:defRPr sz="1200" kern="1200">
+        <a:solidFill>
+          <a:schemeClr val="tx1"/>
+        </a:solidFill>
+        <a:latin typeface="+mn-lt"/>
+        <a:ea typeface="+mn-ea"/>
+        <a:cs typeface="+mn-cs"/>
+      </a:defRPr>
+    </a:lvl8pPr>
+    <a:lvl9pPr marL="3657600" algn="l" defTabSz="914400" rtl="0" eaLnBrk="1" latinLnBrk="0" hangingPunct="1">
+      <a:defRPr sz="1200" kern="1200">
+        <a:solidFill>
+          <a:schemeClr val="tx1"/>
+        </a:solidFill>
+        <a:latin typeface="+mn-lt"/>
+        <a:ea typeface="+mn-ea"/>
+        <a:cs typeface="+mn-cs"/>
+      </a:defRPr>
+    </a:lvl9pPr>
+  </p:notesStyle>
+</p:notesMaster>
+</file>
+
+<file path=ppt/notesSlides/notesSlide1.xml><?xml version="1.0" encoding="utf-8"?>
+<p:notes xmlns:a="http://schemas.openxmlformats.org/drawingml/2006/main" xmlns:r="http://schemas.openxmlformats.org/officeDocument/2006/relationships" xmlns:p="http://schemas.openxmlformats.org/presentationml/2006/main">
+  <p:cSld>
+    <p:spTree>
+      <p:nvGrpSpPr>
+        <p:cNvPr id="1" name=""/>
+        <p:cNvGrpSpPr/>
+        <p:nvPr/>
+      </p:nvGrpSpPr>
+      <p:grpSpPr>
+        <a:xfrm>
+          <a:off x="0" y="0"/>
+          <a:ext cx="0" cy="0"/>
+          <a:chOff x="0" y="0"/>
+          <a:chExt cx="0" cy="0"/>
+        </a:xfrm>
+      </p:grpSpPr>
+      <p:sp>
+        <p:nvSpPr>
+          <p:cNvPr id="2" name="Marcador de imagen de diapositiva 1"/>
+          <p:cNvSpPr>
+            <a:spLocks noGrp="1" noRot="1" noChangeAspect="1"/>
+          </p:cNvSpPr>
+          <p:nvPr>
+            <p:ph type="sldImg"/>
+          </p:nvPr>
+        </p:nvSpPr>
+        <p:spPr/>
+      </p:sp>
+      <p:sp>
+        <p:nvSpPr>
+          <p:cNvPr id="3" name="Marcador de notas 2"/>
+          <p:cNvSpPr>
+            <a:spLocks noGrp="1"/>
+          </p:cNvSpPr>
+          <p:nvPr>
+            <p:ph type="body" idx="1"/>
+          </p:nvPr>
+        </p:nvSpPr>
+        <p:spPr/>
+        <p:txBody>
+          <a:bodyPr/>
+          <a:lstStyle/>
+          <a:p>
+            <a:endParaRPr lang="es-AR" dirty="0"/>
+          </a:p>
+        </p:txBody>
+      </p:sp>
+      <p:sp>
+        <p:nvSpPr>
+          <p:cNvPr id="4" name="Marcador de número de diapositiva 3"/>
+          <p:cNvSpPr>
+            <a:spLocks noGrp="1"/>
+          </p:cNvSpPr>
+          <p:nvPr>
+            <p:ph type="sldNum" sz="quarter" idx="10"/>
+          </p:nvPr>
+        </p:nvSpPr>
+        <p:spPr/>
+        <p:txBody>
+          <a:bodyPr/>
+          <a:lstStyle/>
+          <a:p>
+            <a:fld id="{B627E2E0-9F29-4AE4-BAE2-5102933765B8}" type="slidenum">
+              <a:rPr lang="es-AR" smtClean="0"/>
+              <a:t>17</a:t>
+            </a:fld>
+            <a:endParaRPr lang="es-AR"/>
+          </a:p>
+        </p:txBody>
+      </p:sp>
+    </p:spTree>
+    <p:extLst>
+      <p:ext uri="{BB962C8B-B14F-4D97-AF65-F5344CB8AC3E}">
+        <p14:creationId xmlns:p14="http://schemas.microsoft.com/office/powerpoint/2010/main" val="3537459019"/>
+      </p:ext>
+    </p:extLst>
+  </p:cSld>
+  <p:clrMapOvr>
+    <a:masterClrMapping/>
+  </p:clrMapOvr>
+</p:notes>
 </file>
 
 <file path=ppt/slideLayouts/slideLayout1.xml><?xml version="1.0" encoding="utf-8"?>
@@ -3313,7 +3781,7 @@
         <p:spPr/>
         <p:txBody>
           <a:bodyPr>
-            <a:normAutofit/>
+            <a:normAutofit fontScale="90000"/>
           </a:bodyPr>
           <a:lstStyle/>
           <a:p>
@@ -3325,35 +3793,145 @@
                 <a:latin typeface="Times New Roman" pitchFamily="18" charset="0"/>
                 <a:cs typeface="Times New Roman" pitchFamily="18" charset="0"/>
               </a:rPr>
-              <a:t>Reporte de avances</a:t>
+              <a:t>Descripción del plan definido para el desarrollo del proyecto </a:t>
             </a:r>
             <a:endParaRPr lang="es-AR" dirty="0"/>
           </a:p>
         </p:txBody>
       </p:sp>
-      <p:pic>
-        <p:nvPicPr>
-          <p:cNvPr id="4" name="3 Marcador de contenido" descr="lineamientos-reporte-expuestos.gif"/>
-          <p:cNvPicPr>
-            <a:picLocks noGrp="1" noChangeAspect="1"/>
-          </p:cNvPicPr>
+      <p:sp>
+        <p:nvSpPr>
+          <p:cNvPr id="3" name="2 Marcador de contenido"/>
+          <p:cNvSpPr>
+            <a:spLocks noGrp="1"/>
+          </p:cNvSpPr>
           <p:nvPr>
             <p:ph idx="1"/>
           </p:nvPr>
-        </p:nvPicPr>
-        <p:blipFill>
-          <a:blip r:embed="rId2"/>
-          <a:stretch>
-            <a:fillRect/>
-          </a:stretch>
-        </p:blipFill>
-        <p:spPr>
-          <a:xfrm>
-            <a:off x="785786" y="1785926"/>
-            <a:ext cx="7570031" cy="3899713"/>
-          </a:xfrm>
-        </p:spPr>
-      </p:pic>
+        </p:nvSpPr>
+        <p:spPr/>
+        <p:txBody>
+          <a:bodyPr/>
+          <a:lstStyle/>
+          <a:p>
+            <a:pPr>
+              <a:buNone/>
+            </a:pPr>
+            <a:r>
+              <a:rPr lang="es-AR" sz="4800" dirty="0" smtClean="0">
+                <a:solidFill>
+                  <a:srgbClr val="890909"/>
+                </a:solidFill>
+                <a:latin typeface="Times New Roman" pitchFamily="18" charset="0"/>
+                <a:cs typeface="Times New Roman" pitchFamily="18" charset="0"/>
+              </a:rPr>
+              <a:t>Herramientas:</a:t>
+            </a:r>
+          </a:p>
+          <a:p>
+            <a:r>
+              <a:rPr lang="es-AR" sz="4800" dirty="0" err="1">
+                <a:solidFill>
+                  <a:srgbClr val="890909"/>
+                </a:solidFill>
+                <a:latin typeface="Times New Roman" pitchFamily="18" charset="0"/>
+                <a:cs typeface="Times New Roman" pitchFamily="18" charset="0"/>
+              </a:rPr>
+              <a:t>Python</a:t>
+            </a:r>
+            <a:r>
+              <a:rPr lang="es-AR" sz="4800" dirty="0">
+                <a:solidFill>
+                  <a:srgbClr val="890909"/>
+                </a:solidFill>
+                <a:latin typeface="Times New Roman" pitchFamily="18" charset="0"/>
+                <a:cs typeface="Times New Roman" pitchFamily="18" charset="0"/>
+              </a:rPr>
+              <a:t> </a:t>
+            </a:r>
+            <a:r>
+              <a:rPr lang="es-AR" sz="4800" dirty="0" smtClean="0">
+                <a:solidFill>
+                  <a:srgbClr val="890909"/>
+                </a:solidFill>
+                <a:latin typeface="Times New Roman" pitchFamily="18" charset="0"/>
+                <a:cs typeface="Times New Roman" pitchFamily="18" charset="0"/>
+              </a:rPr>
+              <a:t>2.7</a:t>
+            </a:r>
+          </a:p>
+          <a:p>
+            <a:r>
+              <a:rPr lang="es-AR" sz="4800" dirty="0" err="1">
+                <a:solidFill>
+                  <a:srgbClr val="890909"/>
+                </a:solidFill>
+                <a:latin typeface="Times New Roman" pitchFamily="18" charset="0"/>
+                <a:cs typeface="Times New Roman" pitchFamily="18" charset="0"/>
+              </a:rPr>
+              <a:t>MySQL</a:t>
+            </a:r>
+            <a:r>
+              <a:rPr lang="es-AR" sz="4800" dirty="0">
+                <a:solidFill>
+                  <a:srgbClr val="890909"/>
+                </a:solidFill>
+                <a:latin typeface="Times New Roman" pitchFamily="18" charset="0"/>
+                <a:cs typeface="Times New Roman" pitchFamily="18" charset="0"/>
+              </a:rPr>
+              <a:t> v5.5 </a:t>
+            </a:r>
+            <a:endParaRPr lang="es-AR" sz="4800" dirty="0" smtClean="0">
+              <a:solidFill>
+                <a:srgbClr val="890909"/>
+              </a:solidFill>
+              <a:latin typeface="Times New Roman" pitchFamily="18" charset="0"/>
+              <a:cs typeface="Times New Roman" pitchFamily="18" charset="0"/>
+            </a:endParaRPr>
+          </a:p>
+          <a:p>
+            <a:r>
+              <a:rPr lang="es-AR" sz="4800" dirty="0" smtClean="0">
+                <a:solidFill>
+                  <a:srgbClr val="890909"/>
+                </a:solidFill>
+                <a:latin typeface="Times New Roman" pitchFamily="18" charset="0"/>
+                <a:cs typeface="Times New Roman" pitchFamily="18" charset="0"/>
+              </a:rPr>
+              <a:t>Diseño de interfaz con </a:t>
+            </a:r>
+            <a:r>
+              <a:rPr lang="es-AR" sz="4800" dirty="0" err="1" smtClean="0">
+                <a:solidFill>
+                  <a:srgbClr val="890909"/>
+                </a:solidFill>
+                <a:latin typeface="Times New Roman" pitchFamily="18" charset="0"/>
+                <a:cs typeface="Times New Roman" pitchFamily="18" charset="0"/>
+              </a:rPr>
+              <a:t>Kivy</a:t>
+            </a:r>
+            <a:r>
+              <a:rPr lang="es-AR" sz="4800" dirty="0" smtClean="0">
+                <a:solidFill>
+                  <a:srgbClr val="890909"/>
+                </a:solidFill>
+                <a:latin typeface="Times New Roman" pitchFamily="18" charset="0"/>
+                <a:cs typeface="Times New Roman" pitchFamily="18" charset="0"/>
+              </a:rPr>
+              <a:t>.</a:t>
+            </a:r>
+          </a:p>
+          <a:p>
+            <a:endParaRPr lang="es-AR" dirty="0">
+              <a:solidFill>
+                <a:srgbClr val="890909"/>
+              </a:solidFill>
+              <a:latin typeface="Times New Roman" pitchFamily="18" charset="0"/>
+              <a:cs typeface="Times New Roman" pitchFamily="18" charset="0"/>
+            </a:endParaRPr>
+          </a:p>
+        </p:txBody>
+      </p:sp>
     </p:spTree>
   </p:cSld>
   <p:clrMapOvr>
@@ -3404,9 +3982,97 @@
                 <a:latin typeface="Times New Roman" pitchFamily="18" charset="0"/>
                 <a:cs typeface="Times New Roman" pitchFamily="18" charset="0"/>
               </a:rPr>
-              <a:t>Descripción de la experiencia del proceso</a:t>
-            </a:r>
-            <a:endParaRPr lang="es-AR" b="1" dirty="0">
+              <a:t>Descripción del plan definido para el desarrollo del proyecto </a:t>
+            </a:r>
+            <a:endParaRPr lang="es-AR" dirty="0"/>
+          </a:p>
+        </p:txBody>
+      </p:sp>
+      <p:sp>
+        <p:nvSpPr>
+          <p:cNvPr id="3" name="2 Marcador de contenido"/>
+          <p:cNvSpPr>
+            <a:spLocks noGrp="1"/>
+          </p:cNvSpPr>
+          <p:nvPr>
+            <p:ph idx="1"/>
+          </p:nvPr>
+        </p:nvSpPr>
+        <p:spPr/>
+        <p:txBody>
+          <a:bodyPr/>
+          <a:lstStyle/>
+          <a:p>
+            <a:pPr>
+              <a:buNone/>
+            </a:pPr>
+            <a:r>
+              <a:rPr lang="es-AR" sz="4000" dirty="0" smtClean="0">
+                <a:solidFill>
+                  <a:srgbClr val="890909"/>
+                </a:solidFill>
+                <a:latin typeface="Times New Roman" pitchFamily="18" charset="0"/>
+                <a:cs typeface="Times New Roman" pitchFamily="18" charset="0"/>
+              </a:rPr>
+              <a:t>Programación orientada a objetos:</a:t>
+            </a:r>
+          </a:p>
+          <a:p>
+            <a:pPr lvl="0"/>
+            <a:r>
+              <a:rPr lang="es-AR" sz="4000" dirty="0">
+                <a:solidFill>
+                  <a:srgbClr val="890909"/>
+                </a:solidFill>
+                <a:latin typeface="Times New Roman" pitchFamily="18" charset="0"/>
+                <a:cs typeface="Times New Roman" pitchFamily="18" charset="0"/>
+              </a:rPr>
+              <a:t>Análisis de Casos de </a:t>
+            </a:r>
+            <a:r>
+              <a:rPr lang="es-AR" sz="4000" dirty="0" smtClean="0">
+                <a:solidFill>
+                  <a:srgbClr val="890909"/>
+                </a:solidFill>
+                <a:latin typeface="Times New Roman" pitchFamily="18" charset="0"/>
+                <a:cs typeface="Times New Roman" pitchFamily="18" charset="0"/>
+              </a:rPr>
+              <a:t>uso</a:t>
+            </a:r>
+            <a:r>
+              <a:rPr lang="es-AR" sz="4000" dirty="0">
+                <a:solidFill>
+                  <a:srgbClr val="890909"/>
+                </a:solidFill>
+                <a:latin typeface="Times New Roman" pitchFamily="18" charset="0"/>
+                <a:cs typeface="Times New Roman" pitchFamily="18" charset="0"/>
+              </a:rPr>
+              <a:t>.</a:t>
+            </a:r>
+          </a:p>
+          <a:p>
+            <a:pPr lvl="0"/>
+            <a:r>
+              <a:rPr lang="es-AR" sz="4000" dirty="0">
+                <a:solidFill>
+                  <a:srgbClr val="890909"/>
+                </a:solidFill>
+                <a:latin typeface="Times New Roman" pitchFamily="18" charset="0"/>
+                <a:cs typeface="Times New Roman" pitchFamily="18" charset="0"/>
+              </a:rPr>
+              <a:t>Diagrama de Casos de </a:t>
+            </a:r>
+            <a:r>
+              <a:rPr lang="es-AR" sz="4000" dirty="0" smtClean="0">
+                <a:solidFill>
+                  <a:srgbClr val="890909"/>
+                </a:solidFill>
+                <a:latin typeface="Times New Roman" pitchFamily="18" charset="0"/>
+                <a:cs typeface="Times New Roman" pitchFamily="18" charset="0"/>
+              </a:rPr>
+              <a:t>uso.</a:t>
+            </a:r>
+            <a:endParaRPr lang="es-AR" sz="4000" dirty="0">
               <a:solidFill>
                 <a:srgbClr val="890909"/>
               </a:solidFill>
@@ -3414,31 +4080,104 @@
               <a:cs typeface="Times New Roman" pitchFamily="18" charset="0"/>
             </a:endParaRPr>
           </a:p>
-        </p:txBody>
-      </p:sp>
-      <p:pic>
-        <p:nvPicPr>
-          <p:cNvPr id="4" name="3 Marcador de contenido" descr="homer-facepalm.jpg"/>
-          <p:cNvPicPr>
-            <a:picLocks noGrp="1" noChangeAspect="1"/>
-          </p:cNvPicPr>
-          <p:nvPr>
-            <p:ph idx="1"/>
-          </p:nvPr>
-        </p:nvPicPr>
-        <p:blipFill>
-          <a:blip r:embed="rId2"/>
-          <a:stretch>
-            <a:fillRect/>
-          </a:stretch>
-        </p:blipFill>
-        <p:spPr>
-          <a:xfrm>
-            <a:off x="2285984" y="1785926"/>
-            <a:ext cx="4525963" cy="4525963"/>
-          </a:xfrm>
-        </p:spPr>
-      </p:pic>
+          <a:p>
+            <a:pPr lvl="0"/>
+            <a:r>
+              <a:rPr lang="es-AR" sz="4000" dirty="0">
+                <a:solidFill>
+                  <a:srgbClr val="890909"/>
+                </a:solidFill>
+                <a:latin typeface="Times New Roman" pitchFamily="18" charset="0"/>
+                <a:cs typeface="Times New Roman" pitchFamily="18" charset="0"/>
+              </a:rPr>
+              <a:t>Diagrama de </a:t>
+            </a:r>
+            <a:r>
+              <a:rPr lang="es-AR" sz="4000" dirty="0" smtClean="0">
+                <a:solidFill>
+                  <a:srgbClr val="890909"/>
+                </a:solidFill>
+                <a:latin typeface="Times New Roman" pitchFamily="18" charset="0"/>
+                <a:cs typeface="Times New Roman" pitchFamily="18" charset="0"/>
+              </a:rPr>
+              <a:t>Secuencias.</a:t>
+            </a:r>
+            <a:endParaRPr lang="es-AR" sz="4000" dirty="0">
+              <a:solidFill>
+                <a:srgbClr val="890909"/>
+              </a:solidFill>
+              <a:latin typeface="Times New Roman" pitchFamily="18" charset="0"/>
+              <a:cs typeface="Times New Roman" pitchFamily="18" charset="0"/>
+            </a:endParaRPr>
+          </a:p>
+          <a:p>
+            <a:pPr lvl="0"/>
+            <a:r>
+              <a:rPr lang="es-AR" sz="4000" dirty="0">
+                <a:solidFill>
+                  <a:srgbClr val="890909"/>
+                </a:solidFill>
+                <a:latin typeface="Times New Roman" pitchFamily="18" charset="0"/>
+                <a:cs typeface="Times New Roman" pitchFamily="18" charset="0"/>
+              </a:rPr>
+              <a:t>Escenario de Caso de </a:t>
+            </a:r>
+            <a:r>
+              <a:rPr lang="es-AR" sz="4000" dirty="0" smtClean="0">
+                <a:solidFill>
+                  <a:srgbClr val="890909"/>
+                </a:solidFill>
+                <a:latin typeface="Times New Roman" pitchFamily="18" charset="0"/>
+                <a:cs typeface="Times New Roman" pitchFamily="18" charset="0"/>
+              </a:rPr>
+              <a:t>uso</a:t>
+            </a:r>
+            <a:r>
+              <a:rPr lang="es-AR" sz="4000" dirty="0">
+                <a:solidFill>
+                  <a:srgbClr val="890909"/>
+                </a:solidFill>
+                <a:latin typeface="Times New Roman" pitchFamily="18" charset="0"/>
+                <a:cs typeface="Times New Roman" pitchFamily="18" charset="0"/>
+              </a:rPr>
+              <a:t>.</a:t>
+            </a:r>
+          </a:p>
+          <a:p>
+            <a:pPr lvl="0"/>
+            <a:r>
+              <a:rPr lang="es-AR" sz="4000" dirty="0">
+                <a:solidFill>
+                  <a:srgbClr val="890909"/>
+                </a:solidFill>
+                <a:latin typeface="Times New Roman" pitchFamily="18" charset="0"/>
+                <a:cs typeface="Times New Roman" pitchFamily="18" charset="0"/>
+              </a:rPr>
+              <a:t>Diagrama de </a:t>
+            </a:r>
+            <a:r>
+              <a:rPr lang="es-AR" sz="4000" dirty="0" smtClean="0">
+                <a:solidFill>
+                  <a:srgbClr val="890909"/>
+                </a:solidFill>
+                <a:latin typeface="Times New Roman" pitchFamily="18" charset="0"/>
+                <a:cs typeface="Times New Roman" pitchFamily="18" charset="0"/>
+              </a:rPr>
+              <a:t>Clases.</a:t>
+            </a:r>
+            <a:endParaRPr lang="es-AR" sz="4000" dirty="0">
+              <a:solidFill>
+                <a:srgbClr val="890909"/>
+              </a:solidFill>
+              <a:latin typeface="Times New Roman" pitchFamily="18" charset="0"/>
+              <a:cs typeface="Times New Roman" pitchFamily="18" charset="0"/>
+            </a:endParaRPr>
+          </a:p>
+          <a:p>
+            <a:endParaRPr lang="es-AR" dirty="0"/>
+          </a:p>
+        </p:txBody>
+      </p:sp>
     </p:spTree>
   </p:cSld>
   <p:clrMapOvr>
@@ -3476,7 +4215,9 @@
         </p:nvSpPr>
         <p:spPr/>
         <p:txBody>
-          <a:bodyPr/>
+          <a:bodyPr>
+            <a:normAutofit/>
+          </a:bodyPr>
           <a:lstStyle/>
           <a:p>
             <a:r>
@@ -3487,21 +4228,15 @@
                 <a:latin typeface="Times New Roman" pitchFamily="18" charset="0"/>
                 <a:cs typeface="Times New Roman" pitchFamily="18" charset="0"/>
               </a:rPr>
-              <a:t>Futuros pasos</a:t>
-            </a:r>
-            <a:endParaRPr lang="es-AR" b="1" dirty="0">
-              <a:solidFill>
-                <a:srgbClr val="890909"/>
-              </a:solidFill>
-              <a:latin typeface="Times New Roman" pitchFamily="18" charset="0"/>
-              <a:cs typeface="Times New Roman" pitchFamily="18" charset="0"/>
-            </a:endParaRPr>
+              <a:t>Reporte de avances</a:t>
+            </a:r>
+            <a:endParaRPr lang="es-AR" dirty="0"/>
           </a:p>
         </p:txBody>
       </p:sp>
       <p:pic>
         <p:nvPicPr>
-          <p:cNvPr id="4" name="3 Marcador de contenido" descr="los-hombres-de-negocios-globales-remiten-flechas-del-progreso-17977511.jpg"/>
+          <p:cNvPr id="4" name="3 Marcador de contenido" descr="lineamientos-reporte-expuestos.gif"/>
           <p:cNvPicPr>
             <a:picLocks noGrp="1" noChangeAspect="1"/>
           </p:cNvPicPr>
@@ -3517,8 +4252,8 @@
         </p:blipFill>
         <p:spPr>
           <a:xfrm>
-            <a:off x="2285984" y="1500174"/>
-            <a:ext cx="4482864" cy="4647307"/>
+            <a:off x="785786" y="1785926"/>
+            <a:ext cx="7570031" cy="3899713"/>
           </a:xfrm>
         </p:spPr>
       </p:pic>
@@ -3549,6 +4284,2760 @@
       </p:grpSpPr>
       <p:sp>
         <p:nvSpPr>
+          <p:cNvPr id="2" name="Título 1"/>
+          <p:cNvSpPr>
+            <a:spLocks noGrp="1"/>
+          </p:cNvSpPr>
+          <p:nvPr>
+            <p:ph type="title"/>
+          </p:nvPr>
+        </p:nvSpPr>
+        <p:spPr/>
+        <p:txBody>
+          <a:bodyPr/>
+          <a:lstStyle/>
+          <a:p>
+            <a:r>
+              <a:rPr lang="es-AR" dirty="0" smtClean="0">
+                <a:solidFill>
+                  <a:srgbClr val="890909"/>
+                </a:solidFill>
+              </a:rPr>
+              <a:t>Avances</a:t>
+            </a:r>
+            <a:endParaRPr lang="es-AR" dirty="0">
+              <a:solidFill>
+                <a:srgbClr val="890909"/>
+              </a:solidFill>
+            </a:endParaRPr>
+          </a:p>
+        </p:txBody>
+      </p:sp>
+      <p:sp>
+        <p:nvSpPr>
+          <p:cNvPr id="6" name="Marcador de contenido 5"/>
+          <p:cNvSpPr>
+            <a:spLocks noGrp="1"/>
+          </p:cNvSpPr>
+          <p:nvPr>
+            <p:ph sz="half" idx="2"/>
+          </p:nvPr>
+        </p:nvSpPr>
+        <p:spPr>
+          <a:xfrm>
+            <a:off x="491689" y="1417638"/>
+            <a:ext cx="4038600" cy="4525963"/>
+          </a:xfrm>
+        </p:spPr>
+        <p:txBody>
+          <a:bodyPr/>
+          <a:lstStyle/>
+          <a:p>
+            <a:r>
+              <a:rPr lang="es-AR" dirty="0" smtClean="0">
+                <a:solidFill>
+                  <a:srgbClr val="890909"/>
+                </a:solidFill>
+              </a:rPr>
+              <a:t>Segunda Maqueta</a:t>
+            </a:r>
+            <a:endParaRPr lang="es-AR" dirty="0">
+              <a:solidFill>
+                <a:srgbClr val="890909"/>
+              </a:solidFill>
+            </a:endParaRPr>
+          </a:p>
+        </p:txBody>
+      </p:sp>
+      <p:sp>
+        <p:nvSpPr>
+          <p:cNvPr id="7" name="Marcador de contenido 6"/>
+          <p:cNvSpPr>
+            <a:spLocks noGrp="1"/>
+          </p:cNvSpPr>
+          <p:nvPr>
+            <p:ph sz="half" idx="1"/>
+          </p:nvPr>
+        </p:nvSpPr>
+        <p:spPr>
+          <a:xfrm>
+            <a:off x="4564778" y="1417638"/>
+            <a:ext cx="4038600" cy="4525963"/>
+          </a:xfrm>
+        </p:spPr>
+        <p:txBody>
+          <a:bodyPr/>
+          <a:lstStyle/>
+          <a:p>
+            <a:r>
+              <a:rPr lang="es-AR" dirty="0" smtClean="0">
+                <a:solidFill>
+                  <a:srgbClr val="890909"/>
+                </a:solidFill>
+              </a:rPr>
+              <a:t>Prototipo actual</a:t>
+            </a:r>
+          </a:p>
+          <a:p>
+            <a:endParaRPr lang="es-AR" dirty="0"/>
+          </a:p>
+        </p:txBody>
+      </p:sp>
+      <p:pic>
+        <p:nvPicPr>
+          <p:cNvPr id="8" name="Imagen 7"/>
+          <p:cNvPicPr>
+            <a:picLocks noChangeAspect="1"/>
+          </p:cNvPicPr>
+          <p:nvPr/>
+        </p:nvPicPr>
+        <p:blipFill>
+          <a:blip r:embed="rId2"/>
+          <a:stretch>
+            <a:fillRect/>
+          </a:stretch>
+        </p:blipFill>
+        <p:spPr>
+          <a:xfrm>
+            <a:off x="4743921" y="2020562"/>
+            <a:ext cx="4201178" cy="3312368"/>
+          </a:xfrm>
+          <a:prstGeom prst="rect">
+            <a:avLst/>
+          </a:prstGeom>
+        </p:spPr>
+      </p:pic>
+      <p:pic>
+        <p:nvPicPr>
+          <p:cNvPr id="9" name="Imagen 8"/>
+          <p:cNvPicPr>
+            <a:picLocks noChangeAspect="1"/>
+          </p:cNvPicPr>
+          <p:nvPr/>
+        </p:nvPicPr>
+        <p:blipFill rotWithShape="1">
+          <a:blip r:embed="rId3"/>
+          <a:srcRect r="1667"/>
+          <a:stretch/>
+        </p:blipFill>
+        <p:spPr>
+          <a:xfrm>
+            <a:off x="295360" y="1988839"/>
+            <a:ext cx="4247087" cy="3344091"/>
+          </a:xfrm>
+          <a:prstGeom prst="rect">
+            <a:avLst/>
+          </a:prstGeom>
+        </p:spPr>
+      </p:pic>
+    </p:spTree>
+    <p:extLst>
+      <p:ext uri="{BB962C8B-B14F-4D97-AF65-F5344CB8AC3E}">
+        <p14:creationId xmlns:p14="http://schemas.microsoft.com/office/powerpoint/2010/main" val="484098003"/>
+      </p:ext>
+    </p:extLst>
+  </p:cSld>
+  <p:clrMapOvr>
+    <a:masterClrMapping/>
+  </p:clrMapOvr>
+</p:sld>
+</file>
+
+<file path=ppt/slides/slide14.xml><?xml version="1.0" encoding="utf-8"?>
+<p:sld xmlns:a="http://schemas.openxmlformats.org/drawingml/2006/main" xmlns:r="http://schemas.openxmlformats.org/officeDocument/2006/relationships" xmlns:p="http://schemas.openxmlformats.org/presentationml/2006/main">
+  <p:cSld>
+    <p:spTree>
+      <p:nvGrpSpPr>
+        <p:cNvPr id="1" name=""/>
+        <p:cNvGrpSpPr/>
+        <p:nvPr/>
+      </p:nvGrpSpPr>
+      <p:grpSpPr>
+        <a:xfrm>
+          <a:off x="0" y="0"/>
+          <a:ext cx="0" cy="0"/>
+          <a:chOff x="0" y="0"/>
+          <a:chExt cx="0" cy="0"/>
+        </a:xfrm>
+      </p:grpSpPr>
+      <p:sp>
+        <p:nvSpPr>
+          <p:cNvPr id="2" name="Título 1"/>
+          <p:cNvSpPr>
+            <a:spLocks noGrp="1"/>
+          </p:cNvSpPr>
+          <p:nvPr>
+            <p:ph type="title"/>
+          </p:nvPr>
+        </p:nvSpPr>
+        <p:spPr/>
+        <p:txBody>
+          <a:bodyPr/>
+          <a:lstStyle/>
+          <a:p>
+            <a:r>
+              <a:rPr lang="es-AR" dirty="0" smtClean="0">
+                <a:solidFill>
+                  <a:srgbClr val="890909"/>
+                </a:solidFill>
+              </a:rPr>
+              <a:t>Avances</a:t>
+            </a:r>
+            <a:endParaRPr lang="es-AR" dirty="0">
+              <a:solidFill>
+                <a:srgbClr val="890909"/>
+              </a:solidFill>
+            </a:endParaRPr>
+          </a:p>
+        </p:txBody>
+      </p:sp>
+      <p:sp>
+        <p:nvSpPr>
+          <p:cNvPr id="6" name="Marcador de contenido 5"/>
+          <p:cNvSpPr>
+            <a:spLocks noGrp="1"/>
+          </p:cNvSpPr>
+          <p:nvPr>
+            <p:ph idx="1"/>
+          </p:nvPr>
+        </p:nvSpPr>
+        <p:spPr/>
+        <p:txBody>
+          <a:bodyPr>
+            <a:normAutofit fontScale="85000" lnSpcReduction="20000"/>
+          </a:bodyPr>
+          <a:lstStyle/>
+          <a:p>
+            <a:r>
+              <a:rPr lang="es-AR" dirty="0" smtClean="0">
+                <a:solidFill>
+                  <a:srgbClr val="890909"/>
+                </a:solidFill>
+              </a:rPr>
+              <a:t>En la imagen anterior pudimos visualizar la interfaz inicial de nuestra aplicación </a:t>
+            </a:r>
+          </a:p>
+          <a:p>
+            <a:r>
+              <a:rPr lang="es-AR" dirty="0" smtClean="0">
+                <a:solidFill>
+                  <a:srgbClr val="890909"/>
+                </a:solidFill>
+              </a:rPr>
+              <a:t>Mostramos una comparativa entre nuestra maqueta y el prototipo actual de nuestro Sistema.</a:t>
+            </a:r>
+          </a:p>
+          <a:p>
+            <a:r>
+              <a:rPr lang="es-AR" dirty="0" smtClean="0">
+                <a:solidFill>
+                  <a:srgbClr val="890909"/>
+                </a:solidFill>
+              </a:rPr>
+              <a:t>El cual es completamente funcional pero necesita de un re-diseño de interfaz.</a:t>
+            </a:r>
+          </a:p>
+          <a:p>
+            <a:r>
+              <a:rPr lang="es-AR" dirty="0" smtClean="0">
+                <a:solidFill>
+                  <a:srgbClr val="890909"/>
+                </a:solidFill>
+              </a:rPr>
+              <a:t>Mediante esta interfaz los usuarios pueden ingresar su usuario y contraseña para poder acceder como administrador o docente</a:t>
+            </a:r>
+          </a:p>
+          <a:p>
+            <a:r>
+              <a:rPr lang="es-AR" dirty="0" smtClean="0">
+                <a:solidFill>
+                  <a:srgbClr val="890909"/>
+                </a:solidFill>
+              </a:rPr>
+              <a:t>También puede acceder como Alumno (sin ningún tipo de identificación)</a:t>
+            </a:r>
+          </a:p>
+          <a:p>
+            <a:r>
+              <a:rPr lang="es-AR" dirty="0" smtClean="0">
+                <a:solidFill>
+                  <a:srgbClr val="890909"/>
+                </a:solidFill>
+              </a:rPr>
+              <a:t>O realizar una solicitud de acceso al sistema</a:t>
+            </a:r>
+          </a:p>
+          <a:p>
+            <a:endParaRPr lang="es-AR" dirty="0"/>
+          </a:p>
+        </p:txBody>
+      </p:sp>
+    </p:spTree>
+    <p:extLst>
+      <p:ext uri="{BB962C8B-B14F-4D97-AF65-F5344CB8AC3E}">
+        <p14:creationId xmlns:p14="http://schemas.microsoft.com/office/powerpoint/2010/main" val="703142495"/>
+      </p:ext>
+    </p:extLst>
+  </p:cSld>
+  <p:clrMapOvr>
+    <a:masterClrMapping/>
+  </p:clrMapOvr>
+</p:sld>
+</file>
+
+<file path=ppt/slides/slide15.xml><?xml version="1.0" encoding="utf-8"?>
+<p:sld xmlns:a="http://schemas.openxmlformats.org/drawingml/2006/main" xmlns:r="http://schemas.openxmlformats.org/officeDocument/2006/relationships" xmlns:p="http://schemas.openxmlformats.org/presentationml/2006/main">
+  <p:cSld>
+    <p:spTree>
+      <p:nvGrpSpPr>
+        <p:cNvPr id="1" name=""/>
+        <p:cNvGrpSpPr/>
+        <p:nvPr/>
+      </p:nvGrpSpPr>
+      <p:grpSpPr>
+        <a:xfrm>
+          <a:off x="0" y="0"/>
+          <a:ext cx="0" cy="0"/>
+          <a:chOff x="0" y="0"/>
+          <a:chExt cx="0" cy="0"/>
+        </a:xfrm>
+      </p:grpSpPr>
+      <p:sp>
+        <p:nvSpPr>
+          <p:cNvPr id="2" name="Título 1"/>
+          <p:cNvSpPr>
+            <a:spLocks noGrp="1"/>
+          </p:cNvSpPr>
+          <p:nvPr>
+            <p:ph type="title"/>
+          </p:nvPr>
+        </p:nvSpPr>
+        <p:spPr/>
+        <p:txBody>
+          <a:bodyPr/>
+          <a:lstStyle/>
+          <a:p>
+            <a:r>
+              <a:rPr lang="es-AR" dirty="0" smtClean="0">
+                <a:solidFill>
+                  <a:srgbClr val="890909"/>
+                </a:solidFill>
+              </a:rPr>
+              <a:t>Avances</a:t>
+            </a:r>
+            <a:endParaRPr lang="es-AR" dirty="0">
+              <a:solidFill>
+                <a:srgbClr val="890909"/>
+              </a:solidFill>
+            </a:endParaRPr>
+          </a:p>
+        </p:txBody>
+      </p:sp>
+      <p:pic>
+        <p:nvPicPr>
+          <p:cNvPr id="11" name="Marcador de contenido 10"/>
+          <p:cNvPicPr>
+            <a:picLocks noGrp="1" noChangeAspect="1"/>
+          </p:cNvPicPr>
+          <p:nvPr>
+            <p:ph idx="1"/>
+          </p:nvPr>
+        </p:nvPicPr>
+        <p:blipFill>
+          <a:blip r:embed="rId2"/>
+          <a:stretch>
+            <a:fillRect/>
+          </a:stretch>
+        </p:blipFill>
+        <p:spPr>
+          <a:xfrm>
+            <a:off x="1691680" y="2204864"/>
+            <a:ext cx="5760640" cy="4255567"/>
+          </a:xfrm>
+          <a:prstGeom prst="rect">
+            <a:avLst/>
+          </a:prstGeom>
+        </p:spPr>
+      </p:pic>
+      <p:sp>
+        <p:nvSpPr>
+          <p:cNvPr id="6" name="Marcador de texto 5"/>
+          <p:cNvSpPr>
+            <a:spLocks noGrp="1"/>
+          </p:cNvSpPr>
+          <p:nvPr>
+            <p:ph type="body" sz="quarter" idx="4294967295"/>
+          </p:nvPr>
+        </p:nvSpPr>
+        <p:spPr>
+          <a:xfrm>
+            <a:off x="1187624" y="1417638"/>
+            <a:ext cx="7272808" cy="787226"/>
+          </a:xfrm>
+        </p:spPr>
+        <p:txBody>
+          <a:bodyPr>
+            <a:normAutofit fontScale="62500" lnSpcReduction="20000"/>
+          </a:bodyPr>
+          <a:lstStyle/>
+          <a:p>
+            <a:pPr marL="342900" indent="-342900">
+              <a:buFont typeface="Arial" panose="020B0604020202020204" pitchFamily="34" charset="0"/>
+              <a:buChar char="•"/>
+            </a:pPr>
+            <a:r>
+              <a:rPr lang="es-AR" sz="3800" dirty="0" smtClean="0">
+                <a:solidFill>
+                  <a:srgbClr val="890909"/>
+                </a:solidFill>
+              </a:rPr>
+              <a:t>Prototipo Actual</a:t>
+            </a:r>
+          </a:p>
+          <a:p>
+            <a:pPr marL="342900" indent="-342900">
+              <a:buFont typeface="Arial" panose="020B0604020202020204" pitchFamily="34" charset="0"/>
+              <a:buChar char="•"/>
+            </a:pPr>
+            <a:r>
+              <a:rPr lang="es-AR" sz="3500" dirty="0" smtClean="0">
+                <a:solidFill>
+                  <a:srgbClr val="890909"/>
+                </a:solidFill>
+              </a:rPr>
+              <a:t>Petición de acceso al sistema</a:t>
+            </a:r>
+            <a:endParaRPr lang="es-AR" sz="3500" dirty="0">
+              <a:solidFill>
+                <a:srgbClr val="890909"/>
+              </a:solidFill>
+            </a:endParaRPr>
+          </a:p>
+        </p:txBody>
+      </p:sp>
+    </p:spTree>
+    <p:extLst>
+      <p:ext uri="{BB962C8B-B14F-4D97-AF65-F5344CB8AC3E}">
+        <p14:creationId xmlns:p14="http://schemas.microsoft.com/office/powerpoint/2010/main" val="557462064"/>
+      </p:ext>
+    </p:extLst>
+  </p:cSld>
+  <p:clrMapOvr>
+    <a:masterClrMapping/>
+  </p:clrMapOvr>
+</p:sld>
+</file>
+
+<file path=ppt/slides/slide16.xml><?xml version="1.0" encoding="utf-8"?>
+<p:sld xmlns:a="http://schemas.openxmlformats.org/drawingml/2006/main" xmlns:r="http://schemas.openxmlformats.org/officeDocument/2006/relationships" xmlns:p="http://schemas.openxmlformats.org/presentationml/2006/main">
+  <p:cSld>
+    <p:spTree>
+      <p:nvGrpSpPr>
+        <p:cNvPr id="1" name=""/>
+        <p:cNvGrpSpPr/>
+        <p:nvPr/>
+      </p:nvGrpSpPr>
+      <p:grpSpPr>
+        <a:xfrm>
+          <a:off x="0" y="0"/>
+          <a:ext cx="0" cy="0"/>
+          <a:chOff x="0" y="0"/>
+          <a:chExt cx="0" cy="0"/>
+        </a:xfrm>
+      </p:grpSpPr>
+      <p:sp>
+        <p:nvSpPr>
+          <p:cNvPr id="2" name="Título 1"/>
+          <p:cNvSpPr>
+            <a:spLocks noGrp="1"/>
+          </p:cNvSpPr>
+          <p:nvPr>
+            <p:ph type="title"/>
+          </p:nvPr>
+        </p:nvSpPr>
+        <p:spPr/>
+        <p:txBody>
+          <a:bodyPr/>
+          <a:lstStyle/>
+          <a:p>
+            <a:r>
+              <a:rPr lang="es-AR" dirty="0" smtClean="0">
+                <a:solidFill>
+                  <a:srgbClr val="890909"/>
+                </a:solidFill>
+              </a:rPr>
+              <a:t>Avances</a:t>
+            </a:r>
+            <a:endParaRPr lang="es-AR" dirty="0">
+              <a:solidFill>
+                <a:srgbClr val="890909"/>
+              </a:solidFill>
+            </a:endParaRPr>
+          </a:p>
+        </p:txBody>
+      </p:sp>
+      <p:sp>
+        <p:nvSpPr>
+          <p:cNvPr id="3" name="Marcador de contenido 2"/>
+          <p:cNvSpPr>
+            <a:spLocks noGrp="1"/>
+          </p:cNvSpPr>
+          <p:nvPr>
+            <p:ph idx="1"/>
+          </p:nvPr>
+        </p:nvSpPr>
+        <p:spPr/>
+        <p:txBody>
+          <a:bodyPr>
+            <a:normAutofit/>
+          </a:bodyPr>
+          <a:lstStyle/>
+          <a:p>
+            <a:r>
+              <a:rPr lang="es-AR" dirty="0" smtClean="0">
+                <a:solidFill>
+                  <a:srgbClr val="890909"/>
+                </a:solidFill>
+              </a:rPr>
+              <a:t>Petición de acceso al sistema:</a:t>
+            </a:r>
+          </a:p>
+          <a:p>
+            <a:r>
+              <a:rPr lang="es-AR" sz="2800" dirty="0">
+                <a:solidFill>
+                  <a:srgbClr val="890909"/>
+                </a:solidFill>
+              </a:rPr>
+              <a:t>Al hacer click en Registrarse en </a:t>
+            </a:r>
+            <a:r>
+              <a:rPr lang="es-AR" sz="2800" dirty="0" smtClean="0">
+                <a:solidFill>
+                  <a:srgbClr val="890909"/>
+                </a:solidFill>
+              </a:rPr>
+              <a:t>la pantalla inicial la </a:t>
+            </a:r>
+            <a:r>
+              <a:rPr lang="es-AR" sz="2800" dirty="0">
+                <a:solidFill>
+                  <a:srgbClr val="890909"/>
+                </a:solidFill>
+              </a:rPr>
+              <a:t>siguiente ventana se despliega donde se le solicitan datos al usuario y se le da la opción de Enviar la petición de acceso o de volver </a:t>
+            </a:r>
+            <a:r>
+              <a:rPr lang="es-AR" sz="2800" dirty="0" smtClean="0">
+                <a:solidFill>
+                  <a:srgbClr val="890909"/>
+                </a:solidFill>
+              </a:rPr>
+              <a:t>atrás.</a:t>
+            </a:r>
+          </a:p>
+          <a:p>
+            <a:r>
+              <a:rPr lang="es-AR" sz="2800" dirty="0" smtClean="0">
+                <a:solidFill>
+                  <a:srgbClr val="890909"/>
+                </a:solidFill>
+              </a:rPr>
+              <a:t>Esta nueva ventana será utilizada por los docentes que quieren registrarse en el sistema.</a:t>
+            </a:r>
+            <a:endParaRPr lang="es-AR" sz="2800" dirty="0">
+              <a:solidFill>
+                <a:srgbClr val="890909"/>
+              </a:solidFill>
+            </a:endParaRPr>
+          </a:p>
+        </p:txBody>
+      </p:sp>
+    </p:spTree>
+    <p:extLst>
+      <p:ext uri="{BB962C8B-B14F-4D97-AF65-F5344CB8AC3E}">
+        <p14:creationId xmlns:p14="http://schemas.microsoft.com/office/powerpoint/2010/main" val="1192920116"/>
+      </p:ext>
+    </p:extLst>
+  </p:cSld>
+  <p:clrMapOvr>
+    <a:masterClrMapping/>
+  </p:clrMapOvr>
+</p:sld>
+</file>
+
+<file path=ppt/slides/slide17.xml><?xml version="1.0" encoding="utf-8"?>
+<p:sld xmlns:a="http://schemas.openxmlformats.org/drawingml/2006/main" xmlns:r="http://schemas.openxmlformats.org/officeDocument/2006/relationships" xmlns:p="http://schemas.openxmlformats.org/presentationml/2006/main">
+  <p:cSld>
+    <p:spTree>
+      <p:nvGrpSpPr>
+        <p:cNvPr id="1" name=""/>
+        <p:cNvGrpSpPr/>
+        <p:nvPr/>
+      </p:nvGrpSpPr>
+      <p:grpSpPr>
+        <a:xfrm>
+          <a:off x="0" y="0"/>
+          <a:ext cx="0" cy="0"/>
+          <a:chOff x="0" y="0"/>
+          <a:chExt cx="0" cy="0"/>
+        </a:xfrm>
+      </p:grpSpPr>
+      <p:sp>
+        <p:nvSpPr>
+          <p:cNvPr id="4" name="Título 3"/>
+          <p:cNvSpPr>
+            <a:spLocks noGrp="1"/>
+          </p:cNvSpPr>
+          <p:nvPr>
+            <p:ph type="title"/>
+          </p:nvPr>
+        </p:nvSpPr>
+        <p:spPr/>
+        <p:txBody>
+          <a:bodyPr/>
+          <a:lstStyle/>
+          <a:p>
+            <a:r>
+              <a:rPr lang="es-AR" dirty="0" smtClean="0">
+                <a:solidFill>
+                  <a:srgbClr val="890909"/>
+                </a:solidFill>
+              </a:rPr>
+              <a:t>Avances</a:t>
+            </a:r>
+            <a:endParaRPr lang="es-AR" dirty="0">
+              <a:solidFill>
+                <a:srgbClr val="890909"/>
+              </a:solidFill>
+            </a:endParaRPr>
+          </a:p>
+        </p:txBody>
+      </p:sp>
+      <p:sp>
+        <p:nvSpPr>
+          <p:cNvPr id="5" name="Marcador de texto 4"/>
+          <p:cNvSpPr>
+            <a:spLocks noGrp="1"/>
+          </p:cNvSpPr>
+          <p:nvPr>
+            <p:ph type="body" idx="1"/>
+          </p:nvPr>
+        </p:nvSpPr>
+        <p:spPr/>
+        <p:txBody>
+          <a:bodyPr/>
+          <a:lstStyle/>
+          <a:p>
+            <a:pPr marL="342900" indent="-342900">
+              <a:buFont typeface="Arial" panose="020B0604020202020204" pitchFamily="34" charset="0"/>
+              <a:buChar char="•"/>
+            </a:pPr>
+            <a:r>
+              <a:rPr lang="es-AR" b="0" dirty="0" smtClean="0">
+                <a:solidFill>
+                  <a:srgbClr val="890909"/>
+                </a:solidFill>
+              </a:rPr>
+              <a:t>Segunda Maqueta</a:t>
+            </a:r>
+            <a:endParaRPr lang="es-AR" b="0" dirty="0">
+              <a:solidFill>
+                <a:srgbClr val="890909"/>
+              </a:solidFill>
+            </a:endParaRPr>
+          </a:p>
+        </p:txBody>
+      </p:sp>
+      <p:pic>
+        <p:nvPicPr>
+          <p:cNvPr id="10" name="Marcador de contenido 9"/>
+          <p:cNvPicPr>
+            <a:picLocks noGrp="1" noChangeAspect="1"/>
+          </p:cNvPicPr>
+          <p:nvPr>
+            <p:ph sz="half" idx="2"/>
+          </p:nvPr>
+        </p:nvPicPr>
+        <p:blipFill>
+          <a:blip r:embed="rId3"/>
+          <a:stretch>
+            <a:fillRect/>
+          </a:stretch>
+        </p:blipFill>
+        <p:spPr>
+          <a:xfrm>
+            <a:off x="229496" y="2420888"/>
+            <a:ext cx="4342504" cy="3394734"/>
+          </a:xfrm>
+          <a:prstGeom prst="rect">
+            <a:avLst/>
+          </a:prstGeom>
+        </p:spPr>
+      </p:pic>
+      <p:sp>
+        <p:nvSpPr>
+          <p:cNvPr id="7" name="Marcador de texto 6"/>
+          <p:cNvSpPr>
+            <a:spLocks noGrp="1"/>
+          </p:cNvSpPr>
+          <p:nvPr>
+            <p:ph type="body" sz="quarter" idx="3"/>
+          </p:nvPr>
+        </p:nvSpPr>
+        <p:spPr/>
+        <p:txBody>
+          <a:bodyPr/>
+          <a:lstStyle/>
+          <a:p>
+            <a:pPr marL="342900" indent="-342900">
+              <a:buFont typeface="Arial" panose="020B0604020202020204" pitchFamily="34" charset="0"/>
+              <a:buChar char="•"/>
+            </a:pPr>
+            <a:r>
+              <a:rPr lang="es-AR" b="0" dirty="0" smtClean="0">
+                <a:solidFill>
+                  <a:srgbClr val="890909"/>
+                </a:solidFill>
+              </a:rPr>
+              <a:t>Prototipo Actual</a:t>
+            </a:r>
+            <a:endParaRPr lang="es-AR" b="0" dirty="0">
+              <a:solidFill>
+                <a:srgbClr val="890909"/>
+              </a:solidFill>
+            </a:endParaRPr>
+          </a:p>
+        </p:txBody>
+      </p:sp>
+      <p:pic>
+        <p:nvPicPr>
+          <p:cNvPr id="12" name="Marcador de contenido 11"/>
+          <p:cNvPicPr>
+            <a:picLocks noGrp="1" noChangeAspect="1"/>
+          </p:cNvPicPr>
+          <p:nvPr>
+            <p:ph sz="quarter" idx="4"/>
+          </p:nvPr>
+        </p:nvPicPr>
+        <p:blipFill>
+          <a:blip r:embed="rId4"/>
+          <a:stretch>
+            <a:fillRect/>
+          </a:stretch>
+        </p:blipFill>
+        <p:spPr>
+          <a:xfrm>
+            <a:off x="4645025" y="2420888"/>
+            <a:ext cx="4371075" cy="3376681"/>
+          </a:xfrm>
+          <a:prstGeom prst="rect">
+            <a:avLst/>
+          </a:prstGeom>
+        </p:spPr>
+      </p:pic>
+    </p:spTree>
+    <p:extLst>
+      <p:ext uri="{BB962C8B-B14F-4D97-AF65-F5344CB8AC3E}">
+        <p14:creationId xmlns:p14="http://schemas.microsoft.com/office/powerpoint/2010/main" val="1597712553"/>
+      </p:ext>
+    </p:extLst>
+  </p:cSld>
+  <p:clrMapOvr>
+    <a:masterClrMapping/>
+  </p:clrMapOvr>
+</p:sld>
+</file>
+
+<file path=ppt/slides/slide18.xml><?xml version="1.0" encoding="utf-8"?>
+<p:sld xmlns:a="http://schemas.openxmlformats.org/drawingml/2006/main" xmlns:r="http://schemas.openxmlformats.org/officeDocument/2006/relationships" xmlns:p="http://schemas.openxmlformats.org/presentationml/2006/main">
+  <p:cSld>
+    <p:spTree>
+      <p:nvGrpSpPr>
+        <p:cNvPr id="1" name=""/>
+        <p:cNvGrpSpPr/>
+        <p:nvPr/>
+      </p:nvGrpSpPr>
+      <p:grpSpPr>
+        <a:xfrm>
+          <a:off x="0" y="0"/>
+          <a:ext cx="0" cy="0"/>
+          <a:chOff x="0" y="0"/>
+          <a:chExt cx="0" cy="0"/>
+        </a:xfrm>
+      </p:grpSpPr>
+      <p:sp>
+        <p:nvSpPr>
+          <p:cNvPr id="2" name="Título 1"/>
+          <p:cNvSpPr>
+            <a:spLocks noGrp="1"/>
+          </p:cNvSpPr>
+          <p:nvPr>
+            <p:ph type="title"/>
+          </p:nvPr>
+        </p:nvSpPr>
+        <p:spPr/>
+        <p:txBody>
+          <a:bodyPr/>
+          <a:lstStyle/>
+          <a:p>
+            <a:r>
+              <a:rPr lang="es-AR" dirty="0" smtClean="0">
+                <a:solidFill>
+                  <a:srgbClr val="890909"/>
+                </a:solidFill>
+              </a:rPr>
+              <a:t>Avances</a:t>
+            </a:r>
+            <a:endParaRPr lang="es-AR" dirty="0">
+              <a:solidFill>
+                <a:srgbClr val="890909"/>
+              </a:solidFill>
+            </a:endParaRPr>
+          </a:p>
+        </p:txBody>
+      </p:sp>
+      <p:sp>
+        <p:nvSpPr>
+          <p:cNvPr id="6" name="Marcador de contenido 5"/>
+          <p:cNvSpPr>
+            <a:spLocks noGrp="1"/>
+          </p:cNvSpPr>
+          <p:nvPr>
+            <p:ph idx="1"/>
+          </p:nvPr>
+        </p:nvSpPr>
+        <p:spPr/>
+        <p:txBody>
+          <a:bodyPr>
+            <a:normAutofit/>
+          </a:bodyPr>
+          <a:lstStyle/>
+          <a:p>
+            <a:r>
+              <a:rPr lang="es-AR" sz="2800" dirty="0" smtClean="0">
+                <a:solidFill>
+                  <a:srgbClr val="890909"/>
+                </a:solidFill>
+              </a:rPr>
+              <a:t>En la imagen anterior pudimos visualizar la interfaz inicial los docentes, mostrando una comparativa entre nuestra maqueta y el prototipo actual de nuestro Sistema.</a:t>
+            </a:r>
+          </a:p>
+          <a:p>
+            <a:r>
+              <a:rPr lang="es-AR" sz="2800" dirty="0" smtClean="0">
+                <a:solidFill>
+                  <a:srgbClr val="890909"/>
+                </a:solidFill>
+              </a:rPr>
+              <a:t>Mediante esta interfaz los docentes validados podrán crear trabajos prácticos </a:t>
+            </a:r>
+            <a:endParaRPr lang="es-AR" sz="2800" dirty="0">
+              <a:solidFill>
+                <a:srgbClr val="890909"/>
+              </a:solidFill>
+            </a:endParaRPr>
+          </a:p>
+          <a:p>
+            <a:r>
+              <a:rPr lang="es-AR" sz="2800" dirty="0" smtClean="0">
+                <a:solidFill>
+                  <a:srgbClr val="890909"/>
+                </a:solidFill>
+              </a:rPr>
+              <a:t>Podrán buscar trabajos prácticos con el fin de poder visualizarlos modificarlos o eliminarlos. </a:t>
+            </a:r>
+            <a:endParaRPr lang="es-AR" sz="2800" dirty="0">
+              <a:solidFill>
+                <a:srgbClr val="890909"/>
+              </a:solidFill>
+            </a:endParaRPr>
+          </a:p>
+        </p:txBody>
+      </p:sp>
+    </p:spTree>
+    <p:extLst>
+      <p:ext uri="{BB962C8B-B14F-4D97-AF65-F5344CB8AC3E}">
+        <p14:creationId xmlns:p14="http://schemas.microsoft.com/office/powerpoint/2010/main" val="830947691"/>
+      </p:ext>
+    </p:extLst>
+  </p:cSld>
+  <p:clrMapOvr>
+    <a:masterClrMapping/>
+  </p:clrMapOvr>
+</p:sld>
+</file>
+
+<file path=ppt/slides/slide19.xml><?xml version="1.0" encoding="utf-8"?>
+<p:sld xmlns:a="http://schemas.openxmlformats.org/drawingml/2006/main" xmlns:r="http://schemas.openxmlformats.org/officeDocument/2006/relationships" xmlns:p="http://schemas.openxmlformats.org/presentationml/2006/main">
+  <p:cSld>
+    <p:spTree>
+      <p:nvGrpSpPr>
+        <p:cNvPr id="1" name=""/>
+        <p:cNvGrpSpPr/>
+        <p:nvPr/>
+      </p:nvGrpSpPr>
+      <p:grpSpPr>
+        <a:xfrm>
+          <a:off x="0" y="0"/>
+          <a:ext cx="0" cy="0"/>
+          <a:chOff x="0" y="0"/>
+          <a:chExt cx="0" cy="0"/>
+        </a:xfrm>
+      </p:grpSpPr>
+      <p:sp>
+        <p:nvSpPr>
+          <p:cNvPr id="4" name="Título 3"/>
+          <p:cNvSpPr>
+            <a:spLocks noGrp="1"/>
+          </p:cNvSpPr>
+          <p:nvPr>
+            <p:ph type="title"/>
+          </p:nvPr>
+        </p:nvSpPr>
+        <p:spPr/>
+        <p:txBody>
+          <a:bodyPr/>
+          <a:lstStyle/>
+          <a:p>
+            <a:r>
+              <a:rPr lang="es-AR" dirty="0" smtClean="0">
+                <a:solidFill>
+                  <a:srgbClr val="890909"/>
+                </a:solidFill>
+              </a:rPr>
+              <a:t>Avances</a:t>
+            </a:r>
+            <a:endParaRPr lang="es-AR" dirty="0">
+              <a:solidFill>
+                <a:srgbClr val="890909"/>
+              </a:solidFill>
+            </a:endParaRPr>
+          </a:p>
+        </p:txBody>
+      </p:sp>
+      <p:sp>
+        <p:nvSpPr>
+          <p:cNvPr id="5" name="Marcador de texto 4"/>
+          <p:cNvSpPr>
+            <a:spLocks noGrp="1"/>
+          </p:cNvSpPr>
+          <p:nvPr>
+            <p:ph type="body" idx="1"/>
+          </p:nvPr>
+        </p:nvSpPr>
+        <p:spPr/>
+        <p:txBody>
+          <a:bodyPr/>
+          <a:lstStyle/>
+          <a:p>
+            <a:pPr marL="342900" indent="-342900">
+              <a:buFont typeface="Arial" panose="020B0604020202020204" pitchFamily="34" charset="0"/>
+              <a:buChar char="•"/>
+            </a:pPr>
+            <a:r>
+              <a:rPr lang="es-AR" b="0" dirty="0" smtClean="0">
+                <a:solidFill>
+                  <a:srgbClr val="890909"/>
+                </a:solidFill>
+              </a:rPr>
+              <a:t>Segunda Maqueta</a:t>
+            </a:r>
+            <a:endParaRPr lang="es-AR" b="0" dirty="0">
+              <a:solidFill>
+                <a:srgbClr val="890909"/>
+              </a:solidFill>
+            </a:endParaRPr>
+          </a:p>
+        </p:txBody>
+      </p:sp>
+      <p:pic>
+        <p:nvPicPr>
+          <p:cNvPr id="10" name="Marcador de contenido 9"/>
+          <p:cNvPicPr>
+            <a:picLocks noGrp="1" noChangeAspect="1"/>
+          </p:cNvPicPr>
+          <p:nvPr>
+            <p:ph sz="half" idx="2"/>
+          </p:nvPr>
+        </p:nvPicPr>
+        <p:blipFill>
+          <a:blip r:embed="rId2"/>
+          <a:stretch>
+            <a:fillRect/>
+          </a:stretch>
+        </p:blipFill>
+        <p:spPr>
+          <a:xfrm>
+            <a:off x="259128" y="2585563"/>
+            <a:ext cx="4385897" cy="3293138"/>
+          </a:xfrm>
+          <a:prstGeom prst="rect">
+            <a:avLst/>
+          </a:prstGeom>
+        </p:spPr>
+      </p:pic>
+      <p:sp>
+        <p:nvSpPr>
+          <p:cNvPr id="7" name="Marcador de texto 6"/>
+          <p:cNvSpPr>
+            <a:spLocks noGrp="1"/>
+          </p:cNvSpPr>
+          <p:nvPr>
+            <p:ph type="body" sz="quarter" idx="3"/>
+          </p:nvPr>
+        </p:nvSpPr>
+        <p:spPr/>
+        <p:txBody>
+          <a:bodyPr/>
+          <a:lstStyle/>
+          <a:p>
+            <a:pPr marL="342900" indent="-342900">
+              <a:buFont typeface="Arial" panose="020B0604020202020204" pitchFamily="34" charset="0"/>
+              <a:buChar char="•"/>
+            </a:pPr>
+            <a:r>
+              <a:rPr lang="es-AR" b="0" dirty="0" smtClean="0">
+                <a:solidFill>
+                  <a:srgbClr val="890909"/>
+                </a:solidFill>
+              </a:rPr>
+              <a:t>Prototipo Actual</a:t>
+            </a:r>
+            <a:endParaRPr lang="es-AR" b="0" dirty="0">
+              <a:solidFill>
+                <a:srgbClr val="890909"/>
+              </a:solidFill>
+            </a:endParaRPr>
+          </a:p>
+        </p:txBody>
+      </p:sp>
+      <p:pic>
+        <p:nvPicPr>
+          <p:cNvPr id="9" name="Marcador de contenido 8"/>
+          <p:cNvPicPr>
+            <a:picLocks noGrp="1" noChangeAspect="1"/>
+          </p:cNvPicPr>
+          <p:nvPr>
+            <p:ph sz="quarter" idx="4"/>
+          </p:nvPr>
+        </p:nvPicPr>
+        <p:blipFill>
+          <a:blip r:embed="rId3"/>
+          <a:stretch>
+            <a:fillRect/>
+          </a:stretch>
+        </p:blipFill>
+        <p:spPr>
+          <a:xfrm>
+            <a:off x="4645025" y="2585563"/>
+            <a:ext cx="4282822" cy="3219701"/>
+          </a:xfrm>
+          <a:prstGeom prst="rect">
+            <a:avLst/>
+          </a:prstGeom>
+        </p:spPr>
+      </p:pic>
+    </p:spTree>
+    <p:extLst>
+      <p:ext uri="{BB962C8B-B14F-4D97-AF65-F5344CB8AC3E}">
+        <p14:creationId xmlns:p14="http://schemas.microsoft.com/office/powerpoint/2010/main" val="1205424975"/>
+      </p:ext>
+    </p:extLst>
+  </p:cSld>
+  <p:clrMapOvr>
+    <a:masterClrMapping/>
+  </p:clrMapOvr>
+</p:sld>
+</file>
+
+<file path=ppt/slides/slide2.xml><?xml version="1.0" encoding="utf-8"?>
+<p:sld xmlns:a="http://schemas.openxmlformats.org/drawingml/2006/main" xmlns:r="http://schemas.openxmlformats.org/officeDocument/2006/relationships" xmlns:p="http://schemas.openxmlformats.org/presentationml/2006/main">
+  <p:cSld>
+    <p:spTree>
+      <p:nvGrpSpPr>
+        <p:cNvPr id="1" name=""/>
+        <p:cNvGrpSpPr/>
+        <p:nvPr/>
+      </p:nvGrpSpPr>
+      <p:grpSpPr>
+        <a:xfrm>
+          <a:off x="0" y="0"/>
+          <a:ext cx="0" cy="0"/>
+          <a:chOff x="0" y="0"/>
+          <a:chExt cx="0" cy="0"/>
+        </a:xfrm>
+      </p:grpSpPr>
+      <p:sp>
+        <p:nvSpPr>
+          <p:cNvPr id="2" name="1 Título"/>
+          <p:cNvSpPr>
+            <a:spLocks noGrp="1"/>
+          </p:cNvSpPr>
+          <p:nvPr>
+            <p:ph type="title"/>
+          </p:nvPr>
+        </p:nvSpPr>
+        <p:spPr/>
+        <p:txBody>
+          <a:bodyPr/>
+          <a:lstStyle/>
+          <a:p>
+            <a:pPr algn="l"/>
+            <a:r>
+              <a:rPr lang="es-AR" b="1" dirty="0" err="1" smtClean="0">
+                <a:solidFill>
+                  <a:srgbClr val="890909"/>
+                </a:solidFill>
+                <a:latin typeface="Times New Roman" pitchFamily="18" charset="0"/>
+                <a:cs typeface="Times New Roman" pitchFamily="18" charset="0"/>
+              </a:rPr>
+              <a:t>Indice</a:t>
+            </a:r>
+            <a:endParaRPr lang="es-AR" b="1" dirty="0">
+              <a:solidFill>
+                <a:srgbClr val="890909"/>
+              </a:solidFill>
+              <a:latin typeface="Times New Roman" pitchFamily="18" charset="0"/>
+              <a:cs typeface="Times New Roman" pitchFamily="18" charset="0"/>
+            </a:endParaRPr>
+          </a:p>
+        </p:txBody>
+      </p:sp>
+      <p:sp>
+        <p:nvSpPr>
+          <p:cNvPr id="3" name="2 Marcador de contenido"/>
+          <p:cNvSpPr>
+            <a:spLocks noGrp="1"/>
+          </p:cNvSpPr>
+          <p:nvPr>
+            <p:ph idx="1"/>
+          </p:nvPr>
+        </p:nvSpPr>
+        <p:spPr/>
+        <p:txBody>
+          <a:bodyPr>
+            <a:normAutofit fontScale="85000" lnSpcReduction="10000"/>
+          </a:bodyPr>
+          <a:lstStyle/>
+          <a:p>
+            <a:r>
+              <a:rPr lang="es-AR" dirty="0" smtClean="0">
+                <a:solidFill>
+                  <a:srgbClr val="890909"/>
+                </a:solidFill>
+                <a:latin typeface="Times New Roman" pitchFamily="18" charset="0"/>
+                <a:cs typeface="Times New Roman" pitchFamily="18" charset="0"/>
+              </a:rPr>
+              <a:t>Definición del proyecto (alcances, objetivos, usos, etc.)</a:t>
+            </a:r>
+          </a:p>
+          <a:p>
+            <a:r>
+              <a:rPr lang="es-AR" dirty="0" err="1">
+                <a:solidFill>
+                  <a:srgbClr val="890909"/>
+                </a:solidFill>
+                <a:latin typeface="Times New Roman" pitchFamily="18" charset="0"/>
+                <a:cs typeface="Times New Roman" pitchFamily="18" charset="0"/>
+              </a:rPr>
+              <a:t>R</a:t>
+            </a:r>
+            <a:r>
+              <a:rPr lang="es-AR" dirty="0" err="1" smtClean="0">
+                <a:solidFill>
+                  <a:srgbClr val="890909"/>
+                </a:solidFill>
+                <a:latin typeface="Times New Roman" pitchFamily="18" charset="0"/>
+                <a:cs typeface="Times New Roman" pitchFamily="18" charset="0"/>
+              </a:rPr>
+              <a:t>equistos</a:t>
+            </a:r>
+            <a:r>
+              <a:rPr lang="es-AR" dirty="0" smtClean="0">
+                <a:solidFill>
+                  <a:srgbClr val="890909"/>
+                </a:solidFill>
+                <a:latin typeface="Times New Roman" pitchFamily="18" charset="0"/>
+                <a:cs typeface="Times New Roman" pitchFamily="18" charset="0"/>
+              </a:rPr>
+              <a:t> (clasificados por tipo)</a:t>
+            </a:r>
+          </a:p>
+          <a:p>
+            <a:r>
+              <a:rPr lang="es-AR" dirty="0" smtClean="0">
+                <a:solidFill>
+                  <a:srgbClr val="890909"/>
+                </a:solidFill>
+                <a:latin typeface="Times New Roman" pitchFamily="18" charset="0"/>
+                <a:cs typeface="Times New Roman" pitchFamily="18" charset="0"/>
+              </a:rPr>
+              <a:t>Descripción del plan definido para el desarrollo del proyecto (</a:t>
+            </a:r>
+            <a:r>
+              <a:rPr lang="es-AR" dirty="0" err="1" smtClean="0">
+                <a:solidFill>
+                  <a:srgbClr val="890909"/>
+                </a:solidFill>
+                <a:latin typeface="Times New Roman" pitchFamily="18" charset="0"/>
+                <a:cs typeface="Times New Roman" pitchFamily="18" charset="0"/>
+              </a:rPr>
+              <a:t>MCVs</a:t>
+            </a:r>
+            <a:r>
+              <a:rPr lang="es-AR" dirty="0" smtClean="0">
+                <a:solidFill>
+                  <a:srgbClr val="890909"/>
+                </a:solidFill>
+                <a:latin typeface="Times New Roman" pitchFamily="18" charset="0"/>
+                <a:cs typeface="Times New Roman" pitchFamily="18" charset="0"/>
+              </a:rPr>
+              <a:t> a utilizar, herramientas, Diseño, etc.)</a:t>
+            </a:r>
+          </a:p>
+          <a:p>
+            <a:r>
+              <a:rPr lang="es-AR" dirty="0" smtClean="0">
+                <a:solidFill>
+                  <a:srgbClr val="890909"/>
+                </a:solidFill>
+                <a:latin typeface="Times New Roman" pitchFamily="18" charset="0"/>
+                <a:cs typeface="Times New Roman" pitchFamily="18" charset="0"/>
+              </a:rPr>
+              <a:t>Reporte de Avances (presentación de maquetas, prototipos, etc.)</a:t>
+            </a:r>
+          </a:p>
+          <a:p>
+            <a:r>
+              <a:rPr lang="es-AR" dirty="0" smtClean="0">
+                <a:solidFill>
+                  <a:srgbClr val="890909"/>
+                </a:solidFill>
+                <a:latin typeface="Times New Roman" pitchFamily="18" charset="0"/>
+                <a:cs typeface="Times New Roman" pitchFamily="18" charset="0"/>
+              </a:rPr>
+              <a:t>Descripción de la experiencia del proceso (</a:t>
+            </a:r>
+            <a:r>
+              <a:rPr lang="es-AR" dirty="0">
+                <a:solidFill>
+                  <a:srgbClr val="890909"/>
+                </a:solidFill>
+                <a:latin typeface="Times New Roman" pitchFamily="18" charset="0"/>
+                <a:cs typeface="Times New Roman" pitchFamily="18" charset="0"/>
+              </a:rPr>
+              <a:t>dificultades identificadas, etc.)</a:t>
+            </a:r>
+            <a:r>
+              <a:rPr lang="es-AR" dirty="0" smtClean="0">
+                <a:solidFill>
+                  <a:srgbClr val="890909"/>
+                </a:solidFill>
+                <a:latin typeface="Times New Roman" pitchFamily="18" charset="0"/>
+                <a:cs typeface="Times New Roman" pitchFamily="18" charset="0"/>
+              </a:rPr>
+              <a:t>.</a:t>
+            </a:r>
+          </a:p>
+          <a:p>
+            <a:r>
+              <a:rPr lang="es-AR" dirty="0" smtClean="0">
+                <a:solidFill>
+                  <a:srgbClr val="890909"/>
+                </a:solidFill>
+                <a:latin typeface="Times New Roman" pitchFamily="18" charset="0"/>
+                <a:cs typeface="Times New Roman" pitchFamily="18" charset="0"/>
+              </a:rPr>
+              <a:t>Futuros pasos (estado actual del proyecto y futuras tareas a realizar)</a:t>
+            </a:r>
+          </a:p>
+          <a:p>
+            <a:endParaRPr lang="es-AR" dirty="0"/>
+          </a:p>
+        </p:txBody>
+      </p:sp>
+    </p:spTree>
+  </p:cSld>
+  <p:clrMapOvr>
+    <a:masterClrMapping/>
+  </p:clrMapOvr>
+</p:sld>
+</file>
+
+<file path=ppt/slides/slide20.xml><?xml version="1.0" encoding="utf-8"?>
+<p:sld xmlns:a="http://schemas.openxmlformats.org/drawingml/2006/main" xmlns:r="http://schemas.openxmlformats.org/officeDocument/2006/relationships" xmlns:p="http://schemas.openxmlformats.org/presentationml/2006/main">
+  <p:cSld>
+    <p:spTree>
+      <p:nvGrpSpPr>
+        <p:cNvPr id="1" name=""/>
+        <p:cNvGrpSpPr/>
+        <p:nvPr/>
+      </p:nvGrpSpPr>
+      <p:grpSpPr>
+        <a:xfrm>
+          <a:off x="0" y="0"/>
+          <a:ext cx="0" cy="0"/>
+          <a:chOff x="0" y="0"/>
+          <a:chExt cx="0" cy="0"/>
+        </a:xfrm>
+      </p:grpSpPr>
+      <p:sp>
+        <p:nvSpPr>
+          <p:cNvPr id="2" name="Título 1"/>
+          <p:cNvSpPr>
+            <a:spLocks noGrp="1"/>
+          </p:cNvSpPr>
+          <p:nvPr>
+            <p:ph type="title"/>
+          </p:nvPr>
+        </p:nvSpPr>
+        <p:spPr/>
+        <p:txBody>
+          <a:bodyPr/>
+          <a:lstStyle/>
+          <a:p>
+            <a:r>
+              <a:rPr lang="es-AR" dirty="0" smtClean="0">
+                <a:solidFill>
+                  <a:srgbClr val="890909"/>
+                </a:solidFill>
+              </a:rPr>
+              <a:t>Avances</a:t>
+            </a:r>
+            <a:endParaRPr lang="es-AR" dirty="0">
+              <a:solidFill>
+                <a:srgbClr val="890909"/>
+              </a:solidFill>
+            </a:endParaRPr>
+          </a:p>
+        </p:txBody>
+      </p:sp>
+      <p:sp>
+        <p:nvSpPr>
+          <p:cNvPr id="3" name="Marcador de texto 2"/>
+          <p:cNvSpPr>
+            <a:spLocks noGrp="1"/>
+          </p:cNvSpPr>
+          <p:nvPr>
+            <p:ph type="body" idx="1"/>
+          </p:nvPr>
+        </p:nvSpPr>
+        <p:spPr/>
+        <p:txBody>
+          <a:bodyPr/>
+          <a:lstStyle/>
+          <a:p>
+            <a:pPr marL="342900" indent="-342900">
+              <a:buFont typeface="Arial" panose="020B0604020202020204" pitchFamily="34" charset="0"/>
+              <a:buChar char="•"/>
+            </a:pPr>
+            <a:r>
+              <a:rPr lang="es-AR" b="0" dirty="0" smtClean="0">
+                <a:solidFill>
+                  <a:srgbClr val="890909"/>
+                </a:solidFill>
+              </a:rPr>
+              <a:t>Segunda Maqueta</a:t>
+            </a:r>
+            <a:endParaRPr lang="es-AR" b="0" dirty="0">
+              <a:solidFill>
+                <a:srgbClr val="890909"/>
+              </a:solidFill>
+            </a:endParaRPr>
+          </a:p>
+        </p:txBody>
+      </p:sp>
+      <p:pic>
+        <p:nvPicPr>
+          <p:cNvPr id="7" name="Marcador de contenido 6"/>
+          <p:cNvPicPr>
+            <a:picLocks noGrp="1" noChangeAspect="1"/>
+          </p:cNvPicPr>
+          <p:nvPr>
+            <p:ph sz="half" idx="2"/>
+          </p:nvPr>
+        </p:nvPicPr>
+        <p:blipFill>
+          <a:blip r:embed="rId2"/>
+          <a:stretch>
+            <a:fillRect/>
+          </a:stretch>
+        </p:blipFill>
+        <p:spPr>
+          <a:xfrm>
+            <a:off x="157644" y="2420888"/>
+            <a:ext cx="4414356" cy="3449182"/>
+          </a:xfrm>
+          <a:prstGeom prst="rect">
+            <a:avLst/>
+          </a:prstGeom>
+        </p:spPr>
+      </p:pic>
+      <p:sp>
+        <p:nvSpPr>
+          <p:cNvPr id="5" name="Marcador de texto 4"/>
+          <p:cNvSpPr>
+            <a:spLocks noGrp="1"/>
+          </p:cNvSpPr>
+          <p:nvPr>
+            <p:ph type="body" sz="quarter" idx="3"/>
+          </p:nvPr>
+        </p:nvSpPr>
+        <p:spPr/>
+        <p:txBody>
+          <a:bodyPr/>
+          <a:lstStyle/>
+          <a:p>
+            <a:pPr marL="342900" indent="-342900">
+              <a:buFont typeface="Arial" panose="020B0604020202020204" pitchFamily="34" charset="0"/>
+              <a:buChar char="•"/>
+            </a:pPr>
+            <a:r>
+              <a:rPr lang="es-AR" dirty="0">
+                <a:solidFill>
+                  <a:srgbClr val="890909"/>
+                </a:solidFill>
+              </a:rPr>
+              <a:t>Prototipo Actual</a:t>
+            </a:r>
+          </a:p>
+        </p:txBody>
+      </p:sp>
+      <p:pic>
+        <p:nvPicPr>
+          <p:cNvPr id="10" name="Marcador de contenido 9"/>
+          <p:cNvPicPr>
+            <a:picLocks noGrp="1" noChangeAspect="1"/>
+          </p:cNvPicPr>
+          <p:nvPr>
+            <p:ph sz="quarter" idx="4"/>
+          </p:nvPr>
+        </p:nvPicPr>
+        <p:blipFill>
+          <a:blip r:embed="rId3"/>
+          <a:stretch>
+            <a:fillRect/>
+          </a:stretch>
+        </p:blipFill>
+        <p:spPr>
+          <a:xfrm>
+            <a:off x="4613868" y="2430519"/>
+            <a:ext cx="4430793" cy="3439551"/>
+          </a:xfrm>
+          <a:prstGeom prst="rect">
+            <a:avLst/>
+          </a:prstGeom>
+        </p:spPr>
+      </p:pic>
+    </p:spTree>
+    <p:extLst>
+      <p:ext uri="{BB962C8B-B14F-4D97-AF65-F5344CB8AC3E}">
+        <p14:creationId xmlns:p14="http://schemas.microsoft.com/office/powerpoint/2010/main" val="3917028155"/>
+      </p:ext>
+    </p:extLst>
+  </p:cSld>
+  <p:clrMapOvr>
+    <a:masterClrMapping/>
+  </p:clrMapOvr>
+</p:sld>
+</file>
+
+<file path=ppt/slides/slide21.xml><?xml version="1.0" encoding="utf-8"?>
+<p:sld xmlns:a="http://schemas.openxmlformats.org/drawingml/2006/main" xmlns:r="http://schemas.openxmlformats.org/officeDocument/2006/relationships" xmlns:p="http://schemas.openxmlformats.org/presentationml/2006/main">
+  <p:cSld>
+    <p:spTree>
+      <p:nvGrpSpPr>
+        <p:cNvPr id="1" name=""/>
+        <p:cNvGrpSpPr/>
+        <p:nvPr/>
+      </p:nvGrpSpPr>
+      <p:grpSpPr>
+        <a:xfrm>
+          <a:off x="0" y="0"/>
+          <a:ext cx="0" cy="0"/>
+          <a:chOff x="0" y="0"/>
+          <a:chExt cx="0" cy="0"/>
+        </a:xfrm>
+      </p:grpSpPr>
+      <p:sp>
+        <p:nvSpPr>
+          <p:cNvPr id="2" name="Título 1"/>
+          <p:cNvSpPr>
+            <a:spLocks noGrp="1"/>
+          </p:cNvSpPr>
+          <p:nvPr>
+            <p:ph type="title"/>
+          </p:nvPr>
+        </p:nvSpPr>
+        <p:spPr/>
+        <p:txBody>
+          <a:bodyPr/>
+          <a:lstStyle/>
+          <a:p>
+            <a:r>
+              <a:rPr lang="es-AR" dirty="0" smtClean="0">
+                <a:solidFill>
+                  <a:srgbClr val="890909"/>
+                </a:solidFill>
+              </a:rPr>
+              <a:t>Avances</a:t>
+            </a:r>
+            <a:endParaRPr lang="es-AR" dirty="0">
+              <a:solidFill>
+                <a:srgbClr val="890909"/>
+              </a:solidFill>
+            </a:endParaRPr>
+          </a:p>
+        </p:txBody>
+      </p:sp>
+      <p:sp>
+        <p:nvSpPr>
+          <p:cNvPr id="6" name="Marcador de contenido 5"/>
+          <p:cNvSpPr>
+            <a:spLocks noGrp="1"/>
+          </p:cNvSpPr>
+          <p:nvPr>
+            <p:ph idx="1"/>
+          </p:nvPr>
+        </p:nvSpPr>
+        <p:spPr/>
+        <p:txBody>
+          <a:bodyPr>
+            <a:normAutofit fontScale="85000" lnSpcReduction="20000"/>
+          </a:bodyPr>
+          <a:lstStyle/>
+          <a:p>
+            <a:r>
+              <a:rPr lang="es-AR" sz="2800" dirty="0" smtClean="0">
+                <a:solidFill>
+                  <a:srgbClr val="890909"/>
+                </a:solidFill>
+              </a:rPr>
+              <a:t>En la imagen anterior pudimos visualizar la interfaz que nos permite asignarles consignas y respuestas a los trabajos prácticos creados por los docentes</a:t>
+            </a:r>
+          </a:p>
+          <a:p>
+            <a:r>
+              <a:rPr lang="es-AR" sz="2800" dirty="0" smtClean="0">
+                <a:solidFill>
+                  <a:srgbClr val="890909"/>
+                </a:solidFill>
+              </a:rPr>
+              <a:t>Una de las modificaciones que presenta nuestro prototipo respecto a la interfaz, es la posibilidad de asignar más de una respuesta verdadera</a:t>
+            </a:r>
+          </a:p>
+          <a:p>
+            <a:r>
+              <a:rPr lang="es-AR" sz="2800" dirty="0" smtClean="0">
+                <a:solidFill>
+                  <a:srgbClr val="890909"/>
+                </a:solidFill>
+              </a:rPr>
+              <a:t>Aun así, una de las modificaciones futuras a realizar es que no existan una limitación continua de tres respuestas por consigna, sino que estas puedan variar.</a:t>
+            </a:r>
+          </a:p>
+          <a:p>
+            <a:r>
+              <a:rPr lang="es-AR" sz="2800" dirty="0" smtClean="0">
+                <a:solidFill>
+                  <a:srgbClr val="890909"/>
+                </a:solidFill>
+              </a:rPr>
+              <a:t>Podemos observar también que el prototipo permite agregar varias consignas por trabajos prácticos. Es el docente el que indica el límite de las mismas.</a:t>
+            </a:r>
+          </a:p>
+          <a:p>
+            <a:r>
+              <a:rPr lang="es-AR" sz="2800" dirty="0" smtClean="0">
+                <a:solidFill>
+                  <a:srgbClr val="890909"/>
+                </a:solidFill>
+              </a:rPr>
+              <a:t>Al selección finalizar se termina la creación del trabajo práctico actual.</a:t>
+            </a:r>
+          </a:p>
+        </p:txBody>
+      </p:sp>
+    </p:spTree>
+    <p:extLst>
+      <p:ext uri="{BB962C8B-B14F-4D97-AF65-F5344CB8AC3E}">
+        <p14:creationId xmlns:p14="http://schemas.microsoft.com/office/powerpoint/2010/main" val="2529749017"/>
+      </p:ext>
+    </p:extLst>
+  </p:cSld>
+  <p:clrMapOvr>
+    <a:masterClrMapping/>
+  </p:clrMapOvr>
+</p:sld>
+</file>
+
+<file path=ppt/slides/slide22.xml><?xml version="1.0" encoding="utf-8"?>
+<p:sld xmlns:a="http://schemas.openxmlformats.org/drawingml/2006/main" xmlns:r="http://schemas.openxmlformats.org/officeDocument/2006/relationships" xmlns:p="http://schemas.openxmlformats.org/presentationml/2006/main">
+  <p:cSld>
+    <p:spTree>
+      <p:nvGrpSpPr>
+        <p:cNvPr id="1" name=""/>
+        <p:cNvGrpSpPr/>
+        <p:nvPr/>
+      </p:nvGrpSpPr>
+      <p:grpSpPr>
+        <a:xfrm>
+          <a:off x="0" y="0"/>
+          <a:ext cx="0" cy="0"/>
+          <a:chOff x="0" y="0"/>
+          <a:chExt cx="0" cy="0"/>
+        </a:xfrm>
+      </p:grpSpPr>
+      <p:sp>
+        <p:nvSpPr>
+          <p:cNvPr id="2" name="Título 1"/>
+          <p:cNvSpPr>
+            <a:spLocks noGrp="1"/>
+          </p:cNvSpPr>
+          <p:nvPr>
+            <p:ph type="title"/>
+          </p:nvPr>
+        </p:nvSpPr>
+        <p:spPr/>
+        <p:txBody>
+          <a:bodyPr/>
+          <a:lstStyle/>
+          <a:p>
+            <a:endParaRPr lang="es-AR"/>
+          </a:p>
+        </p:txBody>
+      </p:sp>
+      <p:sp>
+        <p:nvSpPr>
+          <p:cNvPr id="3" name="Marcador de contenido 2"/>
+          <p:cNvSpPr>
+            <a:spLocks noGrp="1"/>
+          </p:cNvSpPr>
+          <p:nvPr>
+            <p:ph idx="1"/>
+          </p:nvPr>
+        </p:nvSpPr>
+        <p:spPr/>
+        <p:txBody>
+          <a:bodyPr/>
+          <a:lstStyle/>
+          <a:p>
+            <a:endParaRPr lang="es-AR"/>
+          </a:p>
+        </p:txBody>
+      </p:sp>
+    </p:spTree>
+    <p:extLst>
+      <p:ext uri="{BB962C8B-B14F-4D97-AF65-F5344CB8AC3E}">
+        <p14:creationId xmlns:p14="http://schemas.microsoft.com/office/powerpoint/2010/main" val="1102068534"/>
+      </p:ext>
+    </p:extLst>
+  </p:cSld>
+  <p:clrMapOvr>
+    <a:masterClrMapping/>
+  </p:clrMapOvr>
+</p:sld>
+</file>
+
+<file path=ppt/slides/slide23.xml><?xml version="1.0" encoding="utf-8"?>
+<p:sld xmlns:a="http://schemas.openxmlformats.org/drawingml/2006/main" xmlns:r="http://schemas.openxmlformats.org/officeDocument/2006/relationships" xmlns:p="http://schemas.openxmlformats.org/presentationml/2006/main">
+  <p:cSld>
+    <p:spTree>
+      <p:nvGrpSpPr>
+        <p:cNvPr id="1" name=""/>
+        <p:cNvGrpSpPr/>
+        <p:nvPr/>
+      </p:nvGrpSpPr>
+      <p:grpSpPr>
+        <a:xfrm>
+          <a:off x="0" y="0"/>
+          <a:ext cx="0" cy="0"/>
+          <a:chOff x="0" y="0"/>
+          <a:chExt cx="0" cy="0"/>
+        </a:xfrm>
+      </p:grpSpPr>
+      <p:sp>
+        <p:nvSpPr>
+          <p:cNvPr id="2" name="1 Título"/>
+          <p:cNvSpPr>
+            <a:spLocks noGrp="1"/>
+          </p:cNvSpPr>
+          <p:nvPr>
+            <p:ph type="title"/>
+          </p:nvPr>
+        </p:nvSpPr>
+        <p:spPr/>
+        <p:txBody>
+          <a:bodyPr>
+            <a:normAutofit fontScale="90000"/>
+          </a:bodyPr>
+          <a:lstStyle/>
+          <a:p>
+            <a:r>
+              <a:rPr lang="es-AR" b="1" dirty="0" smtClean="0">
+                <a:solidFill>
+                  <a:srgbClr val="890909"/>
+                </a:solidFill>
+                <a:latin typeface="Times New Roman" pitchFamily="18" charset="0"/>
+                <a:cs typeface="Times New Roman" pitchFamily="18" charset="0"/>
+              </a:rPr>
+              <a:t>Descripción de la experiencia del proceso</a:t>
+            </a:r>
+            <a:endParaRPr lang="es-AR" b="1" dirty="0">
+              <a:solidFill>
+                <a:srgbClr val="890909"/>
+              </a:solidFill>
+              <a:latin typeface="Times New Roman" pitchFamily="18" charset="0"/>
+              <a:cs typeface="Times New Roman" pitchFamily="18" charset="0"/>
+            </a:endParaRPr>
+          </a:p>
+        </p:txBody>
+      </p:sp>
+      <p:pic>
+        <p:nvPicPr>
+          <p:cNvPr id="4" name="3 Marcador de contenido" descr="homer-facepalm.jpg"/>
+          <p:cNvPicPr>
+            <a:picLocks noGrp="1" noChangeAspect="1"/>
+          </p:cNvPicPr>
+          <p:nvPr>
+            <p:ph idx="1"/>
+          </p:nvPr>
+        </p:nvPicPr>
+        <p:blipFill>
+          <a:blip r:embed="rId2"/>
+          <a:stretch>
+            <a:fillRect/>
+          </a:stretch>
+        </p:blipFill>
+        <p:spPr>
+          <a:xfrm>
+            <a:off x="2285984" y="1785926"/>
+            <a:ext cx="4525963" cy="4525963"/>
+          </a:xfrm>
+        </p:spPr>
+      </p:pic>
+    </p:spTree>
+  </p:cSld>
+  <p:clrMapOvr>
+    <a:masterClrMapping/>
+  </p:clrMapOvr>
+</p:sld>
+</file>
+
+<file path=ppt/slides/slide24.xml><?xml version="1.0" encoding="utf-8"?>
+<p:sld xmlns:a="http://schemas.openxmlformats.org/drawingml/2006/main" xmlns:r="http://schemas.openxmlformats.org/officeDocument/2006/relationships" xmlns:p="http://schemas.openxmlformats.org/presentationml/2006/main">
+  <p:cSld>
+    <p:spTree>
+      <p:nvGrpSpPr>
+        <p:cNvPr id="1" name=""/>
+        <p:cNvGrpSpPr/>
+        <p:nvPr/>
+      </p:nvGrpSpPr>
+      <p:grpSpPr>
+        <a:xfrm>
+          <a:off x="0" y="0"/>
+          <a:ext cx="0" cy="0"/>
+          <a:chOff x="0" y="0"/>
+          <a:chExt cx="0" cy="0"/>
+        </a:xfrm>
+      </p:grpSpPr>
+      <p:sp>
+        <p:nvSpPr>
+          <p:cNvPr id="2" name="1 Título"/>
+          <p:cNvSpPr>
+            <a:spLocks noGrp="1"/>
+          </p:cNvSpPr>
+          <p:nvPr>
+            <p:ph type="title"/>
+          </p:nvPr>
+        </p:nvSpPr>
+        <p:spPr/>
+        <p:txBody>
+          <a:bodyPr>
+            <a:noAutofit/>
+          </a:bodyPr>
+          <a:lstStyle/>
+          <a:p>
+            <a:r>
+              <a:rPr lang="es-AR" sz="3600" dirty="0" smtClean="0">
+                <a:solidFill>
+                  <a:srgbClr val="890909"/>
+                </a:solidFill>
+                <a:latin typeface="Arial" panose="020B0604020202020204" pitchFamily="34" charset="0"/>
+                <a:cs typeface="Arial" panose="020B0604020202020204" pitchFamily="34" charset="0"/>
+              </a:rPr>
+              <a:t>Descripción de la experiencia del proceso</a:t>
+            </a:r>
+            <a:endParaRPr lang="es-AR" sz="3600" dirty="0">
+              <a:solidFill>
+                <a:srgbClr val="890909"/>
+              </a:solidFill>
+              <a:latin typeface="Arial" panose="020B0604020202020204" pitchFamily="34" charset="0"/>
+              <a:cs typeface="Arial" panose="020B0604020202020204" pitchFamily="34" charset="0"/>
+            </a:endParaRPr>
+          </a:p>
+        </p:txBody>
+      </p:sp>
+      <p:sp>
+        <p:nvSpPr>
+          <p:cNvPr id="5" name="Marcador de contenido 4"/>
+          <p:cNvSpPr>
+            <a:spLocks noGrp="1"/>
+          </p:cNvSpPr>
+          <p:nvPr>
+            <p:ph idx="1"/>
+          </p:nvPr>
+        </p:nvSpPr>
+        <p:spPr/>
+        <p:txBody>
+          <a:bodyPr>
+            <a:normAutofit fontScale="70000" lnSpcReduction="20000"/>
+          </a:bodyPr>
+          <a:lstStyle/>
+          <a:p>
+            <a:pPr>
+              <a:buFont typeface="Wingdings" panose="05000000000000000000" pitchFamily="2" charset="2"/>
+              <a:buChar char="Ø"/>
+            </a:pPr>
+            <a:r>
+              <a:rPr lang="es-AR" dirty="0">
+                <a:solidFill>
+                  <a:srgbClr val="890909"/>
+                </a:solidFill>
+              </a:rPr>
+              <a:t>Para nosotros fue una experiencia enriquecedora la cual nos permitió crecer y aprender a manejarnos en una experiencia más cercana a la realidad.</a:t>
+            </a:r>
+          </a:p>
+          <a:p>
+            <a:pPr>
+              <a:buFont typeface="Wingdings" panose="05000000000000000000" pitchFamily="2" charset="2"/>
+              <a:buChar char="Ø"/>
+            </a:pPr>
+            <a:r>
+              <a:rPr lang="es-AR" dirty="0">
+                <a:solidFill>
+                  <a:srgbClr val="890909"/>
+                </a:solidFill>
+              </a:rPr>
+              <a:t>Nos encontramos con un </a:t>
+            </a:r>
+            <a:r>
+              <a:rPr lang="es-AR" dirty="0" smtClean="0">
+                <a:solidFill>
+                  <a:srgbClr val="890909"/>
+                </a:solidFill>
+              </a:rPr>
+              <a:t>desafío diferente </a:t>
+            </a:r>
+            <a:r>
+              <a:rPr lang="es-AR" dirty="0">
+                <a:solidFill>
+                  <a:srgbClr val="890909"/>
+                </a:solidFill>
+              </a:rPr>
+              <a:t>al que </a:t>
+            </a:r>
+            <a:r>
+              <a:rPr lang="es-AR" dirty="0" smtClean="0">
+                <a:solidFill>
+                  <a:srgbClr val="890909"/>
+                </a:solidFill>
+              </a:rPr>
+              <a:t>estábamos </a:t>
+            </a:r>
+            <a:r>
+              <a:rPr lang="es-AR" dirty="0">
+                <a:solidFill>
+                  <a:srgbClr val="890909"/>
+                </a:solidFill>
+              </a:rPr>
+              <a:t>acostumbrados lejos de consignas claras y estructuradas, teniendo que </a:t>
+            </a:r>
+            <a:r>
+              <a:rPr lang="es-AR" dirty="0" smtClean="0">
+                <a:solidFill>
+                  <a:srgbClr val="890909"/>
+                </a:solidFill>
+              </a:rPr>
+              <a:t>analizar y consensuar entre todos </a:t>
+            </a:r>
+            <a:r>
+              <a:rPr lang="es-AR" dirty="0">
+                <a:solidFill>
+                  <a:srgbClr val="890909"/>
+                </a:solidFill>
+              </a:rPr>
+              <a:t>cuales sería  las opciones más </a:t>
+            </a:r>
+            <a:r>
+              <a:rPr lang="es-AR" dirty="0" smtClean="0">
+                <a:solidFill>
+                  <a:srgbClr val="890909"/>
+                </a:solidFill>
+              </a:rPr>
+              <a:t>optimas </a:t>
+            </a:r>
+            <a:r>
+              <a:rPr lang="es-AR" dirty="0">
+                <a:solidFill>
+                  <a:srgbClr val="890909"/>
+                </a:solidFill>
+              </a:rPr>
+              <a:t>y realistas para el desarrollo. </a:t>
+            </a:r>
+          </a:p>
+          <a:p>
+            <a:pPr>
+              <a:buFont typeface="Wingdings" panose="05000000000000000000" pitchFamily="2" charset="2"/>
+              <a:buChar char="Ø"/>
+            </a:pPr>
+            <a:r>
+              <a:rPr lang="es-AR" dirty="0" smtClean="0">
+                <a:solidFill>
+                  <a:srgbClr val="890909"/>
+                </a:solidFill>
+              </a:rPr>
+              <a:t>Dificultades</a:t>
+            </a:r>
+            <a:endParaRPr lang="es-AR" dirty="0">
+              <a:solidFill>
+                <a:srgbClr val="890909"/>
+              </a:solidFill>
+            </a:endParaRPr>
+          </a:p>
+          <a:p>
+            <a:pPr lvl="1">
+              <a:buFont typeface="Courier New" panose="02070309020205020404" pitchFamily="49" charset="0"/>
+              <a:buChar char="o"/>
+            </a:pPr>
+            <a:r>
+              <a:rPr lang="es-AR" dirty="0" smtClean="0">
+                <a:solidFill>
+                  <a:srgbClr val="890909"/>
+                </a:solidFill>
+              </a:rPr>
+              <a:t>Organización de </a:t>
+            </a:r>
+            <a:r>
+              <a:rPr lang="es-AR" dirty="0">
+                <a:solidFill>
+                  <a:srgbClr val="890909"/>
+                </a:solidFill>
+              </a:rPr>
+              <a:t>nuestros tiempos. </a:t>
+            </a:r>
+            <a:r>
+              <a:rPr lang="es-AR" dirty="0" smtClean="0">
+                <a:solidFill>
+                  <a:srgbClr val="890909"/>
+                </a:solidFill>
+              </a:rPr>
+              <a:t>A </a:t>
+            </a:r>
+            <a:r>
+              <a:rPr lang="es-AR" dirty="0">
+                <a:solidFill>
+                  <a:srgbClr val="890909"/>
+                </a:solidFill>
+              </a:rPr>
+              <a:t>medida que nos fuimos adaptando como equipo esta dificultad fue resuelta.</a:t>
+            </a:r>
+          </a:p>
+          <a:p>
+            <a:pPr lvl="1">
+              <a:buFont typeface="Courier New" panose="02070309020205020404" pitchFamily="49" charset="0"/>
+              <a:buChar char="o"/>
+            </a:pPr>
+            <a:r>
+              <a:rPr lang="es-AR" dirty="0">
+                <a:solidFill>
+                  <a:srgbClr val="890909"/>
+                </a:solidFill>
+              </a:rPr>
+              <a:t>U</a:t>
+            </a:r>
+            <a:r>
+              <a:rPr lang="es-AR" dirty="0" smtClean="0">
+                <a:solidFill>
+                  <a:srgbClr val="890909"/>
+                </a:solidFill>
+              </a:rPr>
+              <a:t>tilización </a:t>
+            </a:r>
+            <a:r>
+              <a:rPr lang="es-AR" dirty="0">
+                <a:solidFill>
+                  <a:srgbClr val="890909"/>
+                </a:solidFill>
+              </a:rPr>
+              <a:t>de software y herramientas como </a:t>
+            </a:r>
+            <a:r>
+              <a:rPr lang="es-AR" dirty="0" err="1">
+                <a:solidFill>
+                  <a:srgbClr val="890909"/>
+                </a:solidFill>
+              </a:rPr>
+              <a:t>Kivy</a:t>
+            </a:r>
+            <a:r>
+              <a:rPr lang="es-AR" dirty="0">
+                <a:solidFill>
+                  <a:srgbClr val="890909"/>
+                </a:solidFill>
+              </a:rPr>
+              <a:t> con las cual no </a:t>
+            </a:r>
+            <a:r>
+              <a:rPr lang="es-AR" dirty="0" smtClean="0">
+                <a:solidFill>
+                  <a:srgbClr val="890909"/>
+                </a:solidFill>
+              </a:rPr>
+              <a:t>teníamos </a:t>
+            </a:r>
+            <a:r>
+              <a:rPr lang="es-AR" dirty="0">
+                <a:solidFill>
+                  <a:srgbClr val="890909"/>
+                </a:solidFill>
+              </a:rPr>
+              <a:t>experiencia previa por lo que tuvimos que aprender y adaptarnos a ella </a:t>
+            </a:r>
+            <a:r>
+              <a:rPr lang="es-AR" dirty="0" smtClean="0">
+                <a:solidFill>
+                  <a:srgbClr val="890909"/>
+                </a:solidFill>
+              </a:rPr>
+              <a:t>rápidamente.</a:t>
+            </a:r>
+            <a:endParaRPr lang="es-AR" dirty="0">
+              <a:solidFill>
+                <a:srgbClr val="890909"/>
+              </a:solidFill>
+            </a:endParaRPr>
+          </a:p>
+          <a:p>
+            <a:pPr lvl="1">
+              <a:buFont typeface="Courier New" panose="02070309020205020404" pitchFamily="49" charset="0"/>
+              <a:buChar char="o"/>
+            </a:pPr>
+            <a:r>
+              <a:rPr lang="es-AR" dirty="0">
+                <a:solidFill>
+                  <a:srgbClr val="890909"/>
+                </a:solidFill>
+              </a:rPr>
+              <a:t>Otras de las dificultades fue la adaptación y el entendimiento de las ideas de cliente a un proyecto real. </a:t>
+            </a:r>
+          </a:p>
+        </p:txBody>
+      </p:sp>
+      <p:pic>
+        <p:nvPicPr>
+          <p:cNvPr id="6" name="3 Imagen" descr="logo_unla.png"/>
+          <p:cNvPicPr>
+            <a:picLocks noChangeAspect="1"/>
+          </p:cNvPicPr>
+          <p:nvPr/>
+        </p:nvPicPr>
+        <p:blipFill>
+          <a:blip r:embed="rId2"/>
+          <a:stretch>
+            <a:fillRect/>
+          </a:stretch>
+        </p:blipFill>
+        <p:spPr>
+          <a:xfrm>
+            <a:off x="0" y="0"/>
+            <a:ext cx="1187624" cy="1246753"/>
+          </a:xfrm>
+          <a:prstGeom prst="rect">
+            <a:avLst/>
+          </a:prstGeom>
+        </p:spPr>
+      </p:pic>
+    </p:spTree>
+    <p:extLst>
+      <p:ext uri="{BB962C8B-B14F-4D97-AF65-F5344CB8AC3E}">
+        <p14:creationId xmlns:p14="http://schemas.microsoft.com/office/powerpoint/2010/main" val="3636457477"/>
+      </p:ext>
+    </p:extLst>
+  </p:cSld>
+  <p:clrMapOvr>
+    <a:masterClrMapping/>
+  </p:clrMapOvr>
+</p:sld>
+</file>
+
+<file path=ppt/slides/slide25.xml><?xml version="1.0" encoding="utf-8"?>
+<p:sld xmlns:a="http://schemas.openxmlformats.org/drawingml/2006/main" xmlns:r="http://schemas.openxmlformats.org/officeDocument/2006/relationships" xmlns:p="http://schemas.openxmlformats.org/presentationml/2006/main">
+  <p:cSld>
+    <p:spTree>
+      <p:nvGrpSpPr>
+        <p:cNvPr id="1" name=""/>
+        <p:cNvGrpSpPr/>
+        <p:nvPr/>
+      </p:nvGrpSpPr>
+      <p:grpSpPr>
+        <a:xfrm>
+          <a:off x="0" y="0"/>
+          <a:ext cx="0" cy="0"/>
+          <a:chOff x="0" y="0"/>
+          <a:chExt cx="0" cy="0"/>
+        </a:xfrm>
+      </p:grpSpPr>
+      <p:sp>
+        <p:nvSpPr>
+          <p:cNvPr id="2" name="Título 1"/>
+          <p:cNvSpPr>
+            <a:spLocks noGrp="1"/>
+          </p:cNvSpPr>
+          <p:nvPr>
+            <p:ph type="title"/>
+          </p:nvPr>
+        </p:nvSpPr>
+        <p:spPr/>
+        <p:txBody>
+          <a:bodyPr>
+            <a:normAutofit/>
+          </a:bodyPr>
+          <a:lstStyle/>
+          <a:p>
+            <a:r>
+              <a:rPr lang="es-AR" sz="4000" dirty="0">
+                <a:solidFill>
+                  <a:srgbClr val="890909"/>
+                </a:solidFill>
+                <a:latin typeface="Arial" panose="020B0604020202020204" pitchFamily="34" charset="0"/>
+                <a:cs typeface="Arial" panose="020B0604020202020204" pitchFamily="34" charset="0"/>
+              </a:rPr>
+              <a:t>Estado actual del proyecto</a:t>
+            </a:r>
+            <a:endParaRPr lang="es-AR" sz="4000" dirty="0"/>
+          </a:p>
+        </p:txBody>
+      </p:sp>
+      <p:sp>
+        <p:nvSpPr>
+          <p:cNvPr id="3" name="Marcador de contenido 2"/>
+          <p:cNvSpPr>
+            <a:spLocks noGrp="1"/>
+          </p:cNvSpPr>
+          <p:nvPr>
+            <p:ph idx="1"/>
+          </p:nvPr>
+        </p:nvSpPr>
+        <p:spPr/>
+        <p:txBody>
+          <a:bodyPr>
+            <a:normAutofit fontScale="70000" lnSpcReduction="20000"/>
+          </a:bodyPr>
+          <a:lstStyle/>
+          <a:p>
+            <a:pPr marL="0" indent="0">
+              <a:buNone/>
+            </a:pPr>
+            <a:r>
+              <a:rPr lang="es-AR" dirty="0">
+                <a:solidFill>
+                  <a:srgbClr val="890909"/>
+                </a:solidFill>
+              </a:rPr>
+              <a:t>F</a:t>
+            </a:r>
+            <a:r>
+              <a:rPr lang="es-AR" dirty="0" smtClean="0">
+                <a:solidFill>
+                  <a:srgbClr val="890909"/>
+                </a:solidFill>
+              </a:rPr>
+              <a:t>uncionalidades </a:t>
+            </a:r>
+            <a:r>
+              <a:rPr lang="es-AR" dirty="0">
+                <a:solidFill>
+                  <a:srgbClr val="890909"/>
+                </a:solidFill>
+              </a:rPr>
+              <a:t>implementadas </a:t>
+            </a:r>
+            <a:r>
+              <a:rPr lang="es-AR" dirty="0" smtClean="0">
+                <a:solidFill>
+                  <a:srgbClr val="890909"/>
+                </a:solidFill>
+              </a:rPr>
+              <a:t>en la interfaz del prototipo:</a:t>
+            </a:r>
+            <a:endParaRPr lang="es-AR" dirty="0">
+              <a:solidFill>
+                <a:srgbClr val="890909"/>
+              </a:solidFill>
+            </a:endParaRPr>
+          </a:p>
+          <a:p>
+            <a:pPr>
+              <a:buFont typeface="Wingdings" panose="05000000000000000000" pitchFamily="2" charset="2"/>
+              <a:buChar char="Ø"/>
+            </a:pPr>
+            <a:r>
+              <a:rPr lang="es-AR" dirty="0">
+                <a:solidFill>
+                  <a:srgbClr val="890909"/>
+                </a:solidFill>
+              </a:rPr>
+              <a:t>El </a:t>
+            </a:r>
+            <a:r>
+              <a:rPr lang="es-AR" dirty="0" smtClean="0">
+                <a:solidFill>
+                  <a:srgbClr val="890909"/>
+                </a:solidFill>
+              </a:rPr>
+              <a:t>Login </a:t>
+            </a:r>
+            <a:r>
+              <a:rPr lang="es-AR" dirty="0">
+                <a:solidFill>
+                  <a:srgbClr val="890909"/>
+                </a:solidFill>
+              </a:rPr>
+              <a:t>y comprobación de usuario tanto del rol administrador como del rol docente</a:t>
+            </a:r>
+          </a:p>
+          <a:p>
+            <a:pPr>
+              <a:buFont typeface="Wingdings" panose="05000000000000000000" pitchFamily="2" charset="2"/>
+              <a:buChar char="Ø"/>
+            </a:pPr>
+            <a:r>
+              <a:rPr lang="es-AR" dirty="0">
+                <a:solidFill>
+                  <a:srgbClr val="890909"/>
+                </a:solidFill>
+              </a:rPr>
+              <a:t>Las peticiones de acceso por parte de los docentes hacia los </a:t>
+            </a:r>
+            <a:r>
+              <a:rPr lang="es-AR" dirty="0" smtClean="0">
+                <a:solidFill>
+                  <a:srgbClr val="890909"/>
+                </a:solidFill>
+              </a:rPr>
+              <a:t>administradores</a:t>
+            </a:r>
+            <a:endParaRPr lang="es-AR" dirty="0">
+              <a:solidFill>
+                <a:srgbClr val="890909"/>
+              </a:solidFill>
+            </a:endParaRPr>
+          </a:p>
+          <a:p>
+            <a:pPr>
+              <a:buFont typeface="Wingdings" panose="05000000000000000000" pitchFamily="2" charset="2"/>
+              <a:buChar char="Ø"/>
+            </a:pPr>
+            <a:r>
+              <a:rPr lang="es-AR" dirty="0" smtClean="0">
+                <a:solidFill>
+                  <a:srgbClr val="890909"/>
+                </a:solidFill>
+              </a:rPr>
+              <a:t>Creación de </a:t>
+            </a:r>
+            <a:r>
+              <a:rPr lang="es-AR" dirty="0">
+                <a:solidFill>
+                  <a:srgbClr val="890909"/>
+                </a:solidFill>
+              </a:rPr>
+              <a:t>trabajos </a:t>
+            </a:r>
+            <a:r>
+              <a:rPr lang="es-AR" dirty="0" smtClean="0">
+                <a:solidFill>
+                  <a:srgbClr val="890909"/>
+                </a:solidFill>
+              </a:rPr>
+              <a:t>prácticos </a:t>
+            </a:r>
+          </a:p>
+          <a:p>
+            <a:pPr>
+              <a:buFont typeface="Wingdings" panose="05000000000000000000" pitchFamily="2" charset="2"/>
+              <a:buChar char="Ø"/>
+            </a:pPr>
+            <a:r>
+              <a:rPr lang="es-AR" dirty="0" smtClean="0">
+                <a:solidFill>
+                  <a:srgbClr val="890909"/>
+                </a:solidFill>
+              </a:rPr>
+              <a:t>Asignación de consignas y respuesta a los trabajos prácticos indicando respuestas verdaderas y falsas</a:t>
+            </a:r>
+          </a:p>
+          <a:p>
+            <a:pPr>
+              <a:buFont typeface="Wingdings" panose="05000000000000000000" pitchFamily="2" charset="2"/>
+              <a:buChar char="Ø"/>
+            </a:pPr>
+            <a:r>
+              <a:rPr lang="es-AR" dirty="0" smtClean="0">
+                <a:solidFill>
+                  <a:srgbClr val="890909"/>
+                </a:solidFill>
+              </a:rPr>
+              <a:t>La resolución </a:t>
+            </a:r>
+            <a:r>
+              <a:rPr lang="es-AR" dirty="0">
+                <a:solidFill>
+                  <a:srgbClr val="890909"/>
+                </a:solidFill>
+              </a:rPr>
+              <a:t>por parte del alumno de </a:t>
+            </a:r>
+            <a:r>
+              <a:rPr lang="es-AR" dirty="0" smtClean="0">
+                <a:solidFill>
+                  <a:srgbClr val="890909"/>
+                </a:solidFill>
+              </a:rPr>
+              <a:t>estos </a:t>
+            </a:r>
+            <a:r>
+              <a:rPr lang="es-AR" dirty="0">
+                <a:solidFill>
+                  <a:srgbClr val="890909"/>
+                </a:solidFill>
+              </a:rPr>
+              <a:t>trabajos </a:t>
+            </a:r>
+            <a:r>
+              <a:rPr lang="es-AR" dirty="0" smtClean="0">
+                <a:solidFill>
+                  <a:srgbClr val="890909"/>
+                </a:solidFill>
+              </a:rPr>
+              <a:t>prácticos</a:t>
+            </a:r>
+          </a:p>
+          <a:p>
+            <a:pPr marL="0" indent="0">
+              <a:buNone/>
+            </a:pPr>
+            <a:r>
+              <a:rPr lang="es-AR" dirty="0" smtClean="0">
+                <a:solidFill>
+                  <a:srgbClr val="890909"/>
+                </a:solidFill>
+              </a:rPr>
+              <a:t>Fuera de la interfaz tenemos implementadas:</a:t>
+            </a:r>
+          </a:p>
+          <a:p>
+            <a:pPr>
+              <a:buFont typeface="Wingdings" panose="05000000000000000000" pitchFamily="2" charset="2"/>
+              <a:buChar char="Ø"/>
+            </a:pPr>
+            <a:r>
+              <a:rPr lang="es-AR" dirty="0" smtClean="0">
+                <a:solidFill>
+                  <a:srgbClr val="890909"/>
+                </a:solidFill>
+              </a:rPr>
+              <a:t>Todas las funcionalidades de búsqueda necesarias para el sistema</a:t>
+            </a:r>
+          </a:p>
+          <a:p>
+            <a:pPr>
+              <a:buFont typeface="Wingdings" panose="05000000000000000000" pitchFamily="2" charset="2"/>
+              <a:buChar char="Ø"/>
+            </a:pPr>
+            <a:r>
+              <a:rPr lang="es-AR" dirty="0" smtClean="0">
+                <a:solidFill>
+                  <a:srgbClr val="890909"/>
+                </a:solidFill>
+              </a:rPr>
+              <a:t>Listas de peticiones a registrar para los administradores</a:t>
+            </a:r>
+          </a:p>
+          <a:p>
+            <a:pPr>
+              <a:buFont typeface="Wingdings" panose="05000000000000000000" pitchFamily="2" charset="2"/>
+              <a:buChar char="Ø"/>
+            </a:pPr>
+            <a:r>
+              <a:rPr lang="es-AR" dirty="0" smtClean="0">
+                <a:solidFill>
+                  <a:srgbClr val="890909"/>
+                </a:solidFill>
+              </a:rPr>
+              <a:t>Corrección y comprobación de las respuestas seleccionadas por los alumnos</a:t>
+            </a:r>
+          </a:p>
+          <a:p>
+            <a:pPr marL="0" indent="0">
+              <a:buNone/>
+            </a:pPr>
+            <a:endParaRPr lang="es-AR" dirty="0">
+              <a:solidFill>
+                <a:srgbClr val="890909"/>
+              </a:solidFill>
+            </a:endParaRPr>
+          </a:p>
+        </p:txBody>
+      </p:sp>
+      <p:pic>
+        <p:nvPicPr>
+          <p:cNvPr id="4" name="3 Imagen" descr="logo_unla.png"/>
+          <p:cNvPicPr>
+            <a:picLocks noChangeAspect="1"/>
+          </p:cNvPicPr>
+          <p:nvPr/>
+        </p:nvPicPr>
+        <p:blipFill>
+          <a:blip r:embed="rId2"/>
+          <a:stretch>
+            <a:fillRect/>
+          </a:stretch>
+        </p:blipFill>
+        <p:spPr>
+          <a:xfrm>
+            <a:off x="0" y="0"/>
+            <a:ext cx="1187624" cy="1246753"/>
+          </a:xfrm>
+          <a:prstGeom prst="rect">
+            <a:avLst/>
+          </a:prstGeom>
+        </p:spPr>
+      </p:pic>
+    </p:spTree>
+    <p:extLst>
+      <p:ext uri="{BB962C8B-B14F-4D97-AF65-F5344CB8AC3E}">
+        <p14:creationId xmlns:p14="http://schemas.microsoft.com/office/powerpoint/2010/main" val="1835284631"/>
+      </p:ext>
+    </p:extLst>
+  </p:cSld>
+  <p:clrMapOvr>
+    <a:masterClrMapping/>
+  </p:clrMapOvr>
+</p:sld>
+</file>
+
+<file path=ppt/slides/slide26.xml><?xml version="1.0" encoding="utf-8"?>
+<p:sld xmlns:a="http://schemas.openxmlformats.org/drawingml/2006/main" xmlns:r="http://schemas.openxmlformats.org/officeDocument/2006/relationships" xmlns:p="http://schemas.openxmlformats.org/presentationml/2006/main">
+  <p:cSld>
+    <p:spTree>
+      <p:nvGrpSpPr>
+        <p:cNvPr id="1" name=""/>
+        <p:cNvGrpSpPr/>
+        <p:nvPr/>
+      </p:nvGrpSpPr>
+      <p:grpSpPr>
+        <a:xfrm>
+          <a:off x="0" y="0"/>
+          <a:ext cx="0" cy="0"/>
+          <a:chOff x="0" y="0"/>
+          <a:chExt cx="0" cy="0"/>
+        </a:xfrm>
+      </p:grpSpPr>
+      <p:sp>
+        <p:nvSpPr>
+          <p:cNvPr id="2" name="1 Título"/>
+          <p:cNvSpPr>
+            <a:spLocks noGrp="1"/>
+          </p:cNvSpPr>
+          <p:nvPr>
+            <p:ph type="title"/>
+          </p:nvPr>
+        </p:nvSpPr>
+        <p:spPr/>
+        <p:txBody>
+          <a:bodyPr/>
+          <a:lstStyle/>
+          <a:p>
+            <a:r>
+              <a:rPr lang="es-AR" b="1" dirty="0" smtClean="0">
+                <a:solidFill>
+                  <a:srgbClr val="890909"/>
+                </a:solidFill>
+                <a:latin typeface="Times New Roman" pitchFamily="18" charset="0"/>
+                <a:cs typeface="Times New Roman" pitchFamily="18" charset="0"/>
+              </a:rPr>
+              <a:t>Futuros pasos</a:t>
+            </a:r>
+            <a:endParaRPr lang="es-AR" b="1" dirty="0">
+              <a:solidFill>
+                <a:srgbClr val="890909"/>
+              </a:solidFill>
+              <a:latin typeface="Times New Roman" pitchFamily="18" charset="0"/>
+              <a:cs typeface="Times New Roman" pitchFamily="18" charset="0"/>
+            </a:endParaRPr>
+          </a:p>
+        </p:txBody>
+      </p:sp>
+      <p:pic>
+        <p:nvPicPr>
+          <p:cNvPr id="4" name="3 Marcador de contenido" descr="los-hombres-de-negocios-globales-remiten-flechas-del-progreso-17977511.jpg"/>
+          <p:cNvPicPr>
+            <a:picLocks noGrp="1" noChangeAspect="1"/>
+          </p:cNvPicPr>
+          <p:nvPr>
+            <p:ph idx="1"/>
+          </p:nvPr>
+        </p:nvPicPr>
+        <p:blipFill>
+          <a:blip r:embed="rId2"/>
+          <a:stretch>
+            <a:fillRect/>
+          </a:stretch>
+        </p:blipFill>
+        <p:spPr>
+          <a:xfrm>
+            <a:off x="2285984" y="1500174"/>
+            <a:ext cx="4482864" cy="4647307"/>
+          </a:xfrm>
+        </p:spPr>
+      </p:pic>
+    </p:spTree>
+  </p:cSld>
+  <p:clrMapOvr>
+    <a:masterClrMapping/>
+  </p:clrMapOvr>
+</p:sld>
+</file>
+
+<file path=ppt/slides/slide27.xml><?xml version="1.0" encoding="utf-8"?>
+<p:sld xmlns:a="http://schemas.openxmlformats.org/drawingml/2006/main" xmlns:r="http://schemas.openxmlformats.org/officeDocument/2006/relationships" xmlns:p="http://schemas.openxmlformats.org/presentationml/2006/main">
+  <p:cSld>
+    <p:spTree>
+      <p:nvGrpSpPr>
+        <p:cNvPr id="1" name=""/>
+        <p:cNvGrpSpPr/>
+        <p:nvPr/>
+      </p:nvGrpSpPr>
+      <p:grpSpPr>
+        <a:xfrm>
+          <a:off x="0" y="0"/>
+          <a:ext cx="0" cy="0"/>
+          <a:chOff x="0" y="0"/>
+          <a:chExt cx="0" cy="0"/>
+        </a:xfrm>
+      </p:grpSpPr>
+      <p:sp>
+        <p:nvSpPr>
+          <p:cNvPr id="2" name="1 Título"/>
+          <p:cNvSpPr>
+            <a:spLocks noGrp="1"/>
+          </p:cNvSpPr>
+          <p:nvPr>
+            <p:ph type="title"/>
+          </p:nvPr>
+        </p:nvSpPr>
+        <p:spPr/>
+        <p:txBody>
+          <a:bodyPr>
+            <a:normAutofit/>
+          </a:bodyPr>
+          <a:lstStyle/>
+          <a:p>
+            <a:r>
+              <a:rPr lang="es-AR" sz="4000" dirty="0" smtClean="0">
+                <a:solidFill>
+                  <a:srgbClr val="890909"/>
+                </a:solidFill>
+                <a:latin typeface="Arial" panose="020B0604020202020204" pitchFamily="34" charset="0"/>
+                <a:cs typeface="Arial" panose="020B0604020202020204" pitchFamily="34" charset="0"/>
+              </a:rPr>
+              <a:t>Estado actual del proyecto</a:t>
+            </a:r>
+            <a:endParaRPr lang="es-AR" sz="4000" dirty="0">
+              <a:solidFill>
+                <a:srgbClr val="890909"/>
+              </a:solidFill>
+              <a:latin typeface="Arial" panose="020B0604020202020204" pitchFamily="34" charset="0"/>
+              <a:cs typeface="Arial" panose="020B0604020202020204" pitchFamily="34" charset="0"/>
+            </a:endParaRPr>
+          </a:p>
+        </p:txBody>
+      </p:sp>
+      <p:pic>
+        <p:nvPicPr>
+          <p:cNvPr id="7" name="3 Imagen" descr="logo_unla.png"/>
+          <p:cNvPicPr>
+            <a:picLocks noChangeAspect="1"/>
+          </p:cNvPicPr>
+          <p:nvPr/>
+        </p:nvPicPr>
+        <p:blipFill>
+          <a:blip r:embed="rId2"/>
+          <a:stretch>
+            <a:fillRect/>
+          </a:stretch>
+        </p:blipFill>
+        <p:spPr>
+          <a:xfrm>
+            <a:off x="0" y="0"/>
+            <a:ext cx="1187624" cy="1246753"/>
+          </a:xfrm>
+          <a:prstGeom prst="rect">
+            <a:avLst/>
+          </a:prstGeom>
+        </p:spPr>
+      </p:pic>
+      <p:sp>
+        <p:nvSpPr>
+          <p:cNvPr id="5" name="Marcador de contenido 4"/>
+          <p:cNvSpPr>
+            <a:spLocks noGrp="1"/>
+          </p:cNvSpPr>
+          <p:nvPr>
+            <p:ph sz="half" idx="2"/>
+          </p:nvPr>
+        </p:nvSpPr>
+        <p:spPr>
+          <a:xfrm>
+            <a:off x="971600" y="1600200"/>
+            <a:ext cx="7715200" cy="4525963"/>
+          </a:xfrm>
+        </p:spPr>
+        <p:txBody>
+          <a:bodyPr>
+            <a:normAutofit/>
+          </a:bodyPr>
+          <a:lstStyle/>
+          <a:p>
+            <a:pPr marL="114300" indent="0">
+              <a:buNone/>
+            </a:pPr>
+            <a:r>
+              <a:rPr lang="es-AR" sz="2600" dirty="0">
+                <a:solidFill>
+                  <a:srgbClr val="890909"/>
+                </a:solidFill>
+                <a:latin typeface="Arial" panose="020B0604020202020204" pitchFamily="34" charset="0"/>
+                <a:cs typeface="Arial" panose="020B0604020202020204" pitchFamily="34" charset="0"/>
+              </a:rPr>
+              <a:t>Futuros pasos</a:t>
+            </a:r>
+            <a:endParaRPr lang="es-AR" sz="2600" dirty="0">
+              <a:solidFill>
+                <a:srgbClr val="890909"/>
+              </a:solidFill>
+            </a:endParaRPr>
+          </a:p>
+          <a:p>
+            <a:pPr>
+              <a:buFont typeface="Wingdings" panose="05000000000000000000" pitchFamily="2" charset="2"/>
+              <a:buChar char="Ø"/>
+            </a:pPr>
+            <a:r>
+              <a:rPr lang="es-AR" sz="2200" dirty="0">
+                <a:solidFill>
+                  <a:srgbClr val="890909"/>
+                </a:solidFill>
+              </a:rPr>
+              <a:t>Mejorar la búsqueda y filtrado de información para poder encontrar con mayor facilidad los trabajos prácticos en el sistema </a:t>
+            </a:r>
+          </a:p>
+          <a:p>
+            <a:pPr>
+              <a:buFont typeface="Wingdings" panose="05000000000000000000" pitchFamily="2" charset="2"/>
+              <a:buChar char="Ø"/>
+            </a:pPr>
+            <a:r>
+              <a:rPr lang="es-AR" sz="2200" dirty="0">
+                <a:solidFill>
+                  <a:srgbClr val="890909"/>
+                </a:solidFill>
+              </a:rPr>
+              <a:t>Mejora y re estructuración del diseño de la interfaz, fuentes, botones.</a:t>
+            </a:r>
+          </a:p>
+          <a:p>
+            <a:pPr>
+              <a:buFont typeface="Wingdings" panose="05000000000000000000" pitchFamily="2" charset="2"/>
+              <a:buChar char="Ø"/>
+            </a:pPr>
+            <a:r>
+              <a:rPr lang="es-AR" sz="2200" dirty="0">
+                <a:solidFill>
+                  <a:srgbClr val="890909"/>
+                </a:solidFill>
+              </a:rPr>
+              <a:t>Permitir al docente elegir más de una respuesta como correcta</a:t>
+            </a:r>
+          </a:p>
+          <a:p>
+            <a:pPr>
+              <a:buFont typeface="Wingdings" panose="05000000000000000000" pitchFamily="2" charset="2"/>
+              <a:buChar char="Ø"/>
+            </a:pPr>
+            <a:r>
+              <a:rPr lang="es-AR" sz="2200" dirty="0">
+                <a:solidFill>
+                  <a:srgbClr val="890909"/>
+                </a:solidFill>
+              </a:rPr>
+              <a:t>Integración del sistema y del servidor ya implementado por separado.</a:t>
+            </a:r>
+          </a:p>
+          <a:p>
+            <a:pPr>
+              <a:buFont typeface="Wingdings" panose="05000000000000000000" pitchFamily="2" charset="2"/>
+              <a:buChar char="Ø"/>
+            </a:pPr>
+            <a:r>
+              <a:rPr lang="es-AR" sz="2200" dirty="0">
+                <a:solidFill>
+                  <a:srgbClr val="890909"/>
+                </a:solidFill>
+              </a:rPr>
+              <a:t>Generar una devolución amigable para los alumnos que hallan resuelto los trabajos prácticos.</a:t>
+            </a:r>
+          </a:p>
+          <a:p>
+            <a:endParaRPr lang="es-AR" dirty="0"/>
+          </a:p>
+        </p:txBody>
+      </p:sp>
+    </p:spTree>
+    <p:extLst>
+      <p:ext uri="{BB962C8B-B14F-4D97-AF65-F5344CB8AC3E}">
+        <p14:creationId xmlns:p14="http://schemas.microsoft.com/office/powerpoint/2010/main" val="1139377580"/>
+      </p:ext>
+    </p:extLst>
+  </p:cSld>
+  <p:clrMapOvr>
+    <a:masterClrMapping/>
+  </p:clrMapOvr>
+</p:sld>
+</file>
+
+<file path=ppt/slides/slide28.xml><?xml version="1.0" encoding="utf-8"?>
+<p:sld xmlns:a="http://schemas.openxmlformats.org/drawingml/2006/main" xmlns:r="http://schemas.openxmlformats.org/officeDocument/2006/relationships" xmlns:p="http://schemas.openxmlformats.org/presentationml/2006/main">
+  <p:cSld>
+    <p:spTree>
+      <p:nvGrpSpPr>
+        <p:cNvPr id="1" name=""/>
+        <p:cNvGrpSpPr/>
+        <p:nvPr/>
+      </p:nvGrpSpPr>
+      <p:grpSpPr>
+        <a:xfrm>
+          <a:off x="0" y="0"/>
+          <a:ext cx="0" cy="0"/>
+          <a:chOff x="0" y="0"/>
+          <a:chExt cx="0" cy="0"/>
+        </a:xfrm>
+      </p:grpSpPr>
+      <p:sp>
+        <p:nvSpPr>
           <p:cNvPr id="2" name="1 Título"/>
           <p:cNvSpPr>
             <a:spLocks noGrp="1"/>
@@ -3770,220 +7259,6 @@
           </a:prstGeom>
         </p:spPr>
       </p:pic>
-    </p:spTree>
-  </p:cSld>
-  <p:clrMapOvr>
-    <a:masterClrMapping/>
-  </p:clrMapOvr>
-</p:sld>
-</file>
-
-<file path=ppt/slides/slide2.xml><?xml version="1.0" encoding="utf-8"?>
-<p:sld xmlns:a="http://schemas.openxmlformats.org/drawingml/2006/main" xmlns:r="http://schemas.openxmlformats.org/officeDocument/2006/relationships" xmlns:p="http://schemas.openxmlformats.org/presentationml/2006/main">
-  <p:cSld>
-    <p:spTree>
-      <p:nvGrpSpPr>
-        <p:cNvPr id="1" name=""/>
-        <p:cNvGrpSpPr/>
-        <p:nvPr/>
-      </p:nvGrpSpPr>
-      <p:grpSpPr>
-        <a:xfrm>
-          <a:off x="0" y="0"/>
-          <a:ext cx="0" cy="0"/>
-          <a:chOff x="0" y="0"/>
-          <a:chExt cx="0" cy="0"/>
-        </a:xfrm>
-      </p:grpSpPr>
-      <p:sp>
-        <p:nvSpPr>
-          <p:cNvPr id="2" name="1 Título"/>
-          <p:cNvSpPr>
-            <a:spLocks noGrp="1"/>
-          </p:cNvSpPr>
-          <p:nvPr>
-            <p:ph type="title"/>
-          </p:nvPr>
-        </p:nvSpPr>
-        <p:spPr/>
-        <p:txBody>
-          <a:bodyPr/>
-          <a:lstStyle/>
-          <a:p>
-            <a:pPr algn="l"/>
-            <a:r>
-              <a:rPr lang="es-AR" b="1" dirty="0" err="1" smtClean="0">
-                <a:solidFill>
-                  <a:srgbClr val="890909"/>
-                </a:solidFill>
-                <a:latin typeface="Times New Roman" pitchFamily="18" charset="0"/>
-                <a:cs typeface="Times New Roman" pitchFamily="18" charset="0"/>
-              </a:rPr>
-              <a:t>Indice</a:t>
-            </a:r>
-            <a:endParaRPr lang="es-AR" b="1" dirty="0">
-              <a:solidFill>
-                <a:srgbClr val="890909"/>
-              </a:solidFill>
-              <a:latin typeface="Times New Roman" pitchFamily="18" charset="0"/>
-              <a:cs typeface="Times New Roman" pitchFamily="18" charset="0"/>
-            </a:endParaRPr>
-          </a:p>
-        </p:txBody>
-      </p:sp>
-      <p:sp>
-        <p:nvSpPr>
-          <p:cNvPr id="3" name="2 Marcador de contenido"/>
-          <p:cNvSpPr>
-            <a:spLocks noGrp="1"/>
-          </p:cNvSpPr>
-          <p:nvPr>
-            <p:ph idx="1"/>
-          </p:nvPr>
-        </p:nvSpPr>
-        <p:spPr/>
-        <p:txBody>
-          <a:bodyPr>
-            <a:normAutofit fontScale="85000" lnSpcReduction="10000"/>
-          </a:bodyPr>
-          <a:lstStyle/>
-          <a:p>
-            <a:r>
-              <a:rPr lang="es-AR" dirty="0" smtClean="0">
-                <a:solidFill>
-                  <a:srgbClr val="890909"/>
-                </a:solidFill>
-                <a:latin typeface="Times New Roman" pitchFamily="18" charset="0"/>
-                <a:cs typeface="Times New Roman" pitchFamily="18" charset="0"/>
-              </a:rPr>
-              <a:t>Definición del proyecto (alcances, objetivos, usos, etc.)</a:t>
-            </a:r>
-          </a:p>
-          <a:p>
-            <a:r>
-              <a:rPr lang="es-AR" dirty="0" err="1">
-                <a:solidFill>
-                  <a:srgbClr val="890909"/>
-                </a:solidFill>
-                <a:latin typeface="Times New Roman" pitchFamily="18" charset="0"/>
-                <a:cs typeface="Times New Roman" pitchFamily="18" charset="0"/>
-              </a:rPr>
-              <a:t>R</a:t>
-            </a:r>
-            <a:r>
-              <a:rPr lang="es-AR" dirty="0" err="1" smtClean="0">
-                <a:solidFill>
-                  <a:srgbClr val="890909"/>
-                </a:solidFill>
-                <a:latin typeface="Times New Roman" pitchFamily="18" charset="0"/>
-                <a:cs typeface="Times New Roman" pitchFamily="18" charset="0"/>
-              </a:rPr>
-              <a:t>equistos</a:t>
-            </a:r>
-            <a:r>
-              <a:rPr lang="es-AR" dirty="0" smtClean="0">
-                <a:solidFill>
-                  <a:srgbClr val="890909"/>
-                </a:solidFill>
-                <a:latin typeface="Times New Roman" pitchFamily="18" charset="0"/>
-                <a:cs typeface="Times New Roman" pitchFamily="18" charset="0"/>
-              </a:rPr>
-              <a:t> (clasificados por tipo)</a:t>
-            </a:r>
-          </a:p>
-          <a:p>
-            <a:r>
-              <a:rPr lang="es-AR" dirty="0" smtClean="0">
-                <a:solidFill>
-                  <a:srgbClr val="890909"/>
-                </a:solidFill>
-                <a:latin typeface="Times New Roman" pitchFamily="18" charset="0"/>
-                <a:cs typeface="Times New Roman" pitchFamily="18" charset="0"/>
-              </a:rPr>
-              <a:t>Descripción del plan definido para el desarrollo del proyecto (</a:t>
-            </a:r>
-            <a:r>
-              <a:rPr lang="es-AR" dirty="0" err="1" smtClean="0">
-                <a:solidFill>
-                  <a:srgbClr val="890909"/>
-                </a:solidFill>
-                <a:latin typeface="Times New Roman" pitchFamily="18" charset="0"/>
-                <a:cs typeface="Times New Roman" pitchFamily="18" charset="0"/>
-              </a:rPr>
-              <a:t>MCVs</a:t>
-            </a:r>
-            <a:r>
-              <a:rPr lang="es-AR" dirty="0" smtClean="0">
-                <a:solidFill>
-                  <a:srgbClr val="890909"/>
-                </a:solidFill>
-                <a:latin typeface="Times New Roman" pitchFamily="18" charset="0"/>
-                <a:cs typeface="Times New Roman" pitchFamily="18" charset="0"/>
-              </a:rPr>
-              <a:t> a utilizar, herramientas, Diseño, etc.)</a:t>
-            </a:r>
-          </a:p>
-          <a:p>
-            <a:r>
-              <a:rPr lang="es-AR" dirty="0" smtClean="0">
-                <a:solidFill>
-                  <a:srgbClr val="890909"/>
-                </a:solidFill>
-                <a:latin typeface="Times New Roman" pitchFamily="18" charset="0"/>
-                <a:cs typeface="Times New Roman" pitchFamily="18" charset="0"/>
-              </a:rPr>
-              <a:t>Reporte de Avances (presentación de maquetas, prototipos, etc.)</a:t>
-            </a:r>
-          </a:p>
-          <a:p>
-            <a:r>
-              <a:rPr lang="es-AR" dirty="0" smtClean="0">
-                <a:solidFill>
-                  <a:srgbClr val="890909"/>
-                </a:solidFill>
-                <a:latin typeface="Times New Roman" pitchFamily="18" charset="0"/>
-                <a:cs typeface="Times New Roman" pitchFamily="18" charset="0"/>
-              </a:rPr>
-              <a:t>Descripción de la experiencia del proceso (</a:t>
-            </a:r>
-            <a:r>
-              <a:rPr lang="es-AR" dirty="0">
-                <a:solidFill>
-                  <a:srgbClr val="890909"/>
-                </a:solidFill>
-                <a:latin typeface="Times New Roman" pitchFamily="18" charset="0"/>
-                <a:cs typeface="Times New Roman" pitchFamily="18" charset="0"/>
-              </a:rPr>
-              <a:t>dificultades identificadas, etc.)</a:t>
-            </a:r>
-            <a:r>
-              <a:rPr lang="es-AR" dirty="0" smtClean="0">
-                <a:solidFill>
-                  <a:srgbClr val="890909"/>
-                </a:solidFill>
-                <a:latin typeface="Times New Roman" pitchFamily="18" charset="0"/>
-                <a:cs typeface="Times New Roman" pitchFamily="18" charset="0"/>
-              </a:rPr>
-              <a:t>.</a:t>
-            </a:r>
-          </a:p>
-          <a:p>
-            <a:r>
-              <a:rPr lang="es-AR" dirty="0" smtClean="0">
-                <a:solidFill>
-                  <a:srgbClr val="890909"/>
-                </a:solidFill>
-                <a:latin typeface="Times New Roman" pitchFamily="18" charset="0"/>
-                <a:cs typeface="Times New Roman" pitchFamily="18" charset="0"/>
-              </a:rPr>
-              <a:t>Futuros pasos (estado actual del proyecto y futuras tareas a realizar)</a:t>
-            </a:r>
-          </a:p>
-          <a:p>
-            <a:endParaRPr lang="es-AR" dirty="0"/>
-          </a:p>
-        </p:txBody>
-      </p:sp>
     </p:spTree>
   </p:cSld>
   <p:clrMapOvr>
@@ -4100,32 +7375,31 @@
         </p:nvSpPr>
         <p:spPr/>
         <p:txBody>
-          <a:bodyPr/>
-          <a:lstStyle/>
-          <a:p>
-            <a:r>
-              <a:rPr lang="es-AR" b="1" dirty="0" smtClean="0">
-                <a:solidFill>
-                  <a:srgbClr val="890909"/>
-                </a:solidFill>
-                <a:latin typeface="Times New Roman" pitchFamily="18" charset="0"/>
-                <a:cs typeface="Times New Roman" pitchFamily="18" charset="0"/>
-              </a:rPr>
-              <a:t>Requisitos</a:t>
-            </a:r>
-            <a:endParaRPr lang="es-AR" b="1" dirty="0">
-              <a:solidFill>
-                <a:srgbClr val="890909"/>
-              </a:solidFill>
-              <a:latin typeface="Times New Roman" pitchFamily="18" charset="0"/>
-              <a:cs typeface="Times New Roman" pitchFamily="18" charset="0"/>
+          <a:bodyPr>
+            <a:normAutofit/>
+          </a:bodyPr>
+          <a:lstStyle/>
+          <a:p>
+            <a:r>
+              <a:rPr lang="es-AR" dirty="0" smtClean="0">
+                <a:solidFill>
+                  <a:srgbClr val="890909"/>
+                </a:solidFill>
+                <a:latin typeface="Arial" panose="020B0604020202020204" pitchFamily="34" charset="0"/>
+                <a:cs typeface="Arial" panose="020B0604020202020204" pitchFamily="34" charset="0"/>
+              </a:rPr>
+              <a:t>Definición del proyecto</a:t>
+            </a:r>
+            <a:endParaRPr lang="es-AR" dirty="0">
+              <a:latin typeface="Arial" panose="020B0604020202020204" pitchFamily="34" charset="0"/>
+              <a:cs typeface="Arial" panose="020B0604020202020204" pitchFamily="34" charset="0"/>
             </a:endParaRPr>
           </a:p>
         </p:txBody>
       </p:sp>
       <p:sp>
         <p:nvSpPr>
-          <p:cNvPr id="3" name="2 Marcador de contenido"/>
+          <p:cNvPr id="3" name="Marcador de contenido 2"/>
           <p:cNvSpPr>
             <a:spLocks noGrp="1"/>
           </p:cNvSpPr>
@@ -4135,234 +7409,259 @@
         </p:nvSpPr>
         <p:spPr/>
         <p:txBody>
-          <a:bodyPr/>
-          <a:lstStyle/>
-          <a:p>
-            <a:pPr>
+          <a:bodyPr>
+            <a:normAutofit/>
+          </a:bodyPr>
+          <a:lstStyle/>
+          <a:p>
+            <a:pPr marL="0" indent="0">
               <a:buNone/>
             </a:pPr>
             <a:r>
-              <a:rPr lang="es-AR" sz="2400" u="sng" dirty="0">
-                <a:solidFill>
-                  <a:srgbClr val="890909"/>
-                </a:solidFill>
-                <a:latin typeface="Times New Roman" pitchFamily="18" charset="0"/>
-                <a:cs typeface="Times New Roman" pitchFamily="18" charset="0"/>
-              </a:rPr>
-              <a:t>Requisitos del Software</a:t>
-            </a:r>
-            <a:r>
-              <a:rPr lang="es-AR" sz="2400" u="sng" dirty="0" smtClean="0">
-                <a:solidFill>
-                  <a:srgbClr val="890909"/>
-                </a:solidFill>
-                <a:latin typeface="Times New Roman" pitchFamily="18" charset="0"/>
-                <a:cs typeface="Times New Roman" pitchFamily="18" charset="0"/>
-              </a:rPr>
-              <a:t>:</a:t>
-            </a:r>
-            <a:endParaRPr lang="es-AR" sz="2400" dirty="0">
+              <a:rPr lang="es-AR" sz="2800" dirty="0" smtClean="0">
+                <a:solidFill>
+                  <a:schemeClr val="accent2">
+                    <a:lumMod val="75000"/>
+                  </a:schemeClr>
+                </a:solidFill>
+                <a:latin typeface="Arial" panose="020B0604020202020204" pitchFamily="34" charset="0"/>
+                <a:cs typeface="Arial" panose="020B0604020202020204" pitchFamily="34" charset="0"/>
+              </a:rPr>
+              <a:t>Objetivo y Alcance:</a:t>
+            </a:r>
+          </a:p>
+          <a:p>
+            <a:endParaRPr lang="es-AR" sz="2800" dirty="0" smtClean="0">
               <a:solidFill>
-                <a:srgbClr val="890909"/>
+                <a:schemeClr val="accent2">
+                  <a:lumMod val="75000"/>
+                </a:schemeClr>
               </a:solidFill>
-              <a:latin typeface="Times New Roman" pitchFamily="18" charset="0"/>
-              <a:cs typeface="Times New Roman" pitchFamily="18" charset="0"/>
+              <a:latin typeface="Arial" panose="020B0604020202020204" pitchFamily="34" charset="0"/>
+              <a:cs typeface="Arial" panose="020B0604020202020204" pitchFamily="34" charset="0"/>
             </a:endParaRPr>
           </a:p>
           <a:p>
-            <a:pPr lvl="0"/>
-            <a:r>
-              <a:rPr lang="es-AR" sz="2400" dirty="0">
-                <a:solidFill>
-                  <a:srgbClr val="890909"/>
-                </a:solidFill>
-                <a:latin typeface="Times New Roman" pitchFamily="18" charset="0"/>
-                <a:cs typeface="Times New Roman" pitchFamily="18" charset="0"/>
-              </a:rPr>
-              <a:t>Registración de docentes y administradores en el </a:t>
-            </a:r>
-            <a:r>
-              <a:rPr lang="es-AR" sz="2400" dirty="0" smtClean="0">
-                <a:solidFill>
-                  <a:srgbClr val="890909"/>
-                </a:solidFill>
-                <a:latin typeface="Times New Roman" pitchFamily="18" charset="0"/>
-                <a:cs typeface="Times New Roman" pitchFamily="18" charset="0"/>
-              </a:rPr>
-              <a:t>sistema.</a:t>
-            </a:r>
-            <a:endParaRPr lang="es-AR" sz="2400" dirty="0">
+            <a:pPr>
+              <a:buFont typeface="Wingdings" panose="05000000000000000000" pitchFamily="2" charset="2"/>
+              <a:buChar char="Ø"/>
+            </a:pPr>
+            <a:r>
+              <a:rPr lang="es-AR" sz="2200" dirty="0" smtClean="0">
+                <a:solidFill>
+                  <a:schemeClr val="accent2">
+                    <a:lumMod val="75000"/>
+                  </a:schemeClr>
+                </a:solidFill>
+                <a:latin typeface="Arial" panose="020B0604020202020204" pitchFamily="34" charset="0"/>
+                <a:cs typeface="Arial" panose="020B0604020202020204" pitchFamily="34" charset="0"/>
+              </a:rPr>
+              <a:t>El sistema será utilizado </a:t>
+            </a:r>
+            <a:r>
+              <a:rPr lang="es-AR" sz="2200" dirty="0">
+                <a:solidFill>
+                  <a:schemeClr val="accent2">
+                    <a:lumMod val="75000"/>
+                  </a:schemeClr>
+                </a:solidFill>
+                <a:latin typeface="Arial" panose="020B0604020202020204" pitchFamily="34" charset="0"/>
+                <a:cs typeface="Arial" panose="020B0604020202020204" pitchFamily="34" charset="0"/>
+              </a:rPr>
+              <a:t>tanto por alumnos como por </a:t>
+            </a:r>
+            <a:r>
+              <a:rPr lang="es-AR" sz="2200" dirty="0" smtClean="0">
+                <a:solidFill>
+                  <a:schemeClr val="accent2">
+                    <a:lumMod val="75000"/>
+                  </a:schemeClr>
+                </a:solidFill>
+                <a:latin typeface="Arial" panose="020B0604020202020204" pitchFamily="34" charset="0"/>
+                <a:cs typeface="Arial" panose="020B0604020202020204" pitchFamily="34" charset="0"/>
+              </a:rPr>
+              <a:t>profesores.</a:t>
+            </a:r>
+            <a:endParaRPr lang="es-AR" sz="2200" dirty="0">
               <a:solidFill>
-                <a:srgbClr val="890909"/>
+                <a:schemeClr val="accent2">
+                  <a:lumMod val="75000"/>
+                </a:schemeClr>
               </a:solidFill>
-              <a:latin typeface="Times New Roman" pitchFamily="18" charset="0"/>
-              <a:cs typeface="Times New Roman" pitchFamily="18" charset="0"/>
+              <a:latin typeface="Arial" panose="020B0604020202020204" pitchFamily="34" charset="0"/>
+              <a:cs typeface="Arial" panose="020B0604020202020204" pitchFamily="34" charset="0"/>
             </a:endParaRPr>
           </a:p>
           <a:p>
-            <a:pPr lvl="0"/>
-            <a:r>
-              <a:rPr lang="es-AR" sz="2400" dirty="0">
-                <a:solidFill>
-                  <a:srgbClr val="890909"/>
-                </a:solidFill>
-                <a:latin typeface="Times New Roman" pitchFamily="18" charset="0"/>
-                <a:cs typeface="Times New Roman" pitchFamily="18" charset="0"/>
-              </a:rPr>
-              <a:t>Autentificación de docentes y administradores en el </a:t>
-            </a:r>
-            <a:r>
-              <a:rPr lang="es-AR" sz="2400" dirty="0" smtClean="0">
-                <a:solidFill>
-                  <a:srgbClr val="890909"/>
-                </a:solidFill>
-                <a:latin typeface="Times New Roman" pitchFamily="18" charset="0"/>
-                <a:cs typeface="Times New Roman" pitchFamily="18" charset="0"/>
-              </a:rPr>
-              <a:t>sistema.</a:t>
-            </a:r>
-            <a:endParaRPr lang="es-AR" sz="2400" dirty="0">
-              <a:solidFill>
-                <a:srgbClr val="890909"/>
-              </a:solidFill>
-              <a:latin typeface="Times New Roman" pitchFamily="18" charset="0"/>
-              <a:cs typeface="Times New Roman" pitchFamily="18" charset="0"/>
+            <a:pPr>
+              <a:buFont typeface="Wingdings" panose="05000000000000000000" pitchFamily="2" charset="2"/>
+              <a:buChar char="Ø"/>
+            </a:pPr>
+            <a:r>
+              <a:rPr lang="es-AR" sz="2200" dirty="0">
+                <a:solidFill>
+                  <a:schemeClr val="accent2">
+                    <a:lumMod val="75000"/>
+                  </a:schemeClr>
+                </a:solidFill>
+                <a:latin typeface="Arial" panose="020B0604020202020204" pitchFamily="34" charset="0"/>
+                <a:cs typeface="Arial" panose="020B0604020202020204" pitchFamily="34" charset="0"/>
+              </a:rPr>
+              <a:t>Los profesores tendrán </a:t>
+            </a:r>
+            <a:r>
+              <a:rPr lang="es-AR" sz="2200" dirty="0" smtClean="0">
+                <a:solidFill>
+                  <a:schemeClr val="accent2">
+                    <a:lumMod val="75000"/>
+                  </a:schemeClr>
+                </a:solidFill>
+                <a:latin typeface="Arial" panose="020B0604020202020204" pitchFamily="34" charset="0"/>
+                <a:cs typeface="Arial" panose="020B0604020202020204" pitchFamily="34" charset="0"/>
+              </a:rPr>
+              <a:t>la </a:t>
+            </a:r>
+            <a:r>
+              <a:rPr lang="es-AR" sz="2200" dirty="0">
+                <a:solidFill>
+                  <a:schemeClr val="accent2">
+                    <a:lumMod val="75000"/>
+                  </a:schemeClr>
+                </a:solidFill>
+                <a:latin typeface="Arial" panose="020B0604020202020204" pitchFamily="34" charset="0"/>
+                <a:cs typeface="Arial" panose="020B0604020202020204" pitchFamily="34" charset="0"/>
+              </a:rPr>
+              <a:t>posibilidad de crear trabajos prácticos, </a:t>
+            </a:r>
+            <a:r>
+              <a:rPr lang="es-AR" sz="2200" dirty="0" smtClean="0">
+                <a:solidFill>
+                  <a:schemeClr val="accent2">
+                    <a:lumMod val="75000"/>
+                  </a:schemeClr>
+                </a:solidFill>
+                <a:latin typeface="Arial" panose="020B0604020202020204" pitchFamily="34" charset="0"/>
+                <a:cs typeface="Arial" panose="020B0604020202020204" pitchFamily="34" charset="0"/>
+              </a:rPr>
+              <a:t>asignar consignas </a:t>
+            </a:r>
+            <a:r>
+              <a:rPr lang="es-AR" sz="2200" dirty="0">
+                <a:solidFill>
+                  <a:schemeClr val="accent2">
+                    <a:lumMod val="75000"/>
+                  </a:schemeClr>
+                </a:solidFill>
+                <a:latin typeface="Arial" panose="020B0604020202020204" pitchFamily="34" charset="0"/>
+                <a:cs typeface="Arial" panose="020B0604020202020204" pitchFamily="34" charset="0"/>
+              </a:rPr>
+              <a:t>e indicar cuales respuestas son las verdades y cuales </a:t>
+            </a:r>
+            <a:r>
+              <a:rPr lang="es-AR" sz="2200" dirty="0" smtClean="0">
+                <a:solidFill>
+                  <a:schemeClr val="accent2">
+                    <a:lumMod val="75000"/>
+                  </a:schemeClr>
+                </a:solidFill>
+                <a:latin typeface="Arial" panose="020B0604020202020204" pitchFamily="34" charset="0"/>
+                <a:cs typeface="Arial" panose="020B0604020202020204" pitchFamily="34" charset="0"/>
+              </a:rPr>
+              <a:t>son falsas</a:t>
+            </a:r>
+            <a:r>
+              <a:rPr lang="es-AR" sz="2200" dirty="0">
+                <a:solidFill>
+                  <a:schemeClr val="accent2">
+                    <a:lumMod val="75000"/>
+                  </a:schemeClr>
+                </a:solidFill>
+                <a:latin typeface="Arial" panose="020B0604020202020204" pitchFamily="34" charset="0"/>
+                <a:cs typeface="Arial" panose="020B0604020202020204" pitchFamily="34" charset="0"/>
+              </a:rPr>
+              <a:t>.</a:t>
+            </a:r>
+          </a:p>
+          <a:p>
+            <a:pPr>
+              <a:buFont typeface="Wingdings" panose="05000000000000000000" pitchFamily="2" charset="2"/>
+              <a:buChar char="Ø"/>
+            </a:pPr>
+            <a:r>
+              <a:rPr lang="es-AR" sz="2200" dirty="0">
+                <a:solidFill>
+                  <a:schemeClr val="accent2">
+                    <a:lumMod val="75000"/>
+                  </a:schemeClr>
+                </a:solidFill>
+                <a:latin typeface="Arial" panose="020B0604020202020204" pitchFamily="34" charset="0"/>
+                <a:cs typeface="Arial" panose="020B0604020202020204" pitchFamily="34" charset="0"/>
+              </a:rPr>
+              <a:t>Los alumnos podrán evaluar sus conocimientos contestando estos trabajos </a:t>
+            </a:r>
+            <a:r>
+              <a:rPr lang="es-AR" sz="2200" dirty="0" smtClean="0">
+                <a:solidFill>
+                  <a:schemeClr val="accent2">
+                    <a:lumMod val="75000"/>
+                  </a:schemeClr>
+                </a:solidFill>
+                <a:latin typeface="Arial" panose="020B0604020202020204" pitchFamily="34" charset="0"/>
+                <a:cs typeface="Arial" panose="020B0604020202020204" pitchFamily="34" charset="0"/>
+              </a:rPr>
+              <a:t>prácticos validando </a:t>
+            </a:r>
+            <a:r>
+              <a:rPr lang="es-AR" sz="2200" dirty="0">
+                <a:solidFill>
+                  <a:schemeClr val="accent2">
+                    <a:lumMod val="75000"/>
+                  </a:schemeClr>
+                </a:solidFill>
+                <a:latin typeface="Arial" panose="020B0604020202020204" pitchFamily="34" charset="0"/>
+                <a:cs typeface="Arial" panose="020B0604020202020204" pitchFamily="34" charset="0"/>
+              </a:rPr>
+              <a:t>sus respuestas con las indicadas como verdaderas por los profesores.</a:t>
+            </a:r>
+          </a:p>
+          <a:p>
+            <a:endParaRPr lang="es-AR" dirty="0">
+              <a:latin typeface="Arial" panose="020B0604020202020204" pitchFamily="34" charset="0"/>
+              <a:cs typeface="Arial" panose="020B0604020202020204" pitchFamily="34" charset="0"/>
             </a:endParaRPr>
           </a:p>
-          <a:p>
-            <a:pPr lvl="0"/>
-            <a:r>
-              <a:rPr lang="es-AR" sz="2400" dirty="0">
-                <a:solidFill>
-                  <a:srgbClr val="890909"/>
-                </a:solidFill>
-                <a:latin typeface="Times New Roman" pitchFamily="18" charset="0"/>
-                <a:cs typeface="Times New Roman" pitchFamily="18" charset="0"/>
-              </a:rPr>
-              <a:t>Incorporación de acceso como invitado (alumno</a:t>
-            </a:r>
-            <a:r>
-              <a:rPr lang="es-AR" sz="2400" dirty="0" smtClean="0">
-                <a:solidFill>
-                  <a:srgbClr val="890909"/>
-                </a:solidFill>
-                <a:latin typeface="Times New Roman" pitchFamily="18" charset="0"/>
-                <a:cs typeface="Times New Roman" pitchFamily="18" charset="0"/>
-              </a:rPr>
-              <a:t>).</a:t>
-            </a:r>
-            <a:endParaRPr lang="es-AR" sz="2400" dirty="0">
-              <a:solidFill>
-                <a:srgbClr val="890909"/>
-              </a:solidFill>
-              <a:latin typeface="Times New Roman" pitchFamily="18" charset="0"/>
-              <a:cs typeface="Times New Roman" pitchFamily="18" charset="0"/>
-            </a:endParaRPr>
-          </a:p>
-          <a:p>
-            <a:pPr lvl="0"/>
-            <a:r>
-              <a:rPr lang="es-AR" sz="2400" dirty="0">
-                <a:solidFill>
-                  <a:srgbClr val="890909"/>
-                </a:solidFill>
-                <a:latin typeface="Times New Roman" pitchFamily="18" charset="0"/>
-                <a:cs typeface="Times New Roman" pitchFamily="18" charset="0"/>
-              </a:rPr>
-              <a:t>Creación de trabajos </a:t>
-            </a:r>
-            <a:r>
-              <a:rPr lang="es-AR" sz="2400" dirty="0" smtClean="0">
-                <a:solidFill>
-                  <a:srgbClr val="890909"/>
-                </a:solidFill>
-                <a:latin typeface="Times New Roman" pitchFamily="18" charset="0"/>
-                <a:cs typeface="Times New Roman" pitchFamily="18" charset="0"/>
-              </a:rPr>
-              <a:t>prácticos.</a:t>
-            </a:r>
-          </a:p>
-          <a:p>
-            <a:r>
-              <a:rPr lang="es-AR" sz="2400" dirty="0">
-                <a:solidFill>
-                  <a:srgbClr val="890909"/>
-                </a:solidFill>
-                <a:latin typeface="Times New Roman" pitchFamily="18" charset="0"/>
-                <a:cs typeface="Times New Roman" pitchFamily="18" charset="0"/>
-              </a:rPr>
-              <a:t>Creación de consignas y respuestas verdaderas y falsas de los trabajos </a:t>
-            </a:r>
-            <a:r>
-              <a:rPr lang="es-AR" sz="2400" dirty="0" smtClean="0">
-                <a:solidFill>
-                  <a:srgbClr val="890909"/>
-                </a:solidFill>
-                <a:latin typeface="Times New Roman" pitchFamily="18" charset="0"/>
-                <a:cs typeface="Times New Roman" pitchFamily="18" charset="0"/>
-              </a:rPr>
-              <a:t>prácticos.</a:t>
-            </a:r>
-            <a:endParaRPr lang="es-AR" sz="2400" dirty="0">
-              <a:solidFill>
-                <a:srgbClr val="890909"/>
-              </a:solidFill>
-              <a:latin typeface="Times New Roman" pitchFamily="18" charset="0"/>
-              <a:cs typeface="Times New Roman" pitchFamily="18" charset="0"/>
-            </a:endParaRPr>
-          </a:p>
-          <a:p>
-            <a:r>
-              <a:rPr lang="es-AR" sz="2400" dirty="0">
-                <a:solidFill>
-                  <a:srgbClr val="890909"/>
-                </a:solidFill>
-                <a:latin typeface="Times New Roman" pitchFamily="18" charset="0"/>
-                <a:cs typeface="Times New Roman" pitchFamily="18" charset="0"/>
-              </a:rPr>
-              <a:t>Acceso a lista de trabajos prácticos anteriores realizados por los </a:t>
-            </a:r>
-            <a:r>
-              <a:rPr lang="es-AR" sz="2400" dirty="0" smtClean="0">
-                <a:solidFill>
-                  <a:srgbClr val="890909"/>
-                </a:solidFill>
-                <a:latin typeface="Times New Roman" pitchFamily="18" charset="0"/>
-                <a:cs typeface="Times New Roman" pitchFamily="18" charset="0"/>
-              </a:rPr>
-              <a:t>docente.</a:t>
-            </a:r>
-            <a:endParaRPr lang="es-AR" sz="2400" dirty="0">
-              <a:solidFill>
-                <a:srgbClr val="890909"/>
-              </a:solidFill>
-              <a:latin typeface="Times New Roman" pitchFamily="18" charset="0"/>
-              <a:cs typeface="Times New Roman" pitchFamily="18" charset="0"/>
-            </a:endParaRPr>
-          </a:p>
-          <a:p>
-            <a:pPr lvl="0"/>
-            <a:r>
-              <a:rPr lang="es-AR" sz="2400" dirty="0">
-                <a:solidFill>
-                  <a:srgbClr val="890909"/>
-                </a:solidFill>
-                <a:latin typeface="Times New Roman" pitchFamily="18" charset="0"/>
-                <a:cs typeface="Times New Roman" pitchFamily="18" charset="0"/>
-              </a:rPr>
-              <a:t>Acceso para invitados a los trabajos prácticos a resolver.</a:t>
-            </a:r>
-          </a:p>
-          <a:p>
-            <a:endParaRPr lang="es-AR" dirty="0">
-              <a:solidFill>
-                <a:srgbClr val="890909"/>
-              </a:solidFill>
-            </a:endParaRPr>
-          </a:p>
-        </p:txBody>
-      </p:sp>
+        </p:txBody>
+      </p:sp>
+      <p:pic>
+        <p:nvPicPr>
+          <p:cNvPr id="5" name="3 Imagen" descr="logo_unla.png"/>
+          <p:cNvPicPr>
+            <a:picLocks noChangeAspect="1"/>
+          </p:cNvPicPr>
+          <p:nvPr/>
+        </p:nvPicPr>
+        <p:blipFill>
+          <a:blip r:embed="rId2"/>
+          <a:stretch>
+            <a:fillRect/>
+          </a:stretch>
+        </p:blipFill>
+        <p:spPr>
+          <a:xfrm>
+            <a:off x="0" y="0"/>
+            <a:ext cx="1187624" cy="1246753"/>
+          </a:xfrm>
+          <a:prstGeom prst="rect">
+            <a:avLst/>
+          </a:prstGeom>
+        </p:spPr>
+      </p:pic>
     </p:spTree>
+    <p:extLst>
+      <p:ext uri="{BB962C8B-B14F-4D97-AF65-F5344CB8AC3E}">
+        <p14:creationId xmlns:p14="http://schemas.microsoft.com/office/powerpoint/2010/main" val="2954016001"/>
+      </p:ext>
+    </p:extLst>
   </p:cSld>
   <p:clrMapOvr>
     <a:masterClrMapping/>
@@ -4412,7 +7711,13 @@
               </a:rPr>
               <a:t>Requisitos</a:t>
             </a:r>
-            <a:endParaRPr lang="es-AR" dirty="0"/>
+            <a:endParaRPr lang="es-AR" b="1" dirty="0">
+              <a:solidFill>
+                <a:srgbClr val="890909"/>
+              </a:solidFill>
+              <a:latin typeface="Times New Roman" pitchFamily="18" charset="0"/>
+              <a:cs typeface="Times New Roman" pitchFamily="18" charset="0"/>
+            </a:endParaRPr>
           </a:p>
         </p:txBody>
       </p:sp>
@@ -4428,26 +7733,24 @@
         </p:nvSpPr>
         <p:spPr/>
         <p:txBody>
-          <a:bodyPr>
-            <a:normAutofit fontScale="40000" lnSpcReduction="20000"/>
-          </a:bodyPr>
+          <a:bodyPr/>
           <a:lstStyle/>
           <a:p>
             <a:pPr>
               <a:buNone/>
             </a:pPr>
             <a:r>
-              <a:rPr lang="es-AR" sz="5000" u="sng" dirty="0">
-                <a:solidFill>
-                  <a:srgbClr val="890909"/>
-                </a:solidFill>
-                <a:latin typeface="Times New Roman" pitchFamily="18" charset="0"/>
-                <a:cs typeface="Times New Roman" pitchFamily="18" charset="0"/>
-              </a:rPr>
-              <a:t>Requisitos de usuario</a:t>
-            </a:r>
-            <a:r>
-              <a:rPr lang="es-AR" sz="5000" u="sng" dirty="0" smtClean="0">
+              <a:rPr lang="es-AR" sz="2400" u="sng" dirty="0">
+                <a:solidFill>
+                  <a:srgbClr val="890909"/>
+                </a:solidFill>
+                <a:latin typeface="Times New Roman" pitchFamily="18" charset="0"/>
+                <a:cs typeface="Times New Roman" pitchFamily="18" charset="0"/>
+              </a:rPr>
+              <a:t>Requisitos del Software</a:t>
+            </a:r>
+            <a:r>
+              <a:rPr lang="es-AR" sz="2400" u="sng" dirty="0" smtClean="0">
                 <a:solidFill>
                   <a:srgbClr val="890909"/>
                 </a:solidFill>
@@ -4456,149 +7759,204 @@
               </a:rPr>
               <a:t>:</a:t>
             </a:r>
-            <a:r>
-              <a:rPr lang="es-AR" sz="5000" dirty="0">
-                <a:solidFill>
-                  <a:srgbClr val="890909"/>
-                </a:solidFill>
-                <a:latin typeface="Times New Roman" pitchFamily="18" charset="0"/>
-                <a:cs typeface="Times New Roman" pitchFamily="18" charset="0"/>
-              </a:rPr>
-              <a:t> </a:t>
-            </a:r>
+            <a:endParaRPr lang="es-AR" sz="2400" dirty="0">
+              <a:solidFill>
+                <a:srgbClr val="890909"/>
+              </a:solidFill>
+              <a:latin typeface="Times New Roman" pitchFamily="18" charset="0"/>
+              <a:cs typeface="Times New Roman" pitchFamily="18" charset="0"/>
+            </a:endParaRPr>
           </a:p>
           <a:p>
             <a:pPr lvl="0"/>
             <a:r>
-              <a:rPr lang="es-AR" sz="5000" dirty="0">
-                <a:solidFill>
-                  <a:srgbClr val="890909"/>
-                </a:solidFill>
-                <a:latin typeface="Times New Roman" pitchFamily="18" charset="0"/>
-                <a:cs typeface="Times New Roman" pitchFamily="18" charset="0"/>
-              </a:rPr>
-              <a:t>El usuario podrá realizar peticiones de acceso al sistema </a:t>
-            </a:r>
+              <a:rPr lang="es-AR" sz="2400" dirty="0">
+                <a:solidFill>
+                  <a:srgbClr val="890909"/>
+                </a:solidFill>
+                <a:latin typeface="Times New Roman" pitchFamily="18" charset="0"/>
+                <a:cs typeface="Times New Roman" pitchFamily="18" charset="0"/>
+              </a:rPr>
+              <a:t>Registración de docentes y administradores en el </a:t>
+            </a:r>
+            <a:r>
+              <a:rPr lang="es-AR" sz="2400" dirty="0" smtClean="0">
+                <a:solidFill>
+                  <a:srgbClr val="890909"/>
+                </a:solidFill>
+                <a:latin typeface="Times New Roman" pitchFamily="18" charset="0"/>
+                <a:cs typeface="Times New Roman" pitchFamily="18" charset="0"/>
+              </a:rPr>
+              <a:t>sistema.</a:t>
+            </a:r>
+            <a:endParaRPr lang="es-AR" sz="2400" dirty="0">
+              <a:solidFill>
+                <a:srgbClr val="890909"/>
+              </a:solidFill>
+              <a:latin typeface="Times New Roman" pitchFamily="18" charset="0"/>
+              <a:cs typeface="Times New Roman" pitchFamily="18" charset="0"/>
+            </a:endParaRPr>
           </a:p>
           <a:p>
             <a:pPr lvl="0"/>
             <a:r>
-              <a:rPr lang="es-AR" sz="5000" dirty="0">
-                <a:solidFill>
-                  <a:srgbClr val="890909"/>
-                </a:solidFill>
-                <a:latin typeface="Times New Roman" pitchFamily="18" charset="0"/>
-                <a:cs typeface="Times New Roman" pitchFamily="18" charset="0"/>
-              </a:rPr>
-              <a:t>El usuario(docente) podrá crear trabajos prácticos a resolver</a:t>
-            </a:r>
+              <a:rPr lang="es-AR" sz="2400" dirty="0">
+                <a:solidFill>
+                  <a:srgbClr val="890909"/>
+                </a:solidFill>
+                <a:latin typeface="Times New Roman" pitchFamily="18" charset="0"/>
+                <a:cs typeface="Times New Roman" pitchFamily="18" charset="0"/>
+              </a:rPr>
+              <a:t>Autentificación de docentes y administradores en el </a:t>
+            </a:r>
+            <a:r>
+              <a:rPr lang="es-AR" sz="2400" dirty="0" smtClean="0">
+                <a:solidFill>
+                  <a:srgbClr val="890909"/>
+                </a:solidFill>
+                <a:latin typeface="Times New Roman" pitchFamily="18" charset="0"/>
+                <a:cs typeface="Times New Roman" pitchFamily="18" charset="0"/>
+              </a:rPr>
+              <a:t>sistema.</a:t>
+            </a:r>
+            <a:endParaRPr lang="es-AR" sz="2400" dirty="0">
+              <a:solidFill>
+                <a:srgbClr val="890909"/>
+              </a:solidFill>
+              <a:latin typeface="Times New Roman" pitchFamily="18" charset="0"/>
+              <a:cs typeface="Times New Roman" pitchFamily="18" charset="0"/>
+            </a:endParaRPr>
           </a:p>
           <a:p>
             <a:pPr lvl="0"/>
             <a:r>
-              <a:rPr lang="es-AR" sz="5000" dirty="0">
-                <a:solidFill>
-                  <a:srgbClr val="890909"/>
-                </a:solidFill>
-                <a:latin typeface="Times New Roman" pitchFamily="18" charset="0"/>
-                <a:cs typeface="Times New Roman" pitchFamily="18" charset="0"/>
-              </a:rPr>
-              <a:t>El usuario(docente) podrá suministrarle a esos trabajos prácticos consignas y respuestas pertinentes</a:t>
-            </a:r>
+              <a:rPr lang="es-AR" sz="2400" dirty="0">
+                <a:solidFill>
+                  <a:srgbClr val="890909"/>
+                </a:solidFill>
+                <a:latin typeface="Times New Roman" pitchFamily="18" charset="0"/>
+                <a:cs typeface="Times New Roman" pitchFamily="18" charset="0"/>
+              </a:rPr>
+              <a:t>Incorporación de acceso como invitado (alumno</a:t>
+            </a:r>
+            <a:r>
+              <a:rPr lang="es-AR" sz="2400" dirty="0" smtClean="0">
+                <a:solidFill>
+                  <a:srgbClr val="890909"/>
+                </a:solidFill>
+                <a:latin typeface="Times New Roman" pitchFamily="18" charset="0"/>
+                <a:cs typeface="Times New Roman" pitchFamily="18" charset="0"/>
+              </a:rPr>
+              <a:t>).</a:t>
+            </a:r>
+            <a:endParaRPr lang="es-AR" sz="2400" dirty="0">
+              <a:solidFill>
+                <a:srgbClr val="890909"/>
+              </a:solidFill>
+              <a:latin typeface="Times New Roman" pitchFamily="18" charset="0"/>
+              <a:cs typeface="Times New Roman" pitchFamily="18" charset="0"/>
+            </a:endParaRPr>
           </a:p>
           <a:p>
             <a:pPr lvl="0"/>
             <a:r>
-              <a:rPr lang="es-AR" sz="5000" dirty="0">
-                <a:solidFill>
-                  <a:srgbClr val="890909"/>
-                </a:solidFill>
-                <a:latin typeface="Times New Roman" pitchFamily="18" charset="0"/>
-                <a:cs typeface="Times New Roman" pitchFamily="18" charset="0"/>
-              </a:rPr>
-              <a:t>El usuario(docente) podrá indicar si esas respuestas son verdaderas o falsas </a:t>
-            </a:r>
+              <a:rPr lang="es-AR" sz="2400" dirty="0">
+                <a:solidFill>
+                  <a:srgbClr val="890909"/>
+                </a:solidFill>
+                <a:latin typeface="Times New Roman" pitchFamily="18" charset="0"/>
+                <a:cs typeface="Times New Roman" pitchFamily="18" charset="0"/>
+              </a:rPr>
+              <a:t>Creación de trabajos </a:t>
+            </a:r>
+            <a:r>
+              <a:rPr lang="es-AR" sz="2400" dirty="0" smtClean="0">
+                <a:solidFill>
+                  <a:srgbClr val="890909"/>
+                </a:solidFill>
+                <a:latin typeface="Times New Roman" pitchFamily="18" charset="0"/>
+                <a:cs typeface="Times New Roman" pitchFamily="18" charset="0"/>
+              </a:rPr>
+              <a:t>prácticos.</a:t>
+            </a:r>
+          </a:p>
+          <a:p>
+            <a:r>
+              <a:rPr lang="es-AR" sz="2400" dirty="0">
+                <a:solidFill>
+                  <a:srgbClr val="890909"/>
+                </a:solidFill>
+                <a:latin typeface="Times New Roman" pitchFamily="18" charset="0"/>
+                <a:cs typeface="Times New Roman" pitchFamily="18" charset="0"/>
+              </a:rPr>
+              <a:t>Creación de consignas y respuestas verdaderas y falsas de los trabajos </a:t>
+            </a:r>
+            <a:r>
+              <a:rPr lang="es-AR" sz="2400" dirty="0" smtClean="0">
+                <a:solidFill>
+                  <a:srgbClr val="890909"/>
+                </a:solidFill>
+                <a:latin typeface="Times New Roman" pitchFamily="18" charset="0"/>
+                <a:cs typeface="Times New Roman" pitchFamily="18" charset="0"/>
+              </a:rPr>
+              <a:t>prácticos.</a:t>
+            </a:r>
+            <a:endParaRPr lang="es-AR" sz="2400" dirty="0">
+              <a:solidFill>
+                <a:srgbClr val="890909"/>
+              </a:solidFill>
+              <a:latin typeface="Times New Roman" pitchFamily="18" charset="0"/>
+              <a:cs typeface="Times New Roman" pitchFamily="18" charset="0"/>
+            </a:endParaRPr>
+          </a:p>
+          <a:p>
+            <a:r>
+              <a:rPr lang="es-AR" sz="2400" dirty="0">
+                <a:solidFill>
+                  <a:srgbClr val="890909"/>
+                </a:solidFill>
+                <a:latin typeface="Times New Roman" pitchFamily="18" charset="0"/>
+                <a:cs typeface="Times New Roman" pitchFamily="18" charset="0"/>
+              </a:rPr>
+              <a:t>Acceso a lista de trabajos prácticos anteriores realizados por los </a:t>
+            </a:r>
+            <a:r>
+              <a:rPr lang="es-AR" sz="2400" dirty="0" smtClean="0">
+                <a:solidFill>
+                  <a:srgbClr val="890909"/>
+                </a:solidFill>
+                <a:latin typeface="Times New Roman" pitchFamily="18" charset="0"/>
+                <a:cs typeface="Times New Roman" pitchFamily="18" charset="0"/>
+              </a:rPr>
+              <a:t>docente.</a:t>
+            </a:r>
+            <a:endParaRPr lang="es-AR" sz="2400" dirty="0">
+              <a:solidFill>
+                <a:srgbClr val="890909"/>
+              </a:solidFill>
+              <a:latin typeface="Times New Roman" pitchFamily="18" charset="0"/>
+              <a:cs typeface="Times New Roman" pitchFamily="18" charset="0"/>
+            </a:endParaRPr>
           </a:p>
           <a:p>
             <a:pPr lvl="0"/>
             <a:r>
-              <a:rPr lang="es-AR" sz="5000" dirty="0">
-                <a:solidFill>
-                  <a:srgbClr val="890909"/>
-                </a:solidFill>
-                <a:latin typeface="Times New Roman" pitchFamily="18" charset="0"/>
-                <a:cs typeface="Times New Roman" pitchFamily="18" charset="0"/>
-              </a:rPr>
-              <a:t>El usuario(docente) podrá indicar a que carrera y materia pertenece el trabajo practico </a:t>
-            </a:r>
-          </a:p>
-          <a:p>
-            <a:pPr lvl="0"/>
-            <a:r>
-              <a:rPr lang="es-AR" sz="5000" dirty="0">
-                <a:solidFill>
-                  <a:srgbClr val="890909"/>
-                </a:solidFill>
-                <a:latin typeface="Times New Roman" pitchFamily="18" charset="0"/>
-                <a:cs typeface="Times New Roman" pitchFamily="18" charset="0"/>
-              </a:rPr>
-              <a:t>El usuario(administrador) podrá registrar peticiones de acceso al sistema</a:t>
-            </a:r>
-          </a:p>
-          <a:p>
-            <a:pPr lvl="0"/>
-            <a:r>
-              <a:rPr lang="es-AR" sz="5000" dirty="0">
-                <a:solidFill>
-                  <a:srgbClr val="890909"/>
-                </a:solidFill>
-                <a:latin typeface="Times New Roman" pitchFamily="18" charset="0"/>
-                <a:cs typeface="Times New Roman" pitchFamily="18" charset="0"/>
-              </a:rPr>
-              <a:t>El usuario(administrador) podrá modificar y eliminar los usuarios de tipo docentes del sistema</a:t>
-            </a:r>
-          </a:p>
-          <a:p>
-            <a:pPr lvl="0"/>
-            <a:r>
-              <a:rPr lang="es-AR" sz="5000" dirty="0">
-                <a:solidFill>
-                  <a:srgbClr val="890909"/>
-                </a:solidFill>
-                <a:latin typeface="Times New Roman" pitchFamily="18" charset="0"/>
-                <a:cs typeface="Times New Roman" pitchFamily="18" charset="0"/>
-              </a:rPr>
-              <a:t>El alumno podrá buscar el trabajo práctico indicado por el docente.</a:t>
-            </a:r>
-          </a:p>
-          <a:p>
-            <a:pPr lvl="0"/>
-            <a:r>
-              <a:rPr lang="es-AR" sz="5000" dirty="0">
-                <a:solidFill>
-                  <a:srgbClr val="890909"/>
-                </a:solidFill>
-                <a:latin typeface="Times New Roman" pitchFamily="18" charset="0"/>
-                <a:cs typeface="Times New Roman" pitchFamily="18" charset="0"/>
-              </a:rPr>
-              <a:t>El  alumno podrá responder el trabajo práctico.</a:t>
-            </a:r>
-          </a:p>
-          <a:p>
-            <a:pPr lvl="0"/>
-            <a:r>
-              <a:rPr lang="es-AR" sz="5000" dirty="0">
-                <a:solidFill>
-                  <a:srgbClr val="890909"/>
-                </a:solidFill>
-                <a:latin typeface="Times New Roman" pitchFamily="18" charset="0"/>
-                <a:cs typeface="Times New Roman" pitchFamily="18" charset="0"/>
-              </a:rPr>
-              <a:t>El alumno deberá visualizar cuales respuestas fueron las correctas y cuales incorrectas.</a:t>
-            </a:r>
-          </a:p>
-          <a:p>
-            <a:endParaRPr lang="es-AR" dirty="0"/>
+              <a:rPr lang="es-AR" sz="2400" dirty="0">
+                <a:solidFill>
+                  <a:srgbClr val="890909"/>
+                </a:solidFill>
+                <a:latin typeface="Times New Roman" pitchFamily="18" charset="0"/>
+                <a:cs typeface="Times New Roman" pitchFamily="18" charset="0"/>
+              </a:rPr>
+              <a:t>Acceso para invitados a los trabajos prácticos a resolver.</a:t>
+            </a:r>
+          </a:p>
+          <a:p>
+            <a:endParaRPr lang="es-AR" dirty="0">
+              <a:solidFill>
+                <a:srgbClr val="890909"/>
+              </a:solidFill>
+            </a:endParaRPr>
           </a:p>
         </p:txBody>
       </p:sp>
@@ -4669,7 +8027,7 @@
         <p:spPr/>
         <p:txBody>
           <a:bodyPr>
-            <a:normAutofit fontScale="92500"/>
+            <a:normAutofit fontScale="40000" lnSpcReduction="20000"/>
           </a:bodyPr>
           <a:lstStyle/>
           <a:p>
@@ -4677,17 +8035,17 @@
               <a:buNone/>
             </a:pPr>
             <a:r>
-              <a:rPr lang="es-AR" u="sng" dirty="0">
-                <a:solidFill>
-                  <a:srgbClr val="890909"/>
-                </a:solidFill>
-                <a:latin typeface="Times New Roman" pitchFamily="18" charset="0"/>
-                <a:cs typeface="Times New Roman" pitchFamily="18" charset="0"/>
-              </a:rPr>
-              <a:t>Requisitos Funcionales</a:t>
-            </a:r>
-            <a:r>
-              <a:rPr lang="es-AR" u="sng" dirty="0" smtClean="0">
+              <a:rPr lang="es-AR" sz="5000" u="sng" dirty="0">
+                <a:solidFill>
+                  <a:srgbClr val="890909"/>
+                </a:solidFill>
+                <a:latin typeface="Times New Roman" pitchFamily="18" charset="0"/>
+                <a:cs typeface="Times New Roman" pitchFamily="18" charset="0"/>
+              </a:rPr>
+              <a:t>Requisitos de usuario</a:t>
+            </a:r>
+            <a:r>
+              <a:rPr lang="es-AR" sz="5000" u="sng" dirty="0" smtClean="0">
                 <a:solidFill>
                   <a:srgbClr val="890909"/>
                 </a:solidFill>
@@ -4697,7 +8055,7 @@
               <a:t>:</a:t>
             </a:r>
             <a:r>
-              <a:rPr lang="es-AR" dirty="0">
+              <a:rPr lang="es-AR" sz="5000" dirty="0">
                 <a:solidFill>
                   <a:srgbClr val="890909"/>
                 </a:solidFill>
@@ -4710,92 +8068,131 @@
           <a:p>
             <a:pPr lvl="0"/>
             <a:r>
-              <a:rPr lang="es-AR" dirty="0">
-                <a:solidFill>
-                  <a:srgbClr val="890909"/>
-                </a:solidFill>
-                <a:latin typeface="Times New Roman" pitchFamily="18" charset="0"/>
-                <a:cs typeface="Times New Roman" pitchFamily="18" charset="0"/>
-              </a:rPr>
-              <a:t>Proceso de control de las respuestas suministradas tanto por el docente como por el </a:t>
-            </a:r>
-            <a:r>
-              <a:rPr lang="es-AR" dirty="0" smtClean="0">
-                <a:solidFill>
-                  <a:srgbClr val="890909"/>
-                </a:solidFill>
-                <a:latin typeface="Times New Roman" pitchFamily="18" charset="0"/>
-                <a:cs typeface="Times New Roman" pitchFamily="18" charset="0"/>
-              </a:rPr>
-              <a:t>alumno</a:t>
-            </a:r>
-            <a:endParaRPr lang="es-AR" dirty="0">
-              <a:solidFill>
-                <a:srgbClr val="890909"/>
-              </a:solidFill>
-              <a:latin typeface="Times New Roman" pitchFamily="18" charset="0"/>
-              <a:cs typeface="Times New Roman" pitchFamily="18" charset="0"/>
-            </a:endParaRPr>
-          </a:p>
-          <a:p>
-            <a:pPr>
-              <a:buNone/>
-            </a:pPr>
-            <a:r>
-              <a:rPr lang="es-AR" u="sng" dirty="0">
-                <a:solidFill>
-                  <a:srgbClr val="890909"/>
-                </a:solidFill>
-                <a:latin typeface="Times New Roman" pitchFamily="18" charset="0"/>
-                <a:cs typeface="Times New Roman" pitchFamily="18" charset="0"/>
-              </a:rPr>
-              <a:t>Requisitos no Funcionales</a:t>
-            </a:r>
-            <a:r>
-              <a:rPr lang="es-AR" u="sng" dirty="0" smtClean="0">
-                <a:solidFill>
-                  <a:srgbClr val="890909"/>
-                </a:solidFill>
-                <a:latin typeface="Times New Roman" pitchFamily="18" charset="0"/>
-                <a:cs typeface="Times New Roman" pitchFamily="18" charset="0"/>
-              </a:rPr>
-              <a:t>:</a:t>
-            </a:r>
-            <a:r>
-              <a:rPr lang="es-AR" dirty="0">
-                <a:solidFill>
-                  <a:srgbClr val="890909"/>
-                </a:solidFill>
-                <a:latin typeface="Times New Roman" pitchFamily="18" charset="0"/>
-                <a:cs typeface="Times New Roman" pitchFamily="18" charset="0"/>
-              </a:rPr>
-              <a:t> </a:t>
+              <a:rPr lang="es-AR" sz="5000" dirty="0">
+                <a:solidFill>
+                  <a:srgbClr val="890909"/>
+                </a:solidFill>
+                <a:latin typeface="Times New Roman" pitchFamily="18" charset="0"/>
+                <a:cs typeface="Times New Roman" pitchFamily="18" charset="0"/>
+              </a:rPr>
+              <a:t>El usuario podrá realizar peticiones de acceso al sistema </a:t>
             </a:r>
           </a:p>
           <a:p>
             <a:pPr lvl="0"/>
             <a:r>
-              <a:rPr lang="es-AR" dirty="0">
-                <a:solidFill>
-                  <a:srgbClr val="890909"/>
-                </a:solidFill>
-                <a:latin typeface="Times New Roman" pitchFamily="18" charset="0"/>
-                <a:cs typeface="Times New Roman" pitchFamily="18" charset="0"/>
-              </a:rPr>
-              <a:t>El docente no participará en el proceso de corrección de los trabajos prácticos</a:t>
+              <a:rPr lang="es-AR" sz="5000" dirty="0">
+                <a:solidFill>
+                  <a:srgbClr val="890909"/>
+                </a:solidFill>
+                <a:latin typeface="Times New Roman" pitchFamily="18" charset="0"/>
+                <a:cs typeface="Times New Roman" pitchFamily="18" charset="0"/>
+              </a:rPr>
+              <a:t>El usuario(docente) podrá crear trabajos prácticos a resolver</a:t>
             </a:r>
           </a:p>
           <a:p>
             <a:pPr lvl="0"/>
             <a:r>
-              <a:rPr lang="es-AR" dirty="0">
-                <a:solidFill>
-                  <a:srgbClr val="890909"/>
-                </a:solidFill>
-                <a:latin typeface="Times New Roman" pitchFamily="18" charset="0"/>
-                <a:cs typeface="Times New Roman" pitchFamily="18" charset="0"/>
-              </a:rPr>
-              <a:t>El sistema deberá restringir el acceso a la respuestas por medio de validaciones de usuario</a:t>
+              <a:rPr lang="es-AR" sz="5000" dirty="0">
+                <a:solidFill>
+                  <a:srgbClr val="890909"/>
+                </a:solidFill>
+                <a:latin typeface="Times New Roman" pitchFamily="18" charset="0"/>
+                <a:cs typeface="Times New Roman" pitchFamily="18" charset="0"/>
+              </a:rPr>
+              <a:t>El usuario(docente) podrá suministrarle a esos trabajos prácticos consignas y respuestas pertinentes</a:t>
+            </a:r>
+          </a:p>
+          <a:p>
+            <a:pPr lvl="0"/>
+            <a:r>
+              <a:rPr lang="es-AR" sz="5000" dirty="0">
+                <a:solidFill>
+                  <a:srgbClr val="890909"/>
+                </a:solidFill>
+                <a:latin typeface="Times New Roman" pitchFamily="18" charset="0"/>
+                <a:cs typeface="Times New Roman" pitchFamily="18" charset="0"/>
+              </a:rPr>
+              <a:t>El usuario(docente) podrá indicar si esas respuestas son verdaderas o falsas </a:t>
+            </a:r>
+          </a:p>
+          <a:p>
+            <a:pPr lvl="0"/>
+            <a:r>
+              <a:rPr lang="es-AR" sz="5000" dirty="0">
+                <a:solidFill>
+                  <a:srgbClr val="890909"/>
+                </a:solidFill>
+                <a:latin typeface="Times New Roman" pitchFamily="18" charset="0"/>
+                <a:cs typeface="Times New Roman" pitchFamily="18" charset="0"/>
+              </a:rPr>
+              <a:t>El usuario(docente) podrá indicar a que carrera y materia pertenece el trabajo practico </a:t>
+            </a:r>
+          </a:p>
+          <a:p>
+            <a:pPr lvl="0"/>
+            <a:r>
+              <a:rPr lang="es-AR" sz="5000" dirty="0">
+                <a:solidFill>
+                  <a:srgbClr val="890909"/>
+                </a:solidFill>
+                <a:latin typeface="Times New Roman" pitchFamily="18" charset="0"/>
+                <a:cs typeface="Times New Roman" pitchFamily="18" charset="0"/>
+              </a:rPr>
+              <a:t>El usuario(administrador) podrá registrar peticiones de acceso al sistema</a:t>
+            </a:r>
+          </a:p>
+          <a:p>
+            <a:pPr lvl="0"/>
+            <a:r>
+              <a:rPr lang="es-AR" sz="5000" dirty="0">
+                <a:solidFill>
+                  <a:srgbClr val="890909"/>
+                </a:solidFill>
+                <a:latin typeface="Times New Roman" pitchFamily="18" charset="0"/>
+                <a:cs typeface="Times New Roman" pitchFamily="18" charset="0"/>
+              </a:rPr>
+              <a:t>El usuario(administrador) podrá modificar y eliminar los usuarios de tipo docentes del sistema</a:t>
+            </a:r>
+          </a:p>
+          <a:p>
+            <a:pPr lvl="0"/>
+            <a:r>
+              <a:rPr lang="es-AR" sz="5000" dirty="0">
+                <a:solidFill>
+                  <a:srgbClr val="890909"/>
+                </a:solidFill>
+                <a:latin typeface="Times New Roman" pitchFamily="18" charset="0"/>
+                <a:cs typeface="Times New Roman" pitchFamily="18" charset="0"/>
+              </a:rPr>
+              <a:t>El alumno podrá buscar el trabajo práctico indicado por el docente.</a:t>
+            </a:r>
+          </a:p>
+          <a:p>
+            <a:pPr lvl="0"/>
+            <a:r>
+              <a:rPr lang="es-AR" sz="5000" dirty="0">
+                <a:solidFill>
+                  <a:srgbClr val="890909"/>
+                </a:solidFill>
+                <a:latin typeface="Times New Roman" pitchFamily="18" charset="0"/>
+                <a:cs typeface="Times New Roman" pitchFamily="18" charset="0"/>
+              </a:rPr>
+              <a:t>El  alumno podrá responder el trabajo práctico.</a:t>
+            </a:r>
+          </a:p>
+          <a:p>
+            <a:pPr lvl="0"/>
+            <a:r>
+              <a:rPr lang="es-AR" sz="5000" dirty="0">
+                <a:solidFill>
+                  <a:srgbClr val="890909"/>
+                </a:solidFill>
+                <a:latin typeface="Times New Roman" pitchFamily="18" charset="0"/>
+                <a:cs typeface="Times New Roman" pitchFamily="18" charset="0"/>
+              </a:rPr>
+              <a:t>El alumno deberá visualizar cuales respuestas fueron las correctas y cuales incorrectas.</a:t>
             </a:r>
           </a:p>
           <a:p>
@@ -4840,6 +8237,207 @@
         </p:nvSpPr>
         <p:spPr/>
         <p:txBody>
+          <a:bodyPr/>
+          <a:lstStyle/>
+          <a:p>
+            <a:r>
+              <a:rPr lang="es-AR" b="1" dirty="0" smtClean="0">
+                <a:solidFill>
+                  <a:srgbClr val="890909"/>
+                </a:solidFill>
+                <a:latin typeface="Times New Roman" pitchFamily="18" charset="0"/>
+                <a:cs typeface="Times New Roman" pitchFamily="18" charset="0"/>
+              </a:rPr>
+              <a:t>Requisitos</a:t>
+            </a:r>
+            <a:endParaRPr lang="es-AR" dirty="0"/>
+          </a:p>
+        </p:txBody>
+      </p:sp>
+      <p:sp>
+        <p:nvSpPr>
+          <p:cNvPr id="3" name="2 Marcador de contenido"/>
+          <p:cNvSpPr>
+            <a:spLocks noGrp="1"/>
+          </p:cNvSpPr>
+          <p:nvPr>
+            <p:ph idx="1"/>
+          </p:nvPr>
+        </p:nvSpPr>
+        <p:spPr/>
+        <p:txBody>
+          <a:bodyPr>
+            <a:normAutofit fontScale="92500"/>
+          </a:bodyPr>
+          <a:lstStyle/>
+          <a:p>
+            <a:pPr>
+              <a:buNone/>
+            </a:pPr>
+            <a:r>
+              <a:rPr lang="es-AR" u="sng" dirty="0">
+                <a:solidFill>
+                  <a:srgbClr val="890909"/>
+                </a:solidFill>
+                <a:latin typeface="Times New Roman" pitchFamily="18" charset="0"/>
+                <a:cs typeface="Times New Roman" pitchFamily="18" charset="0"/>
+              </a:rPr>
+              <a:t>Requisitos Funcionales</a:t>
+            </a:r>
+            <a:r>
+              <a:rPr lang="es-AR" u="sng" dirty="0" smtClean="0">
+                <a:solidFill>
+                  <a:srgbClr val="890909"/>
+                </a:solidFill>
+                <a:latin typeface="Times New Roman" pitchFamily="18" charset="0"/>
+                <a:cs typeface="Times New Roman" pitchFamily="18" charset="0"/>
+              </a:rPr>
+              <a:t>:</a:t>
+            </a:r>
+            <a:r>
+              <a:rPr lang="es-AR" dirty="0">
+                <a:solidFill>
+                  <a:srgbClr val="890909"/>
+                </a:solidFill>
+                <a:latin typeface="Times New Roman" pitchFamily="18" charset="0"/>
+                <a:cs typeface="Times New Roman" pitchFamily="18" charset="0"/>
+              </a:rPr>
+              <a:t> </a:t>
+            </a:r>
+          </a:p>
+          <a:p>
+            <a:pPr lvl="0"/>
+            <a:r>
+              <a:rPr lang="es-AR" dirty="0">
+                <a:solidFill>
+                  <a:srgbClr val="890909"/>
+                </a:solidFill>
+                <a:latin typeface="Times New Roman" pitchFamily="18" charset="0"/>
+                <a:cs typeface="Times New Roman" pitchFamily="18" charset="0"/>
+              </a:rPr>
+              <a:t>Proceso de control de las respuestas suministradas tanto por el docente como por el </a:t>
+            </a:r>
+            <a:r>
+              <a:rPr lang="es-AR" dirty="0" smtClean="0">
+                <a:solidFill>
+                  <a:srgbClr val="890909"/>
+                </a:solidFill>
+                <a:latin typeface="Times New Roman" pitchFamily="18" charset="0"/>
+                <a:cs typeface="Times New Roman" pitchFamily="18" charset="0"/>
+              </a:rPr>
+              <a:t>alumno</a:t>
+            </a:r>
+            <a:endParaRPr lang="es-AR" dirty="0">
+              <a:solidFill>
+                <a:srgbClr val="890909"/>
+              </a:solidFill>
+              <a:latin typeface="Times New Roman" pitchFamily="18" charset="0"/>
+              <a:cs typeface="Times New Roman" pitchFamily="18" charset="0"/>
+            </a:endParaRPr>
+          </a:p>
+          <a:p>
+            <a:pPr>
+              <a:buNone/>
+            </a:pPr>
+            <a:r>
+              <a:rPr lang="es-AR" u="sng" dirty="0">
+                <a:solidFill>
+                  <a:srgbClr val="890909"/>
+                </a:solidFill>
+                <a:latin typeface="Times New Roman" pitchFamily="18" charset="0"/>
+                <a:cs typeface="Times New Roman" pitchFamily="18" charset="0"/>
+              </a:rPr>
+              <a:t>Requisitos no Funcionales</a:t>
+            </a:r>
+            <a:r>
+              <a:rPr lang="es-AR" u="sng" dirty="0" smtClean="0">
+                <a:solidFill>
+                  <a:srgbClr val="890909"/>
+                </a:solidFill>
+                <a:latin typeface="Times New Roman" pitchFamily="18" charset="0"/>
+                <a:cs typeface="Times New Roman" pitchFamily="18" charset="0"/>
+              </a:rPr>
+              <a:t>:</a:t>
+            </a:r>
+            <a:r>
+              <a:rPr lang="es-AR" dirty="0">
+                <a:solidFill>
+                  <a:srgbClr val="890909"/>
+                </a:solidFill>
+                <a:latin typeface="Times New Roman" pitchFamily="18" charset="0"/>
+                <a:cs typeface="Times New Roman" pitchFamily="18" charset="0"/>
+              </a:rPr>
+              <a:t> </a:t>
+            </a:r>
+          </a:p>
+          <a:p>
+            <a:pPr lvl="0"/>
+            <a:r>
+              <a:rPr lang="es-AR" dirty="0">
+                <a:solidFill>
+                  <a:srgbClr val="890909"/>
+                </a:solidFill>
+                <a:latin typeface="Times New Roman" pitchFamily="18" charset="0"/>
+                <a:cs typeface="Times New Roman" pitchFamily="18" charset="0"/>
+              </a:rPr>
+              <a:t>El docente no participará en el proceso de corrección de los trabajos prácticos</a:t>
+            </a:r>
+          </a:p>
+          <a:p>
+            <a:pPr lvl="0"/>
+            <a:r>
+              <a:rPr lang="es-AR" dirty="0">
+                <a:solidFill>
+                  <a:srgbClr val="890909"/>
+                </a:solidFill>
+                <a:latin typeface="Times New Roman" pitchFamily="18" charset="0"/>
+                <a:cs typeface="Times New Roman" pitchFamily="18" charset="0"/>
+              </a:rPr>
+              <a:t>El sistema deberá restringir el acceso a la respuestas por medio de validaciones de usuario</a:t>
+            </a:r>
+          </a:p>
+          <a:p>
+            <a:endParaRPr lang="es-AR" dirty="0"/>
+          </a:p>
+        </p:txBody>
+      </p:sp>
+    </p:spTree>
+  </p:cSld>
+  <p:clrMapOvr>
+    <a:masterClrMapping/>
+  </p:clrMapOvr>
+</p:sld>
+</file>
+
+<file path=ppt/slides/slide8.xml><?xml version="1.0" encoding="utf-8"?>
+<p:sld xmlns:a="http://schemas.openxmlformats.org/drawingml/2006/main" xmlns:r="http://schemas.openxmlformats.org/officeDocument/2006/relationships" xmlns:p="http://schemas.openxmlformats.org/presentationml/2006/main">
+  <p:cSld>
+    <p:spTree>
+      <p:nvGrpSpPr>
+        <p:cNvPr id="1" name=""/>
+        <p:cNvGrpSpPr/>
+        <p:nvPr/>
+      </p:nvGrpSpPr>
+      <p:grpSpPr>
+        <a:xfrm>
+          <a:off x="0" y="0"/>
+          <a:ext cx="0" cy="0"/>
+          <a:chOff x="0" y="0"/>
+          <a:chExt cx="0" cy="0"/>
+        </a:xfrm>
+      </p:grpSpPr>
+      <p:sp>
+        <p:nvSpPr>
+          <p:cNvPr id="2" name="1 Título"/>
+          <p:cNvSpPr>
+            <a:spLocks noGrp="1"/>
+          </p:cNvSpPr>
+          <p:nvPr>
+            <p:ph type="title"/>
+          </p:nvPr>
+        </p:nvSpPr>
+        <p:spPr/>
+        <p:txBody>
           <a:bodyPr>
             <a:normAutofit fontScale="90000"/>
           </a:bodyPr>
@@ -4933,7 +8531,7 @@
           <a:blip r:embed="rId2" cstate="print">
             <a:extLst>
               <a:ext uri="{28A0092B-C50C-407E-A947-70E740481C1C}">
-                <a14:useLocalDpi xmlns:ve="http://schemas.openxmlformats.org/markup-compatibility/2006" xmlns:m="http://schemas.openxmlformats.org/officeDocument/2006/math" xmlns:wp="http://schemas.openxmlformats.org/drawingml/2006/wordprocessingDrawing" xmlns:wne="http://schemas.microsoft.com/office/word/2006/wordml" xmlns:a14="http://schemas.microsoft.com/office/drawing/2010/main" xmlns:wps="http://schemas.microsoft.com/office/word/2010/wordprocessingShape" xmlns:wpi="http://schemas.microsoft.com/office/word/2010/wordprocessingInk" xmlns:wpg="http://schemas.microsoft.com/office/word/2010/wordprocessingGroup" xmlns:w14="http://schemas.microsoft.com/office/word/2010/wordml" xmlns:w="http://schemas.openxmlformats.org/wordprocessingml/2006/main" xmlns:w10="urn:schemas-microsoft-com:office:word" xmlns:wp14="http://schemas.microsoft.com/office/word/2010/wordprocessingDrawing" xmlns:v="urn:schemas-microsoft-com:vml" xmlns:o="urn:schemas-microsoft-com:office:office" xmlns:mc="http://schemas.openxmlformats.org/markup-compatibility/2006" xmlns:wpc="http://schemas.microsoft.com/office/word/2010/wordprocessingCanvas" xmlns="" xmlns:pic="http://schemas.openxmlformats.org/drawingml/2006/picture" xmlns:lc="http://schemas.openxmlformats.org/drawingml/2006/lockedCanvas" val="0"/>
+                <a14:useLocalDpi xmlns:a14="http://schemas.microsoft.com/office/drawing/2010/main" val="0"/>
               </a:ext>
             </a:extLst>
           </a:blip>
@@ -4959,195 +8557,6 @@
 </p:sld>
 </file>
 
-<file path=ppt/slides/slide8.xml><?xml version="1.0" encoding="utf-8"?>
-<p:sld xmlns:a="http://schemas.openxmlformats.org/drawingml/2006/main" xmlns:r="http://schemas.openxmlformats.org/officeDocument/2006/relationships" xmlns:p="http://schemas.openxmlformats.org/presentationml/2006/main">
-  <p:cSld>
-    <p:spTree>
-      <p:nvGrpSpPr>
-        <p:cNvPr id="1" name=""/>
-        <p:cNvGrpSpPr/>
-        <p:nvPr/>
-      </p:nvGrpSpPr>
-      <p:grpSpPr>
-        <a:xfrm>
-          <a:off x="0" y="0"/>
-          <a:ext cx="0" cy="0"/>
-          <a:chOff x="0" y="0"/>
-          <a:chExt cx="0" cy="0"/>
-        </a:xfrm>
-      </p:grpSpPr>
-      <p:sp>
-        <p:nvSpPr>
-          <p:cNvPr id="2" name="1 Título"/>
-          <p:cNvSpPr>
-            <a:spLocks noGrp="1"/>
-          </p:cNvSpPr>
-          <p:nvPr>
-            <p:ph type="title"/>
-          </p:nvPr>
-        </p:nvSpPr>
-        <p:spPr/>
-        <p:txBody>
-          <a:bodyPr>
-            <a:normAutofit fontScale="90000"/>
-          </a:bodyPr>
-          <a:lstStyle/>
-          <a:p>
-            <a:r>
-              <a:rPr lang="es-AR" b="1" dirty="0" smtClean="0">
-                <a:solidFill>
-                  <a:srgbClr val="890909"/>
-                </a:solidFill>
-                <a:latin typeface="Times New Roman" pitchFamily="18" charset="0"/>
-                <a:cs typeface="Times New Roman" pitchFamily="18" charset="0"/>
-              </a:rPr>
-              <a:t>Descripción del plan definido para el desarrollo del proyecto </a:t>
-            </a:r>
-            <a:endParaRPr lang="es-AR" dirty="0"/>
-          </a:p>
-        </p:txBody>
-      </p:sp>
-      <p:sp>
-        <p:nvSpPr>
-          <p:cNvPr id="3" name="2 Marcador de contenido"/>
-          <p:cNvSpPr>
-            <a:spLocks noGrp="1"/>
-          </p:cNvSpPr>
-          <p:nvPr>
-            <p:ph idx="1"/>
-          </p:nvPr>
-        </p:nvSpPr>
-        <p:spPr/>
-        <p:txBody>
-          <a:bodyPr/>
-          <a:lstStyle/>
-          <a:p>
-            <a:pPr>
-              <a:buNone/>
-            </a:pPr>
-            <a:r>
-              <a:rPr lang="es-AR" sz="4800" dirty="0" smtClean="0">
-                <a:solidFill>
-                  <a:srgbClr val="890909"/>
-                </a:solidFill>
-                <a:latin typeface="Times New Roman" pitchFamily="18" charset="0"/>
-                <a:cs typeface="Times New Roman" pitchFamily="18" charset="0"/>
-              </a:rPr>
-              <a:t>Herramientas:</a:t>
-            </a:r>
-          </a:p>
-          <a:p>
-            <a:r>
-              <a:rPr lang="es-AR" sz="4800" dirty="0" err="1">
-                <a:solidFill>
-                  <a:srgbClr val="890909"/>
-                </a:solidFill>
-                <a:latin typeface="Times New Roman" pitchFamily="18" charset="0"/>
-                <a:cs typeface="Times New Roman" pitchFamily="18" charset="0"/>
-              </a:rPr>
-              <a:t>Python</a:t>
-            </a:r>
-            <a:r>
-              <a:rPr lang="es-AR" sz="4800" dirty="0">
-                <a:solidFill>
-                  <a:srgbClr val="890909"/>
-                </a:solidFill>
-                <a:latin typeface="Times New Roman" pitchFamily="18" charset="0"/>
-                <a:cs typeface="Times New Roman" pitchFamily="18" charset="0"/>
-              </a:rPr>
-              <a:t> </a:t>
-            </a:r>
-            <a:r>
-              <a:rPr lang="es-AR" sz="4800" dirty="0" smtClean="0">
-                <a:solidFill>
-                  <a:srgbClr val="890909"/>
-                </a:solidFill>
-                <a:latin typeface="Times New Roman" pitchFamily="18" charset="0"/>
-                <a:cs typeface="Times New Roman" pitchFamily="18" charset="0"/>
-              </a:rPr>
-              <a:t>2.7</a:t>
-            </a:r>
-          </a:p>
-          <a:p>
-            <a:r>
-              <a:rPr lang="es-AR" sz="4800" dirty="0" err="1">
-                <a:solidFill>
-                  <a:srgbClr val="890909"/>
-                </a:solidFill>
-                <a:latin typeface="Times New Roman" pitchFamily="18" charset="0"/>
-                <a:cs typeface="Times New Roman" pitchFamily="18" charset="0"/>
-              </a:rPr>
-              <a:t>MySQL</a:t>
-            </a:r>
-            <a:r>
-              <a:rPr lang="es-AR" sz="4800" dirty="0">
-                <a:solidFill>
-                  <a:srgbClr val="890909"/>
-                </a:solidFill>
-                <a:latin typeface="Times New Roman" pitchFamily="18" charset="0"/>
-                <a:cs typeface="Times New Roman" pitchFamily="18" charset="0"/>
-              </a:rPr>
-              <a:t> v5.5 </a:t>
-            </a:r>
-            <a:endParaRPr lang="es-AR" sz="4800" dirty="0" smtClean="0">
-              <a:solidFill>
-                <a:srgbClr val="890909"/>
-              </a:solidFill>
-              <a:latin typeface="Times New Roman" pitchFamily="18" charset="0"/>
-              <a:cs typeface="Times New Roman" pitchFamily="18" charset="0"/>
-            </a:endParaRPr>
-          </a:p>
-          <a:p>
-            <a:r>
-              <a:rPr lang="es-AR" sz="4800" dirty="0" smtClean="0">
-                <a:solidFill>
-                  <a:srgbClr val="890909"/>
-                </a:solidFill>
-                <a:latin typeface="Times New Roman" pitchFamily="18" charset="0"/>
-                <a:cs typeface="Times New Roman" pitchFamily="18" charset="0"/>
-              </a:rPr>
-              <a:t>Diseño de interfaz con </a:t>
-            </a:r>
-            <a:r>
-              <a:rPr lang="es-AR" sz="4800" dirty="0" err="1" smtClean="0">
-                <a:solidFill>
-                  <a:srgbClr val="890909"/>
-                </a:solidFill>
-                <a:latin typeface="Times New Roman" pitchFamily="18" charset="0"/>
-                <a:cs typeface="Times New Roman" pitchFamily="18" charset="0"/>
-              </a:rPr>
-              <a:t>Kivy</a:t>
-            </a:r>
-            <a:r>
-              <a:rPr lang="es-AR" sz="4800" dirty="0" smtClean="0">
-                <a:solidFill>
-                  <a:srgbClr val="890909"/>
-                </a:solidFill>
-                <a:latin typeface="Times New Roman" pitchFamily="18" charset="0"/>
-                <a:cs typeface="Times New Roman" pitchFamily="18" charset="0"/>
-              </a:rPr>
-              <a:t>.</a:t>
-            </a:r>
-          </a:p>
-          <a:p>
-            <a:endParaRPr lang="es-AR" dirty="0">
-              <a:solidFill>
-                <a:srgbClr val="890909"/>
-              </a:solidFill>
-              <a:latin typeface="Times New Roman" pitchFamily="18" charset="0"/>
-              <a:cs typeface="Times New Roman" pitchFamily="18" charset="0"/>
-            </a:endParaRPr>
-          </a:p>
-        </p:txBody>
-      </p:sp>
-    </p:spTree>
-  </p:cSld>
-  <p:clrMapOvr>
-    <a:masterClrMapping/>
-  </p:clrMapOvr>
-</p:sld>
-</file>
-
 <file path=ppt/slides/slide9.xml><?xml version="1.0" encoding="utf-8"?>
 <p:sld xmlns:a="http://schemas.openxmlformats.org/drawingml/2006/main" xmlns:r="http://schemas.openxmlformats.org/officeDocument/2006/relationships" xmlns:p="http://schemas.openxmlformats.org/presentationml/2006/main">
   <p:cSld>
@@ -5167,7 +8576,7 @@
       </p:grpSpPr>
       <p:sp>
         <p:nvSpPr>
-          <p:cNvPr id="2" name="1 Título"/>
+          <p:cNvPr id="2" name="Título 1"/>
           <p:cNvSpPr>
             <a:spLocks noGrp="1"/>
           </p:cNvSpPr>
@@ -5178,27 +8587,30 @@
         <p:spPr/>
         <p:txBody>
           <a:bodyPr>
-            <a:normAutofit fontScale="90000"/>
+            <a:noAutofit/>
           </a:bodyPr>
           <a:lstStyle/>
           <a:p>
             <a:r>
-              <a:rPr lang="es-AR" b="1" dirty="0" smtClean="0">
-                <a:solidFill>
-                  <a:srgbClr val="890909"/>
-                </a:solidFill>
-                <a:latin typeface="Times New Roman" pitchFamily="18" charset="0"/>
-                <a:cs typeface="Times New Roman" pitchFamily="18" charset="0"/>
+              <a:rPr lang="es-AR" sz="3200" dirty="0">
+                <a:solidFill>
+                  <a:srgbClr val="890909"/>
+                </a:solidFill>
+                <a:latin typeface="Arial" panose="020B0604020202020204" pitchFamily="34" charset="0"/>
+                <a:cs typeface="Arial" panose="020B0604020202020204" pitchFamily="34" charset="0"/>
               </a:rPr>
               <a:t>Descripción del plan definido para el desarrollo del proyecto </a:t>
             </a:r>
-            <a:endParaRPr lang="es-AR" dirty="0"/>
-          </a:p>
-        </p:txBody>
-      </p:sp>
-      <p:sp>
-        <p:nvSpPr>
-          <p:cNvPr id="3" name="2 Marcador de contenido"/>
+            <a:endParaRPr lang="es-AR" sz="3200" dirty="0">
+              <a:latin typeface="Arial" panose="020B0604020202020204" pitchFamily="34" charset="0"/>
+              <a:cs typeface="Arial" panose="020B0604020202020204" pitchFamily="34" charset="0"/>
+            </a:endParaRPr>
+          </a:p>
+        </p:txBody>
+      </p:sp>
+      <p:sp>
+        <p:nvSpPr>
+          <p:cNvPr id="3" name="Marcador de contenido 2"/>
           <p:cNvSpPr>
             <a:spLocks noGrp="1"/>
           </p:cNvSpPr>
@@ -5208,185 +8620,187 @@
         </p:nvSpPr>
         <p:spPr/>
         <p:txBody>
-          <a:bodyPr/>
-          <a:lstStyle/>
-          <a:p>
-            <a:pPr>
+          <a:bodyPr>
+            <a:normAutofit/>
+          </a:bodyPr>
+          <a:lstStyle/>
+          <a:p>
+            <a:pPr marL="0" lvl="0" indent="0">
               <a:buNone/>
             </a:pPr>
-            <a:r>
-              <a:rPr lang="es-AR" sz="4000" dirty="0" smtClean="0">
-                <a:solidFill>
-                  <a:srgbClr val="890909"/>
-                </a:solidFill>
-                <a:latin typeface="Times New Roman" pitchFamily="18" charset="0"/>
-                <a:cs typeface="Times New Roman" pitchFamily="18" charset="0"/>
-              </a:rPr>
-              <a:t>Programación orientada a objetos:</a:t>
-            </a:r>
-          </a:p>
-          <a:p>
-            <a:pPr lvl="0"/>
-            <a:r>
-              <a:rPr lang="es-AR" sz="4000" dirty="0">
-                <a:solidFill>
-                  <a:srgbClr val="890909"/>
-                </a:solidFill>
-                <a:latin typeface="Times New Roman" pitchFamily="18" charset="0"/>
-                <a:cs typeface="Times New Roman" pitchFamily="18" charset="0"/>
-              </a:rPr>
-              <a:t>Análisis de Casos de </a:t>
-            </a:r>
-            <a:r>
-              <a:rPr lang="es-AR" sz="4000" dirty="0" smtClean="0">
-                <a:solidFill>
-                  <a:srgbClr val="890909"/>
-                </a:solidFill>
-                <a:latin typeface="Times New Roman" pitchFamily="18" charset="0"/>
-                <a:cs typeface="Times New Roman" pitchFamily="18" charset="0"/>
-              </a:rPr>
-              <a:t>uso</a:t>
-            </a:r>
-            <a:r>
-              <a:rPr lang="es-AR" sz="4000" dirty="0">
-                <a:solidFill>
-                  <a:srgbClr val="890909"/>
-                </a:solidFill>
-                <a:latin typeface="Times New Roman" pitchFamily="18" charset="0"/>
-                <a:cs typeface="Times New Roman" pitchFamily="18" charset="0"/>
-              </a:rPr>
-              <a:t>.</a:t>
-            </a:r>
-          </a:p>
-          <a:p>
-            <a:pPr lvl="0"/>
-            <a:r>
-              <a:rPr lang="es-AR" sz="4000" dirty="0">
-                <a:solidFill>
-                  <a:srgbClr val="890909"/>
-                </a:solidFill>
-                <a:latin typeface="Times New Roman" pitchFamily="18" charset="0"/>
-                <a:cs typeface="Times New Roman" pitchFamily="18" charset="0"/>
-              </a:rPr>
-              <a:t>Diagrama de Casos de </a:t>
-            </a:r>
-            <a:r>
-              <a:rPr lang="es-AR" sz="4000" dirty="0" smtClean="0">
-                <a:solidFill>
-                  <a:srgbClr val="890909"/>
-                </a:solidFill>
-                <a:latin typeface="Times New Roman" pitchFamily="18" charset="0"/>
-                <a:cs typeface="Times New Roman" pitchFamily="18" charset="0"/>
-              </a:rPr>
-              <a:t>uso.</a:t>
-            </a:r>
-            <a:endParaRPr lang="es-AR" sz="4000" dirty="0">
+            <a:endParaRPr lang="es-AR" sz="2200" dirty="0" smtClean="0">
               <a:solidFill>
                 <a:srgbClr val="890909"/>
               </a:solidFill>
-              <a:latin typeface="Times New Roman" pitchFamily="18" charset="0"/>
-              <a:cs typeface="Times New Roman" pitchFamily="18" charset="0"/>
+              <a:latin typeface="Arial" panose="020B0604020202020204" pitchFamily="34" charset="0"/>
+              <a:cs typeface="Arial" panose="020B0604020202020204" pitchFamily="34" charset="0"/>
             </a:endParaRPr>
           </a:p>
           <a:p>
-            <a:pPr lvl="0"/>
-            <a:r>
-              <a:rPr lang="es-AR" sz="4000" dirty="0">
-                <a:solidFill>
-                  <a:srgbClr val="890909"/>
-                </a:solidFill>
-                <a:latin typeface="Times New Roman" pitchFamily="18" charset="0"/>
-                <a:cs typeface="Times New Roman" pitchFamily="18" charset="0"/>
-              </a:rPr>
-              <a:t>Diagrama de </a:t>
-            </a:r>
-            <a:r>
-              <a:rPr lang="es-AR" sz="4000" dirty="0" smtClean="0">
-                <a:solidFill>
-                  <a:srgbClr val="890909"/>
-                </a:solidFill>
-                <a:latin typeface="Times New Roman" pitchFamily="18" charset="0"/>
-                <a:cs typeface="Times New Roman" pitchFamily="18" charset="0"/>
-              </a:rPr>
-              <a:t>Secuencias.</a:t>
-            </a:r>
-            <a:endParaRPr lang="es-AR" sz="4000" dirty="0">
+            <a:pPr lvl="0">
+              <a:buFont typeface="Wingdings" panose="05000000000000000000" pitchFamily="2" charset="2"/>
+              <a:buChar char="Ø"/>
+            </a:pPr>
+            <a:r>
+              <a:rPr lang="es-AR" sz="2200" dirty="0">
+                <a:solidFill>
+                  <a:srgbClr val="890909"/>
+                </a:solidFill>
+                <a:latin typeface="Arial" panose="020B0604020202020204" pitchFamily="34" charset="0"/>
+                <a:cs typeface="Arial" panose="020B0604020202020204" pitchFamily="34" charset="0"/>
+              </a:rPr>
+              <a:t>E</a:t>
+            </a:r>
+            <a:r>
+              <a:rPr lang="es-AR" sz="2200" dirty="0" smtClean="0">
+                <a:solidFill>
+                  <a:srgbClr val="890909"/>
+                </a:solidFill>
+                <a:latin typeface="Arial" panose="020B0604020202020204" pitchFamily="34" charset="0"/>
+                <a:cs typeface="Arial" panose="020B0604020202020204" pitchFamily="34" charset="0"/>
+              </a:rPr>
+              <a:t>legimos el Ciclo de Vida Prototipado debido a que en un comienzo no conocíamos con exactitud como desarrollar nuestro sistema. </a:t>
+            </a:r>
+          </a:p>
+          <a:p>
+            <a:pPr lvl="0">
+              <a:buFont typeface="Wingdings" panose="05000000000000000000" pitchFamily="2" charset="2"/>
+              <a:buChar char="Ø"/>
+            </a:pPr>
+            <a:r>
+              <a:rPr lang="es-AR" sz="2200" dirty="0" smtClean="0">
+                <a:solidFill>
+                  <a:srgbClr val="890909"/>
+                </a:solidFill>
+                <a:latin typeface="Arial" panose="020B0604020202020204" pitchFamily="34" charset="0"/>
+                <a:cs typeface="Arial" panose="020B0604020202020204" pitchFamily="34" charset="0"/>
+              </a:rPr>
+              <a:t>Los prototipos junto con las maquetas nos permitieron crear un producto parcial y provisional.</a:t>
+            </a:r>
+          </a:p>
+          <a:p>
+            <a:pPr lvl="0">
+              <a:buFont typeface="Wingdings" panose="05000000000000000000" pitchFamily="2" charset="2"/>
+              <a:buChar char="Ø"/>
+            </a:pPr>
+            <a:r>
+              <a:rPr lang="es-AR" sz="2200" dirty="0" smtClean="0">
+                <a:solidFill>
+                  <a:srgbClr val="890909"/>
+                </a:solidFill>
+                <a:latin typeface="Arial" panose="020B0604020202020204" pitchFamily="34" charset="0"/>
+                <a:cs typeface="Arial" panose="020B0604020202020204" pitchFamily="34" charset="0"/>
+              </a:rPr>
+              <a:t>Su </a:t>
+            </a:r>
+            <a:r>
+              <a:rPr lang="es-AR" sz="2200" dirty="0">
+                <a:solidFill>
+                  <a:srgbClr val="890909"/>
+                </a:solidFill>
+                <a:latin typeface="Arial" panose="020B0604020202020204" pitchFamily="34" charset="0"/>
+                <a:cs typeface="Arial" panose="020B0604020202020204" pitchFamily="34" charset="0"/>
+              </a:rPr>
+              <a:t>evaluación y desarrollo </a:t>
+            </a:r>
+            <a:r>
+              <a:rPr lang="es-AR" sz="2200" dirty="0" smtClean="0">
+                <a:solidFill>
+                  <a:srgbClr val="890909"/>
+                </a:solidFill>
+                <a:latin typeface="Arial" panose="020B0604020202020204" pitchFamily="34" charset="0"/>
+                <a:cs typeface="Arial" panose="020B0604020202020204" pitchFamily="34" charset="0"/>
+              </a:rPr>
+              <a:t>nos permitieron la definición de </a:t>
+            </a:r>
+            <a:r>
+              <a:rPr lang="es-AR" sz="2200" dirty="0">
+                <a:solidFill>
+                  <a:srgbClr val="890909"/>
+                </a:solidFill>
+                <a:latin typeface="Arial" panose="020B0604020202020204" pitchFamily="34" charset="0"/>
+                <a:cs typeface="Arial" panose="020B0604020202020204" pitchFamily="34" charset="0"/>
+              </a:rPr>
+              <a:t>especificaciones más complejas y seguras para el </a:t>
+            </a:r>
+            <a:r>
+              <a:rPr lang="es-AR" sz="2200" u="sng" dirty="0">
+                <a:solidFill>
+                  <a:srgbClr val="890909"/>
+                </a:solidFill>
+                <a:latin typeface="Arial" panose="020B0604020202020204" pitchFamily="34" charset="0"/>
+                <a:cs typeface="Arial" panose="020B0604020202020204" pitchFamily="34" charset="0"/>
+              </a:rPr>
+              <a:t>producto definitivo</a:t>
+            </a:r>
+            <a:r>
+              <a:rPr lang="es-AR" sz="2200" dirty="0">
+                <a:solidFill>
+                  <a:srgbClr val="890909"/>
+                </a:solidFill>
+                <a:latin typeface="Arial" panose="020B0604020202020204" pitchFamily="34" charset="0"/>
+                <a:cs typeface="Arial" panose="020B0604020202020204" pitchFamily="34" charset="0"/>
+              </a:rPr>
+              <a:t>.</a:t>
+            </a:r>
+          </a:p>
+          <a:p>
+            <a:pPr marL="0" indent="0">
+              <a:buNone/>
+            </a:pPr>
+            <a:r>
+              <a:rPr lang="es-AR" b="1" dirty="0">
+                <a:solidFill>
+                  <a:schemeClr val="accent2">
+                    <a:lumMod val="75000"/>
+                  </a:schemeClr>
+                </a:solidFill>
+              </a:rPr>
+              <a:t> </a:t>
+            </a:r>
+            <a:endParaRPr lang="es-AR" dirty="0">
               <a:solidFill>
-                <a:srgbClr val="890909"/>
+                <a:schemeClr val="accent2">
+                  <a:lumMod val="75000"/>
+                </a:schemeClr>
               </a:solidFill>
-              <a:latin typeface="Times New Roman" pitchFamily="18" charset="0"/>
-              <a:cs typeface="Times New Roman" pitchFamily="18" charset="0"/>
             </a:endParaRPr>
           </a:p>
           <a:p>
-            <a:pPr lvl="0"/>
-            <a:r>
-              <a:rPr lang="es-AR" sz="4000" dirty="0">
-                <a:solidFill>
-                  <a:srgbClr val="890909"/>
-                </a:solidFill>
-                <a:latin typeface="Times New Roman" pitchFamily="18" charset="0"/>
-                <a:cs typeface="Times New Roman" pitchFamily="18" charset="0"/>
-              </a:rPr>
-              <a:t>Escenario de Caso de </a:t>
-            </a:r>
-            <a:r>
-              <a:rPr lang="es-AR" sz="4000" dirty="0" smtClean="0">
-                <a:solidFill>
-                  <a:srgbClr val="890909"/>
-                </a:solidFill>
-                <a:latin typeface="Times New Roman" pitchFamily="18" charset="0"/>
-                <a:cs typeface="Times New Roman" pitchFamily="18" charset="0"/>
-              </a:rPr>
-              <a:t>uso</a:t>
-            </a:r>
-            <a:r>
-              <a:rPr lang="es-AR" sz="4000" dirty="0">
-                <a:solidFill>
-                  <a:srgbClr val="890909"/>
-                </a:solidFill>
-                <a:latin typeface="Times New Roman" pitchFamily="18" charset="0"/>
-                <a:cs typeface="Times New Roman" pitchFamily="18" charset="0"/>
-              </a:rPr>
-              <a:t>.</a:t>
-            </a:r>
-          </a:p>
-          <a:p>
-            <a:pPr lvl="0"/>
-            <a:r>
-              <a:rPr lang="es-AR" sz="4000" dirty="0">
-                <a:solidFill>
-                  <a:srgbClr val="890909"/>
-                </a:solidFill>
-                <a:latin typeface="Times New Roman" pitchFamily="18" charset="0"/>
-                <a:cs typeface="Times New Roman" pitchFamily="18" charset="0"/>
-              </a:rPr>
-              <a:t>Diagrama de </a:t>
-            </a:r>
-            <a:r>
-              <a:rPr lang="es-AR" sz="4000" dirty="0" smtClean="0">
-                <a:solidFill>
-                  <a:srgbClr val="890909"/>
-                </a:solidFill>
-                <a:latin typeface="Times New Roman" pitchFamily="18" charset="0"/>
-                <a:cs typeface="Times New Roman" pitchFamily="18" charset="0"/>
-              </a:rPr>
-              <a:t>Clases.</a:t>
-            </a:r>
-            <a:endParaRPr lang="es-AR" sz="4000" dirty="0">
-              <a:solidFill>
-                <a:srgbClr val="890909"/>
-              </a:solidFill>
-              <a:latin typeface="Times New Roman" pitchFamily="18" charset="0"/>
-              <a:cs typeface="Times New Roman" pitchFamily="18" charset="0"/>
-            </a:endParaRPr>
-          </a:p>
-          <a:p>
             <a:endParaRPr lang="es-AR" dirty="0"/>
           </a:p>
         </p:txBody>
       </p:sp>
+      <p:pic>
+        <p:nvPicPr>
+          <p:cNvPr id="4" name="3 Imagen" descr="logo_unla.png"/>
+          <p:cNvPicPr>
+            <a:picLocks noChangeAspect="1"/>
+          </p:cNvPicPr>
+          <p:nvPr/>
+        </p:nvPicPr>
+        <p:blipFill>
+          <a:blip r:embed="rId2"/>
+          <a:stretch>
+            <a:fillRect/>
+          </a:stretch>
+        </p:blipFill>
+        <p:spPr>
+          <a:xfrm>
+            <a:off x="0" y="0"/>
+            <a:ext cx="1187624" cy="1246753"/>
+          </a:xfrm>
+          <a:prstGeom prst="rect">
+            <a:avLst/>
+          </a:prstGeom>
+        </p:spPr>
+      </p:pic>
     </p:spTree>
+    <p:extLst>
+      <p:ext uri="{BB962C8B-B14F-4D97-AF65-F5344CB8AC3E}">
+        <p14:creationId xmlns:p14="http://schemas.microsoft.com/office/powerpoint/2010/main" val="1361171735"/>
+      </p:ext>
+    </p:extLst>
   </p:cSld>
   <p:clrMapOvr>
     <a:masterClrMapping/>
@@ -5675,4 +9089,265 @@
   <a:objectDefaults/>
   <a:extraClrSchemeLst/>
 </a:theme>
+</file>
+
+<file path=ppt/theme/theme2.xml><?xml version="1.0" encoding="utf-8"?>
+<a:theme xmlns:a="http://schemas.openxmlformats.org/drawingml/2006/main" name="Tema de Office">
+  <a:themeElements>
+    <a:clrScheme name="Office">
+      <a:dk1>
+        <a:sysClr val="windowText" lastClr="000000"/>
+      </a:dk1>
+      <a:lt1>
+        <a:sysClr val="window" lastClr="FFFFFF"/>
+      </a:lt1>
+      <a:dk2>
+        <a:srgbClr val="44546A"/>
+      </a:dk2>
+      <a:lt2>
+        <a:srgbClr val="E7E6E6"/>
+      </a:lt2>
+      <a:accent1>
+        <a:srgbClr val="5B9BD5"/>
+      </a:accent1>
+      <a:accent2>
+        <a:srgbClr val="ED7D31"/>
+      </a:accent2>
+      <a:accent3>
+        <a:srgbClr val="A5A5A5"/>
+      </a:accent3>
+      <a:accent4>
+        <a:srgbClr val="FFC000"/>
+      </a:accent4>
+      <a:accent5>
+        <a:srgbClr val="4472C4"/>
+      </a:accent5>
+      <a:accent6>
+        <a:srgbClr val="70AD47"/>
+      </a:accent6>
+      <a:hlink>
+        <a:srgbClr val="0563C1"/>
+      </a:hlink>
+      <a:folHlink>
+        <a:srgbClr val="954F72"/>
+      </a:folHlink>
+    </a:clrScheme>
+    <a:fontScheme name="Office">
+      <a:majorFont>
+        <a:latin typeface="Calibri Light" panose="020F0302020204030204"/>
+        <a:ea typeface=""/>
+        <a:cs typeface=""/>
+        <a:font script="Jpan" typeface="游ゴシック Light"/>
+        <a:font script="Hang" typeface="맑은 고딕"/>
+        <a:font script="Hans" typeface="等线 Light"/>
+        <a:font script="Hant" typeface="新細明體"/>
+        <a:font script="Arab" typeface="Times New Roman"/>
+        <a:font script="Hebr" typeface="Times New Roman"/>
+        <a:font script="Thai" typeface="Angsana New"/>
+        <a:font script="Ethi" typeface="Nyala"/>
+        <a:font script="Beng" typeface="Vrinda"/>
+        <a:font script="Gujr" typeface="Shruti"/>
+        <a:font script="Khmr" typeface="MoolBoran"/>
+        <a:font script="Knda" typeface="Tunga"/>
+        <a:font script="Guru" typeface="Raavi"/>
+        <a:font script="Cans" typeface="Euphemia"/>
+        <a:font script="Cher" typeface="Plantagenet Cherokee"/>
+        <a:font script="Yiii" typeface="Microsoft Yi Baiti"/>
+        <a:font script="Tibt" typeface="Microsoft Himalaya"/>
+        <a:font script="Thaa" typeface="MV Boli"/>
+        <a:font script="Deva" typeface="Mangal"/>
+        <a:font script="Telu" typeface="Gautami"/>
+        <a:font script="Taml" typeface="Latha"/>
+        <a:font script="Syrc" typeface="Estrangelo Edessa"/>
+        <a:font script="Orya" typeface="Kalinga"/>
+        <a:font script="Mlym" typeface="Kartika"/>
+        <a:font script="Laoo" typeface="DokChampa"/>
+        <a:font script="Sinh" typeface="Iskoola Pota"/>
+        <a:font script="Mong" typeface="Mongolian Baiti"/>
+        <a:font script="Viet" typeface="Times New Roman"/>
+        <a:font script="Uigh" typeface="Microsoft Uighur"/>
+        <a:font script="Geor" typeface="Sylfaen"/>
+      </a:majorFont>
+      <a:minorFont>
+        <a:latin typeface="Calibri" panose="020F0502020204030204"/>
+        <a:ea typeface=""/>
+        <a:cs typeface=""/>
+        <a:font script="Jpan" typeface="游ゴシック"/>
+        <a:font script="Hang" typeface="맑은 고딕"/>
+        <a:font script="Hans" typeface="等线"/>
+        <a:font script="Hant" typeface="新細明體"/>
+        <a:font script="Arab" typeface="Arial"/>
+        <a:font script="Hebr" typeface="Arial"/>
+        <a:font script="Thai" typeface="Cordia New"/>
+        <a:font script="Ethi" typeface="Nyala"/>
+        <a:font script="Beng" typeface="Vrinda"/>
+        <a:font script="Gujr" typeface="Shruti"/>
+        <a:font script="Khmr" typeface="DaunPenh"/>
+        <a:font script="Knda" typeface="Tunga"/>
+        <a:font script="Guru" typeface="Raavi"/>
+        <a:font script="Cans" typeface="Euphemia"/>
+        <a:font script="Cher" typeface="Plantagenet Cherokee"/>
+        <a:font script="Yiii" typeface="Microsoft Yi Baiti"/>
+        <a:font script="Tibt" typeface="Microsoft Himalaya"/>
+        <a:font script="Thaa" typeface="MV Boli"/>
+        <a:font script="Deva" typeface="Mangal"/>
+        <a:font script="Telu" typeface="Gautami"/>
+        <a:font script="Taml" typeface="Latha"/>
+        <a:font script="Syrc" typeface="Estrangelo Edessa"/>
+        <a:font script="Orya" typeface="Kalinga"/>
+        <a:font script="Mlym" typeface="Kartika"/>
+        <a:font script="Laoo" typeface="DokChampa"/>
+        <a:font script="Sinh" typeface="Iskoola Pota"/>
+        <a:font script="Mong" typeface="Mongolian Baiti"/>
+        <a:font script="Viet" typeface="Arial"/>
+        <a:font script="Uigh" typeface="Microsoft Uighur"/>
+        <a:font script="Geor" typeface="Sylfaen"/>
+      </a:minorFont>
+    </a:fontScheme>
+    <a:fmtScheme name="Office">
+      <a:fillStyleLst>
+        <a:solidFill>
+          <a:schemeClr val="phClr"/>
+        </a:solidFill>
+        <a:gradFill rotWithShape="1">
+          <a:gsLst>
+            <a:gs pos="0">
+              <a:schemeClr val="phClr">
+                <a:lumMod val="110000"/>
+                <a:satMod val="105000"/>
+                <a:tint val="67000"/>
+              </a:schemeClr>
+            </a:gs>
+            <a:gs pos="50000">
+              <a:schemeClr val="phClr">
+                <a:lumMod val="105000"/>
+                <a:satMod val="103000"/>
+                <a:tint val="73000"/>
+              </a:schemeClr>
+            </a:gs>
+            <a:gs pos="100000">
+              <a:schemeClr val="phClr">
+                <a:lumMod val="105000"/>
+                <a:satMod val="109000"/>
+                <a:tint val="81000"/>
+              </a:schemeClr>
+            </a:gs>
+          </a:gsLst>
+          <a:lin ang="5400000" scaled="0"/>
+        </a:gradFill>
+        <a:gradFill rotWithShape="1">
+          <a:gsLst>
+            <a:gs pos="0">
+              <a:schemeClr val="phClr">
+                <a:satMod val="103000"/>
+                <a:lumMod val="102000"/>
+                <a:tint val="94000"/>
+              </a:schemeClr>
+            </a:gs>
+            <a:gs pos="50000">
+              <a:schemeClr val="phClr">
+                <a:satMod val="110000"/>
+                <a:lumMod val="100000"/>
+                <a:shade val="100000"/>
+              </a:schemeClr>
+            </a:gs>
+            <a:gs pos="100000">
+              <a:schemeClr val="phClr">
+                <a:lumMod val="99000"/>
+                <a:satMod val="120000"/>
+                <a:shade val="78000"/>
+              </a:schemeClr>
+            </a:gs>
+          </a:gsLst>
+          <a:lin ang="5400000" scaled="0"/>
+        </a:gradFill>
+      </a:fillStyleLst>
+      <a:lnStyleLst>
+        <a:ln w="6350" cap="flat" cmpd="sng" algn="ctr">
+          <a:solidFill>
+            <a:schemeClr val="phClr"/>
+          </a:solidFill>
+          <a:prstDash val="solid"/>
+          <a:miter lim="800000"/>
+        </a:ln>
+        <a:ln w="12700" cap="flat" cmpd="sng" algn="ctr">
+          <a:solidFill>
+            <a:schemeClr val="phClr"/>
+          </a:solidFill>
+          <a:prstDash val="solid"/>
+          <a:miter lim="800000"/>
+        </a:ln>
+        <a:ln w="19050" cap="flat" cmpd="sng" algn="ctr">
+          <a:solidFill>
+            <a:schemeClr val="phClr"/>
+          </a:solidFill>
+          <a:prstDash val="solid"/>
+          <a:miter lim="800000"/>
+        </a:ln>
+      </a:lnStyleLst>
+      <a:effectStyleLst>
+        <a:effectStyle>
+          <a:effectLst/>
+        </a:effectStyle>
+        <a:effectStyle>
+          <a:effectLst/>
+        </a:effectStyle>
+        <a:effectStyle>
+          <a:effectLst>
+            <a:outerShdw blurRad="57150" dist="19050" dir="5400000" algn="ctr" rotWithShape="0">
+              <a:srgbClr val="000000">
+                <a:alpha val="63000"/>
+              </a:srgbClr>
+            </a:outerShdw>
+          </a:effectLst>
+        </a:effectStyle>
+      </a:effectStyleLst>
+      <a:bgFillStyleLst>
+        <a:solidFill>
+          <a:schemeClr val="phClr"/>
+        </a:solidFill>
+        <a:solidFill>
+          <a:schemeClr val="phClr">
+            <a:tint val="95000"/>
+            <a:satMod val="170000"/>
+          </a:schemeClr>
+        </a:solidFill>
+        <a:gradFill rotWithShape="1">
+          <a:gsLst>
+            <a:gs pos="0">
+              <a:schemeClr val="phClr">
+                <a:tint val="93000"/>
+                <a:satMod val="150000"/>
+                <a:shade val="98000"/>
+                <a:lumMod val="102000"/>
+              </a:schemeClr>
+            </a:gs>
+            <a:gs pos="50000">
+              <a:schemeClr val="phClr">
+                <a:tint val="98000"/>
+                <a:satMod val="130000"/>
+                <a:shade val="90000"/>
+                <a:lumMod val="103000"/>
+              </a:schemeClr>
+            </a:gs>
+            <a:gs pos="100000">
+              <a:schemeClr val="phClr">
+                <a:shade val="63000"/>
+                <a:satMod val="120000"/>
+              </a:schemeClr>
+            </a:gs>
+          </a:gsLst>
+          <a:lin ang="5400000" scaled="0"/>
+        </a:gradFill>
+      </a:bgFillStyleLst>
+    </a:fmtScheme>
+  </a:themeElements>
+  <a:objectDefaults/>
+  <a:extraClrSchemeLst/>
+  <a:extLst>
+    <a:ext uri="{05A4C25C-085E-4340-85A3-A5531E510DB2}">
+      <thm15:themeFamily xmlns:thm15="http://schemas.microsoft.com/office/thememl/2012/main" name="Office Theme" id="{62F939B6-93AF-4DB8-9C6B-D6C7DFDC589F}" vid="{4A3C46E8-61CC-4603-A589-7422A47A8E4A}"/>
+    </a:ext>
+  </a:extLst>
+</a:theme>
 </file>
--- a/Documentación/Presentacion SCTPs.pptx
+++ b/Documentación/Presentacion SCTPs.pptx
@@ -5,7 +5,7 @@
     <p:sldMasterId id="2147483648" r:id="rId1"/>
   </p:sldMasterIdLst>
   <p:notesMasterIdLst>
-    <p:notesMasterId r:id="rId30"/>
+    <p:notesMasterId r:id="rId42"/>
   </p:notesMasterIdLst>
   <p:sldIdLst>
     <p:sldId id="256" r:id="rId2"/>
@@ -30,12 +30,24 @@
     <p:sldId id="281" r:id="rId21"/>
     <p:sldId id="282" r:id="rId22"/>
     <p:sldId id="283" r:id="rId23"/>
-    <p:sldId id="265" r:id="rId24"/>
-    <p:sldId id="276" r:id="rId25"/>
-    <p:sldId id="278" r:id="rId26"/>
-    <p:sldId id="266" r:id="rId27"/>
-    <p:sldId id="277" r:id="rId28"/>
-    <p:sldId id="267" r:id="rId29"/>
+    <p:sldId id="284" r:id="rId24"/>
+    <p:sldId id="285" r:id="rId25"/>
+    <p:sldId id="286" r:id="rId26"/>
+    <p:sldId id="293" r:id="rId27"/>
+    <p:sldId id="287" r:id="rId28"/>
+    <p:sldId id="288" r:id="rId29"/>
+    <p:sldId id="294" r:id="rId30"/>
+    <p:sldId id="289" r:id="rId31"/>
+    <p:sldId id="290" r:id="rId32"/>
+    <p:sldId id="295" r:id="rId33"/>
+    <p:sldId id="291" r:id="rId34"/>
+    <p:sldId id="292" r:id="rId35"/>
+    <p:sldId id="265" r:id="rId36"/>
+    <p:sldId id="276" r:id="rId37"/>
+    <p:sldId id="278" r:id="rId38"/>
+    <p:sldId id="266" r:id="rId39"/>
+    <p:sldId id="277" r:id="rId40"/>
+    <p:sldId id="267" r:id="rId41"/>
   </p:sldIdLst>
   <p:sldSz cx="9144000" cy="6858000" type="screen4x3"/>
   <p:notesSz cx="6858000" cy="9144000"/>
@@ -5814,7 +5826,23 @@
                   <a:srgbClr val="890909"/>
                 </a:solidFill>
               </a:rPr>
-              <a:t>En la imagen anterior pudimos visualizar la interfaz que nos permite asignarles consignas y respuestas a los trabajos prácticos creados por los docentes</a:t>
+              <a:t>En la imagen anterior pudimos visualizar la interfaz que nos permite </a:t>
+            </a:r>
+            <a:r>
+              <a:rPr lang="es-AR" sz="2800" dirty="0" smtClean="0">
+                <a:solidFill>
+                  <a:srgbClr val="890909"/>
+                </a:solidFill>
+              </a:rPr>
+              <a:t>asignar </a:t>
+            </a:r>
+            <a:r>
+              <a:rPr lang="es-AR" sz="2800" dirty="0" smtClean="0">
+                <a:solidFill>
+                  <a:srgbClr val="890909"/>
+                </a:solidFill>
+              </a:rPr>
+              <a:t>consignas y respuestas a los trabajos prácticos creados por los docentes</a:t>
             </a:r>
           </a:p>
           <a:p>
@@ -5904,26 +5932,98 @@
           <a:bodyPr/>
           <a:lstStyle/>
           <a:p>
-            <a:endParaRPr lang="es-AR"/>
-          </a:p>
-        </p:txBody>
-      </p:sp>
-      <p:sp>
-        <p:nvSpPr>
-          <p:cNvPr id="3" name="Marcador de contenido 2"/>
-          <p:cNvSpPr>
-            <a:spLocks noGrp="1"/>
-          </p:cNvSpPr>
+            <a:r>
+              <a:rPr lang="es-AR" dirty="0" smtClean="0">
+                <a:solidFill>
+                  <a:srgbClr val="890909"/>
+                </a:solidFill>
+              </a:rPr>
+              <a:t>Avances</a:t>
+            </a:r>
+            <a:endParaRPr lang="es-AR" dirty="0">
+              <a:solidFill>
+                <a:srgbClr val="890909"/>
+              </a:solidFill>
+            </a:endParaRPr>
+          </a:p>
+        </p:txBody>
+      </p:sp>
+      <p:pic>
+        <p:nvPicPr>
+          <p:cNvPr id="4" name="Marcador de contenido 3"/>
+          <p:cNvPicPr>
+            <a:picLocks noGrp="1" noChangeAspect="1"/>
+          </p:cNvPicPr>
           <p:nvPr>
             <p:ph idx="1"/>
           </p:nvPr>
-        </p:nvSpPr>
-        <p:spPr/>
-        <p:txBody>
-          <a:bodyPr/>
-          <a:lstStyle/>
-          <a:p>
-            <a:endParaRPr lang="es-AR"/>
+        </p:nvPicPr>
+        <p:blipFill rotWithShape="1">
+          <a:blip r:embed="rId2"/>
+          <a:srcRect l="1075" t="523" r="1" b="1278"/>
+          <a:stretch/>
+        </p:blipFill>
+        <p:spPr>
+          <a:xfrm>
+            <a:off x="1835696" y="1268760"/>
+            <a:ext cx="5760640" cy="4464496"/>
+          </a:xfrm>
+          <a:prstGeom prst="rect">
+            <a:avLst/>
+          </a:prstGeom>
+        </p:spPr>
+      </p:pic>
+      <p:sp>
+        <p:nvSpPr>
+          <p:cNvPr id="5" name="CuadroTexto 4"/>
+          <p:cNvSpPr txBox="1"/>
+          <p:nvPr/>
+        </p:nvSpPr>
+        <p:spPr>
+          <a:xfrm>
+            <a:off x="539552" y="6165304"/>
+            <a:ext cx="8352928" cy="369332"/>
+          </a:xfrm>
+          <a:prstGeom prst="rect">
+            <a:avLst/>
+          </a:prstGeom>
+          <a:noFill/>
+        </p:spPr>
+        <p:txBody>
+          <a:bodyPr wrap="square" rtlCol="0">
+            <a:spAutoFit/>
+          </a:bodyPr>
+          <a:lstStyle/>
+          <a:p>
+            <a:r>
+              <a:rPr lang="es-AR" dirty="0" smtClean="0">
+                <a:solidFill>
+                  <a:srgbClr val="890909"/>
+                </a:solidFill>
+              </a:rPr>
+              <a:t>Al Terminar se mostrará </a:t>
+            </a:r>
+            <a:r>
+              <a:rPr lang="es-AR" dirty="0">
+                <a:solidFill>
+                  <a:srgbClr val="890909"/>
+                </a:solidFill>
+              </a:rPr>
+              <a:t>la confirmación con los datos que identifican a dicho </a:t>
+            </a:r>
+            <a:r>
+              <a:rPr lang="es-AR" dirty="0" smtClean="0">
+                <a:solidFill>
+                  <a:srgbClr val="890909"/>
+                </a:solidFill>
+              </a:rPr>
+              <a:t>trabajo</a:t>
+            </a:r>
+            <a:endParaRPr lang="es-AR" dirty="0">
+              <a:solidFill>
+                <a:srgbClr val="890909"/>
+              </a:solidFill>
+            </a:endParaRPr>
           </a:p>
         </p:txBody>
       </p:sp>
@@ -5959,6 +6059,1816 @@
       </p:grpSpPr>
       <p:sp>
         <p:nvSpPr>
+          <p:cNvPr id="4" name="Título 3"/>
+          <p:cNvSpPr>
+            <a:spLocks noGrp="1"/>
+          </p:cNvSpPr>
+          <p:nvPr>
+            <p:ph type="title"/>
+          </p:nvPr>
+        </p:nvSpPr>
+        <p:spPr/>
+        <p:txBody>
+          <a:bodyPr/>
+          <a:lstStyle/>
+          <a:p>
+            <a:r>
+              <a:rPr lang="es-AR" dirty="0" smtClean="0">
+                <a:solidFill>
+                  <a:srgbClr val="890909"/>
+                </a:solidFill>
+              </a:rPr>
+              <a:t>Avances</a:t>
+            </a:r>
+            <a:endParaRPr lang="es-AR" dirty="0">
+              <a:solidFill>
+                <a:srgbClr val="890909"/>
+              </a:solidFill>
+            </a:endParaRPr>
+          </a:p>
+        </p:txBody>
+      </p:sp>
+      <p:sp>
+        <p:nvSpPr>
+          <p:cNvPr id="5" name="Marcador de texto 4"/>
+          <p:cNvSpPr>
+            <a:spLocks noGrp="1"/>
+          </p:cNvSpPr>
+          <p:nvPr>
+            <p:ph type="body" idx="1"/>
+          </p:nvPr>
+        </p:nvSpPr>
+        <p:spPr/>
+        <p:txBody>
+          <a:bodyPr/>
+          <a:lstStyle/>
+          <a:p>
+            <a:pPr marL="342900" indent="-342900">
+              <a:buFont typeface="Arial" panose="020B0604020202020204" pitchFamily="34" charset="0"/>
+              <a:buChar char="•"/>
+            </a:pPr>
+            <a:r>
+              <a:rPr lang="es-AR" dirty="0" smtClean="0">
+                <a:solidFill>
+                  <a:srgbClr val="890909"/>
+                </a:solidFill>
+              </a:rPr>
+              <a:t>Segunda Maqueta</a:t>
+            </a:r>
+            <a:endParaRPr lang="es-AR" dirty="0">
+              <a:solidFill>
+                <a:srgbClr val="890909"/>
+              </a:solidFill>
+            </a:endParaRPr>
+          </a:p>
+        </p:txBody>
+      </p:sp>
+      <p:pic>
+        <p:nvPicPr>
+          <p:cNvPr id="9" name="Marcador de contenido 8"/>
+          <p:cNvPicPr>
+            <a:picLocks noGrp="1" noChangeAspect="1"/>
+          </p:cNvPicPr>
+          <p:nvPr>
+            <p:ph sz="half" idx="2"/>
+          </p:nvPr>
+        </p:nvPicPr>
+        <p:blipFill>
+          <a:blip r:embed="rId2"/>
+          <a:stretch>
+            <a:fillRect/>
+          </a:stretch>
+        </p:blipFill>
+        <p:spPr>
+          <a:xfrm>
+            <a:off x="323890" y="2571378"/>
+            <a:ext cx="4321135" cy="3377902"/>
+          </a:xfrm>
+          <a:prstGeom prst="rect">
+            <a:avLst/>
+          </a:prstGeom>
+        </p:spPr>
+      </p:pic>
+      <p:sp>
+        <p:nvSpPr>
+          <p:cNvPr id="7" name="Marcador de texto 6"/>
+          <p:cNvSpPr>
+            <a:spLocks noGrp="1"/>
+          </p:cNvSpPr>
+          <p:nvPr>
+            <p:ph type="body" sz="quarter" idx="3"/>
+          </p:nvPr>
+        </p:nvSpPr>
+        <p:spPr/>
+        <p:txBody>
+          <a:bodyPr/>
+          <a:lstStyle/>
+          <a:p>
+            <a:pPr marL="342900" indent="-342900">
+              <a:buFont typeface="Arial" panose="020B0604020202020204" pitchFamily="34" charset="0"/>
+              <a:buChar char="•"/>
+            </a:pPr>
+            <a:r>
+              <a:rPr lang="es-AR" dirty="0" smtClean="0">
+                <a:solidFill>
+                  <a:srgbClr val="890909"/>
+                </a:solidFill>
+              </a:rPr>
+              <a:t>Prototipo Actual</a:t>
+            </a:r>
+            <a:endParaRPr lang="es-AR" dirty="0">
+              <a:solidFill>
+                <a:srgbClr val="890909"/>
+              </a:solidFill>
+            </a:endParaRPr>
+          </a:p>
+        </p:txBody>
+      </p:sp>
+      <p:pic>
+        <p:nvPicPr>
+          <p:cNvPr id="12" name="Marcador de contenido 11"/>
+          <p:cNvPicPr>
+            <a:picLocks noGrp="1" noChangeAspect="1"/>
+          </p:cNvPicPr>
+          <p:nvPr>
+            <p:ph sz="quarter" idx="4"/>
+          </p:nvPr>
+        </p:nvPicPr>
+        <p:blipFill>
+          <a:blip r:embed="rId3"/>
+          <a:stretch>
+            <a:fillRect/>
+          </a:stretch>
+        </p:blipFill>
+        <p:spPr>
+          <a:xfrm>
+            <a:off x="4645025" y="2568524"/>
+            <a:ext cx="4041775" cy="3163990"/>
+          </a:xfrm>
+          <a:prstGeom prst="rect">
+            <a:avLst/>
+          </a:prstGeom>
+        </p:spPr>
+      </p:pic>
+    </p:spTree>
+    <p:extLst>
+      <p:ext uri="{BB962C8B-B14F-4D97-AF65-F5344CB8AC3E}">
+        <p14:creationId xmlns:p14="http://schemas.microsoft.com/office/powerpoint/2010/main" val="2884617364"/>
+      </p:ext>
+    </p:extLst>
+  </p:cSld>
+  <p:clrMapOvr>
+    <a:masterClrMapping/>
+  </p:clrMapOvr>
+</p:sld>
+</file>
+
+<file path=ppt/slides/slide24.xml><?xml version="1.0" encoding="utf-8"?>
+<p:sld xmlns:a="http://schemas.openxmlformats.org/drawingml/2006/main" xmlns:r="http://schemas.openxmlformats.org/officeDocument/2006/relationships" xmlns:p="http://schemas.openxmlformats.org/presentationml/2006/main">
+  <p:cSld>
+    <p:spTree>
+      <p:nvGrpSpPr>
+        <p:cNvPr id="1" name=""/>
+        <p:cNvGrpSpPr/>
+        <p:nvPr/>
+      </p:nvGrpSpPr>
+      <p:grpSpPr>
+        <a:xfrm>
+          <a:off x="0" y="0"/>
+          <a:ext cx="0" cy="0"/>
+          <a:chOff x="0" y="0"/>
+          <a:chExt cx="0" cy="0"/>
+        </a:xfrm>
+      </p:grpSpPr>
+      <p:sp>
+        <p:nvSpPr>
+          <p:cNvPr id="2" name="Título 1"/>
+          <p:cNvSpPr>
+            <a:spLocks noGrp="1"/>
+          </p:cNvSpPr>
+          <p:nvPr>
+            <p:ph type="title"/>
+          </p:nvPr>
+        </p:nvSpPr>
+        <p:spPr/>
+        <p:txBody>
+          <a:bodyPr/>
+          <a:lstStyle/>
+          <a:p>
+            <a:r>
+              <a:rPr lang="es-AR" dirty="0" smtClean="0">
+                <a:solidFill>
+                  <a:srgbClr val="890909"/>
+                </a:solidFill>
+              </a:rPr>
+              <a:t>Avances</a:t>
+            </a:r>
+            <a:endParaRPr lang="es-AR" dirty="0">
+              <a:solidFill>
+                <a:srgbClr val="890909"/>
+              </a:solidFill>
+            </a:endParaRPr>
+          </a:p>
+        </p:txBody>
+      </p:sp>
+      <p:sp>
+        <p:nvSpPr>
+          <p:cNvPr id="6" name="Marcador de contenido 5"/>
+          <p:cNvSpPr>
+            <a:spLocks noGrp="1"/>
+          </p:cNvSpPr>
+          <p:nvPr>
+            <p:ph idx="1"/>
+          </p:nvPr>
+        </p:nvSpPr>
+        <p:spPr/>
+        <p:txBody>
+          <a:bodyPr>
+            <a:normAutofit/>
+          </a:bodyPr>
+          <a:lstStyle/>
+          <a:p>
+            <a:r>
+              <a:rPr lang="es-AR" sz="2800" dirty="0" smtClean="0">
+                <a:solidFill>
+                  <a:srgbClr val="890909"/>
+                </a:solidFill>
+              </a:rPr>
+              <a:t>Una de las diferencias que podemos visualizar respecto a la maqueta es que en el prototipo primero realizamos la búsqueda</a:t>
+            </a:r>
+          </a:p>
+          <a:p>
+            <a:r>
+              <a:rPr lang="es-AR" sz="2800" dirty="0" smtClean="0">
+                <a:solidFill>
+                  <a:srgbClr val="890909"/>
+                </a:solidFill>
+              </a:rPr>
+              <a:t>A partir de la búsqueda nos aparecerá una sección donde podremos seleccionar la acción a realizar, ya sea eliminar el trabajo practico, </a:t>
+            </a:r>
+            <a:r>
+              <a:rPr lang="es-AR" sz="2800" dirty="0" err="1" smtClean="0">
+                <a:solidFill>
+                  <a:srgbClr val="890909"/>
+                </a:solidFill>
+              </a:rPr>
+              <a:t>vizualizarlo</a:t>
+            </a:r>
+            <a:r>
+              <a:rPr lang="es-AR" sz="2800" dirty="0" smtClean="0">
+                <a:solidFill>
+                  <a:srgbClr val="890909"/>
+                </a:solidFill>
+              </a:rPr>
+              <a:t> o modificarlo</a:t>
+            </a:r>
+          </a:p>
+          <a:p>
+            <a:r>
+              <a:rPr lang="es-AR" sz="2800" dirty="0" smtClean="0">
+                <a:solidFill>
+                  <a:srgbClr val="890909"/>
+                </a:solidFill>
+              </a:rPr>
+              <a:t>En la maqueta se debía realizar una búsqueda para cada sesión.</a:t>
+            </a:r>
+          </a:p>
+          <a:p>
+            <a:pPr marL="0" indent="0">
+              <a:buNone/>
+            </a:pPr>
+            <a:endParaRPr lang="es-AR" sz="2800" dirty="0" smtClean="0">
+              <a:solidFill>
+                <a:srgbClr val="890909"/>
+              </a:solidFill>
+            </a:endParaRPr>
+          </a:p>
+        </p:txBody>
+      </p:sp>
+    </p:spTree>
+    <p:extLst>
+      <p:ext uri="{BB962C8B-B14F-4D97-AF65-F5344CB8AC3E}">
+        <p14:creationId xmlns:p14="http://schemas.microsoft.com/office/powerpoint/2010/main" val="763905967"/>
+      </p:ext>
+    </p:extLst>
+  </p:cSld>
+  <p:clrMapOvr>
+    <a:masterClrMapping/>
+  </p:clrMapOvr>
+</p:sld>
+</file>
+
+<file path=ppt/slides/slide25.xml><?xml version="1.0" encoding="utf-8"?>
+<p:sld xmlns:a="http://schemas.openxmlformats.org/drawingml/2006/main" xmlns:r="http://schemas.openxmlformats.org/officeDocument/2006/relationships" xmlns:p="http://schemas.openxmlformats.org/presentationml/2006/main">
+  <p:cSld>
+    <p:spTree>
+      <p:nvGrpSpPr>
+        <p:cNvPr id="1" name=""/>
+        <p:cNvGrpSpPr/>
+        <p:nvPr/>
+      </p:nvGrpSpPr>
+      <p:grpSpPr>
+        <a:xfrm>
+          <a:off x="0" y="0"/>
+          <a:ext cx="0" cy="0"/>
+          <a:chOff x="0" y="0"/>
+          <a:chExt cx="0" cy="0"/>
+        </a:xfrm>
+      </p:grpSpPr>
+      <p:sp>
+        <p:nvSpPr>
+          <p:cNvPr id="4" name="Título 3"/>
+          <p:cNvSpPr>
+            <a:spLocks noGrp="1"/>
+          </p:cNvSpPr>
+          <p:nvPr>
+            <p:ph type="title"/>
+          </p:nvPr>
+        </p:nvSpPr>
+        <p:spPr/>
+        <p:txBody>
+          <a:bodyPr/>
+          <a:lstStyle/>
+          <a:p>
+            <a:r>
+              <a:rPr lang="es-AR" dirty="0" smtClean="0">
+                <a:solidFill>
+                  <a:srgbClr val="890909"/>
+                </a:solidFill>
+              </a:rPr>
+              <a:t>Avances</a:t>
+            </a:r>
+            <a:endParaRPr lang="es-AR" dirty="0">
+              <a:solidFill>
+                <a:srgbClr val="890909"/>
+              </a:solidFill>
+            </a:endParaRPr>
+          </a:p>
+        </p:txBody>
+      </p:sp>
+      <p:sp>
+        <p:nvSpPr>
+          <p:cNvPr id="5" name="Marcador de texto 4"/>
+          <p:cNvSpPr>
+            <a:spLocks noGrp="1"/>
+          </p:cNvSpPr>
+          <p:nvPr>
+            <p:ph type="body" idx="1"/>
+          </p:nvPr>
+        </p:nvSpPr>
+        <p:spPr/>
+        <p:txBody>
+          <a:bodyPr/>
+          <a:lstStyle/>
+          <a:p>
+            <a:pPr marL="342900" indent="-342900">
+              <a:buFont typeface="Arial" panose="020B0604020202020204" pitchFamily="34" charset="0"/>
+              <a:buChar char="•"/>
+            </a:pPr>
+            <a:r>
+              <a:rPr lang="es-AR" b="0" dirty="0" smtClean="0">
+                <a:solidFill>
+                  <a:srgbClr val="890909"/>
+                </a:solidFill>
+              </a:rPr>
+              <a:t>Segunda Maqueta</a:t>
+            </a:r>
+            <a:endParaRPr lang="es-AR" b="0" dirty="0">
+              <a:solidFill>
+                <a:srgbClr val="890909"/>
+              </a:solidFill>
+            </a:endParaRPr>
+          </a:p>
+        </p:txBody>
+      </p:sp>
+      <p:pic>
+        <p:nvPicPr>
+          <p:cNvPr id="11" name="Marcador de contenido 10"/>
+          <p:cNvPicPr>
+            <a:picLocks noGrp="1" noChangeAspect="1"/>
+          </p:cNvPicPr>
+          <p:nvPr>
+            <p:ph sz="half" idx="2"/>
+          </p:nvPr>
+        </p:nvPicPr>
+        <p:blipFill>
+          <a:blip r:embed="rId2"/>
+          <a:stretch>
+            <a:fillRect/>
+          </a:stretch>
+        </p:blipFill>
+        <p:spPr>
+          <a:xfrm>
+            <a:off x="171620" y="2584379"/>
+            <a:ext cx="4400380" cy="3411530"/>
+          </a:xfrm>
+          <a:prstGeom prst="rect">
+            <a:avLst/>
+          </a:prstGeom>
+        </p:spPr>
+      </p:pic>
+      <p:sp>
+        <p:nvSpPr>
+          <p:cNvPr id="7" name="Marcador de texto 6"/>
+          <p:cNvSpPr>
+            <a:spLocks noGrp="1"/>
+          </p:cNvSpPr>
+          <p:nvPr>
+            <p:ph type="body" sz="quarter" idx="3"/>
+          </p:nvPr>
+        </p:nvSpPr>
+        <p:spPr/>
+        <p:txBody>
+          <a:bodyPr/>
+          <a:lstStyle/>
+          <a:p>
+            <a:pPr marL="342900" indent="-342900">
+              <a:buFont typeface="Arial" panose="020B0604020202020204" pitchFamily="34" charset="0"/>
+              <a:buChar char="•"/>
+            </a:pPr>
+            <a:r>
+              <a:rPr lang="es-AR" b="0" dirty="0" smtClean="0">
+                <a:solidFill>
+                  <a:srgbClr val="890909"/>
+                </a:solidFill>
+              </a:rPr>
+              <a:t>Prototipo Actual</a:t>
+            </a:r>
+            <a:endParaRPr lang="es-AR" b="0" dirty="0">
+              <a:solidFill>
+                <a:srgbClr val="890909"/>
+              </a:solidFill>
+            </a:endParaRPr>
+          </a:p>
+        </p:txBody>
+      </p:sp>
+      <p:pic>
+        <p:nvPicPr>
+          <p:cNvPr id="12" name="Marcador de contenido 11"/>
+          <p:cNvPicPr>
+            <a:picLocks noGrp="1" noChangeAspect="1"/>
+          </p:cNvPicPr>
+          <p:nvPr>
+            <p:ph sz="quarter" idx="4"/>
+          </p:nvPr>
+        </p:nvPicPr>
+        <p:blipFill rotWithShape="1">
+          <a:blip r:embed="rId3"/>
+          <a:srcRect t="1540"/>
+          <a:stretch/>
+        </p:blipFill>
+        <p:spPr>
+          <a:xfrm>
+            <a:off x="4571465" y="2610645"/>
+            <a:ext cx="4381685" cy="3358997"/>
+          </a:xfrm>
+          <a:prstGeom prst="rect">
+            <a:avLst/>
+          </a:prstGeom>
+        </p:spPr>
+      </p:pic>
+    </p:spTree>
+    <p:extLst>
+      <p:ext uri="{BB962C8B-B14F-4D97-AF65-F5344CB8AC3E}">
+        <p14:creationId xmlns:p14="http://schemas.microsoft.com/office/powerpoint/2010/main" val="3353188485"/>
+      </p:ext>
+    </p:extLst>
+  </p:cSld>
+  <p:clrMapOvr>
+    <a:masterClrMapping/>
+  </p:clrMapOvr>
+</p:sld>
+</file>
+
+<file path=ppt/slides/slide26.xml><?xml version="1.0" encoding="utf-8"?>
+<p:sld xmlns:a="http://schemas.openxmlformats.org/drawingml/2006/main" xmlns:r="http://schemas.openxmlformats.org/officeDocument/2006/relationships" xmlns:p="http://schemas.openxmlformats.org/presentationml/2006/main">
+  <p:cSld>
+    <p:spTree>
+      <p:nvGrpSpPr>
+        <p:cNvPr id="1" name=""/>
+        <p:cNvGrpSpPr/>
+        <p:nvPr/>
+      </p:nvGrpSpPr>
+      <p:grpSpPr>
+        <a:xfrm>
+          <a:off x="0" y="0"/>
+          <a:ext cx="0" cy="0"/>
+          <a:chOff x="0" y="0"/>
+          <a:chExt cx="0" cy="0"/>
+        </a:xfrm>
+      </p:grpSpPr>
+      <p:sp>
+        <p:nvSpPr>
+          <p:cNvPr id="2" name="Título 1"/>
+          <p:cNvSpPr>
+            <a:spLocks noGrp="1"/>
+          </p:cNvSpPr>
+          <p:nvPr>
+            <p:ph type="title"/>
+          </p:nvPr>
+        </p:nvSpPr>
+        <p:spPr/>
+        <p:txBody>
+          <a:bodyPr/>
+          <a:lstStyle/>
+          <a:p>
+            <a:r>
+              <a:rPr lang="es-AR" dirty="0" smtClean="0">
+                <a:solidFill>
+                  <a:srgbClr val="890909"/>
+                </a:solidFill>
+              </a:rPr>
+              <a:t>Avances</a:t>
+            </a:r>
+            <a:endParaRPr lang="es-AR" dirty="0">
+              <a:solidFill>
+                <a:srgbClr val="890909"/>
+              </a:solidFill>
+            </a:endParaRPr>
+          </a:p>
+        </p:txBody>
+      </p:sp>
+      <p:sp>
+        <p:nvSpPr>
+          <p:cNvPr id="6" name="Marcador de contenido 5"/>
+          <p:cNvSpPr>
+            <a:spLocks noGrp="1"/>
+          </p:cNvSpPr>
+          <p:nvPr>
+            <p:ph idx="1"/>
+          </p:nvPr>
+        </p:nvSpPr>
+        <p:spPr/>
+        <p:txBody>
+          <a:bodyPr>
+            <a:normAutofit fontScale="92500" lnSpcReduction="20000"/>
+          </a:bodyPr>
+          <a:lstStyle/>
+          <a:p>
+            <a:r>
+              <a:rPr lang="es-AR" sz="2800" dirty="0" smtClean="0">
+                <a:solidFill>
+                  <a:srgbClr val="890909"/>
+                </a:solidFill>
+              </a:rPr>
+              <a:t>En la interfaz de los alumnos se permite realizar una búsqueda de los trabajos prácticos a resolver</a:t>
+            </a:r>
+          </a:p>
+          <a:p>
+            <a:r>
+              <a:rPr lang="es-AR" sz="2800" dirty="0" smtClean="0">
+                <a:solidFill>
+                  <a:srgbClr val="890909"/>
+                </a:solidFill>
+              </a:rPr>
+              <a:t>Podemos observar que se pueden realizar 3 tipos de búsquedas diferentes</a:t>
+            </a:r>
+          </a:p>
+          <a:p>
+            <a:r>
+              <a:rPr lang="es-AR" sz="2800" dirty="0" smtClean="0">
+                <a:solidFill>
+                  <a:srgbClr val="890909"/>
+                </a:solidFill>
+              </a:rPr>
+              <a:t>La primera permite buscar directamente el nombre del trabajo práctico pero si no se tiene la información necesaria podemos buscar los trabajos prácticos relacionados por profesor y materia y realizar un filtrado de información.</a:t>
+            </a:r>
+          </a:p>
+          <a:p>
+            <a:r>
+              <a:rPr lang="es-AR" sz="2800" dirty="0" smtClean="0">
+                <a:solidFill>
+                  <a:srgbClr val="890909"/>
+                </a:solidFill>
+              </a:rPr>
+              <a:t>Una de las actualizaciones que debemos realizar en nuestro prototipo es permitir ver al usuario el filtrado de información a medida que ingresa los datos a buscar para que sea una búsqueda mucho mas dinámica y simple.</a:t>
+            </a:r>
+          </a:p>
+          <a:p>
+            <a:pPr marL="0" indent="0">
+              <a:buNone/>
+            </a:pPr>
+            <a:endParaRPr lang="es-AR" sz="2800" dirty="0" smtClean="0">
+              <a:solidFill>
+                <a:srgbClr val="890909"/>
+              </a:solidFill>
+            </a:endParaRPr>
+          </a:p>
+        </p:txBody>
+      </p:sp>
+    </p:spTree>
+    <p:extLst>
+      <p:ext uri="{BB962C8B-B14F-4D97-AF65-F5344CB8AC3E}">
+        <p14:creationId xmlns:p14="http://schemas.microsoft.com/office/powerpoint/2010/main" val="2535345475"/>
+      </p:ext>
+    </p:extLst>
+  </p:cSld>
+  <p:clrMapOvr>
+    <a:masterClrMapping/>
+  </p:clrMapOvr>
+</p:sld>
+</file>
+
+<file path=ppt/slides/slide27.xml><?xml version="1.0" encoding="utf-8"?>
+<p:sld xmlns:a="http://schemas.openxmlformats.org/drawingml/2006/main" xmlns:r="http://schemas.openxmlformats.org/officeDocument/2006/relationships" xmlns:p="http://schemas.openxmlformats.org/presentationml/2006/main">
+  <p:cSld>
+    <p:spTree>
+      <p:nvGrpSpPr>
+        <p:cNvPr id="1" name=""/>
+        <p:cNvGrpSpPr/>
+        <p:nvPr/>
+      </p:nvGrpSpPr>
+      <p:grpSpPr>
+        <a:xfrm>
+          <a:off x="0" y="0"/>
+          <a:ext cx="0" cy="0"/>
+          <a:chOff x="0" y="0"/>
+          <a:chExt cx="0" cy="0"/>
+        </a:xfrm>
+      </p:grpSpPr>
+      <p:sp>
+        <p:nvSpPr>
+          <p:cNvPr id="2" name="Título 1"/>
+          <p:cNvSpPr>
+            <a:spLocks noGrp="1"/>
+          </p:cNvSpPr>
+          <p:nvPr>
+            <p:ph type="title"/>
+          </p:nvPr>
+        </p:nvSpPr>
+        <p:spPr/>
+        <p:txBody>
+          <a:bodyPr/>
+          <a:lstStyle/>
+          <a:p>
+            <a:r>
+              <a:rPr lang="es-AR" dirty="0" smtClean="0">
+                <a:solidFill>
+                  <a:srgbClr val="890909"/>
+                </a:solidFill>
+              </a:rPr>
+              <a:t>Avances</a:t>
+            </a:r>
+            <a:endParaRPr lang="es-AR" dirty="0">
+              <a:solidFill>
+                <a:srgbClr val="890909"/>
+              </a:solidFill>
+            </a:endParaRPr>
+          </a:p>
+        </p:txBody>
+      </p:sp>
+      <p:sp>
+        <p:nvSpPr>
+          <p:cNvPr id="3" name="Marcador de texto 2"/>
+          <p:cNvSpPr>
+            <a:spLocks noGrp="1"/>
+          </p:cNvSpPr>
+          <p:nvPr>
+            <p:ph type="body" idx="1"/>
+          </p:nvPr>
+        </p:nvSpPr>
+        <p:spPr/>
+        <p:txBody>
+          <a:bodyPr/>
+          <a:lstStyle/>
+          <a:p>
+            <a:pPr marL="342900" indent="-342900">
+              <a:buFont typeface="Arial" panose="020B0604020202020204" pitchFamily="34" charset="0"/>
+              <a:buChar char="•"/>
+            </a:pPr>
+            <a:r>
+              <a:rPr lang="es-AR" b="0" dirty="0" smtClean="0">
+                <a:solidFill>
+                  <a:srgbClr val="890909"/>
+                </a:solidFill>
+              </a:rPr>
+              <a:t>Segunda Maqueta</a:t>
+            </a:r>
+            <a:endParaRPr lang="es-AR" b="0" dirty="0">
+              <a:solidFill>
+                <a:srgbClr val="890909"/>
+              </a:solidFill>
+            </a:endParaRPr>
+          </a:p>
+        </p:txBody>
+      </p:sp>
+      <p:pic>
+        <p:nvPicPr>
+          <p:cNvPr id="10" name="Marcador de contenido 9"/>
+          <p:cNvPicPr>
+            <a:picLocks noGrp="1" noChangeAspect="1"/>
+          </p:cNvPicPr>
+          <p:nvPr>
+            <p:ph sz="half" idx="2"/>
+          </p:nvPr>
+        </p:nvPicPr>
+        <p:blipFill>
+          <a:blip r:embed="rId2"/>
+          <a:stretch>
+            <a:fillRect/>
+          </a:stretch>
+        </p:blipFill>
+        <p:spPr>
+          <a:xfrm>
+            <a:off x="203819" y="2575962"/>
+            <a:ext cx="4245868" cy="3297070"/>
+          </a:xfrm>
+          <a:prstGeom prst="rect">
+            <a:avLst/>
+          </a:prstGeom>
+        </p:spPr>
+      </p:pic>
+      <p:sp>
+        <p:nvSpPr>
+          <p:cNvPr id="5" name="Marcador de texto 4"/>
+          <p:cNvSpPr>
+            <a:spLocks noGrp="1"/>
+          </p:cNvSpPr>
+          <p:nvPr>
+            <p:ph type="body" sz="quarter" idx="3"/>
+          </p:nvPr>
+        </p:nvSpPr>
+        <p:spPr/>
+        <p:txBody>
+          <a:bodyPr/>
+          <a:lstStyle/>
+          <a:p>
+            <a:pPr marL="342900" indent="-342900">
+              <a:buFont typeface="Arial" panose="020B0604020202020204" pitchFamily="34" charset="0"/>
+              <a:buChar char="•"/>
+            </a:pPr>
+            <a:r>
+              <a:rPr lang="es-AR" b="0" dirty="0" smtClean="0">
+                <a:solidFill>
+                  <a:srgbClr val="890909"/>
+                </a:solidFill>
+              </a:rPr>
+              <a:t>Prototipo Actual</a:t>
+            </a:r>
+            <a:endParaRPr lang="es-AR" b="0" dirty="0">
+              <a:solidFill>
+                <a:srgbClr val="890909"/>
+              </a:solidFill>
+            </a:endParaRPr>
+          </a:p>
+        </p:txBody>
+      </p:sp>
+      <p:pic>
+        <p:nvPicPr>
+          <p:cNvPr id="9" name="Marcador de contenido 8"/>
+          <p:cNvPicPr>
+            <a:picLocks noGrp="1" noChangeAspect="1"/>
+          </p:cNvPicPr>
+          <p:nvPr>
+            <p:ph sz="quarter" idx="4"/>
+          </p:nvPr>
+        </p:nvPicPr>
+        <p:blipFill>
+          <a:blip r:embed="rId3"/>
+          <a:stretch>
+            <a:fillRect/>
+          </a:stretch>
+        </p:blipFill>
+        <p:spPr>
+          <a:xfrm>
+            <a:off x="4449686" y="2575962"/>
+            <a:ext cx="4237114" cy="3301310"/>
+          </a:xfrm>
+          <a:prstGeom prst="rect">
+            <a:avLst/>
+          </a:prstGeom>
+        </p:spPr>
+      </p:pic>
+    </p:spTree>
+    <p:extLst>
+      <p:ext uri="{BB962C8B-B14F-4D97-AF65-F5344CB8AC3E}">
+        <p14:creationId xmlns:p14="http://schemas.microsoft.com/office/powerpoint/2010/main" val="2192166756"/>
+      </p:ext>
+    </p:extLst>
+  </p:cSld>
+  <p:clrMapOvr>
+    <a:masterClrMapping/>
+  </p:clrMapOvr>
+</p:sld>
+</file>
+
+<file path=ppt/slides/slide28.xml><?xml version="1.0" encoding="utf-8"?>
+<p:sld xmlns:a="http://schemas.openxmlformats.org/drawingml/2006/main" xmlns:r="http://schemas.openxmlformats.org/officeDocument/2006/relationships" xmlns:p="http://schemas.openxmlformats.org/presentationml/2006/main">
+  <p:cSld>
+    <p:spTree>
+      <p:nvGrpSpPr>
+        <p:cNvPr id="1" name=""/>
+        <p:cNvGrpSpPr/>
+        <p:nvPr/>
+      </p:nvGrpSpPr>
+      <p:grpSpPr>
+        <a:xfrm>
+          <a:off x="0" y="0"/>
+          <a:ext cx="0" cy="0"/>
+          <a:chOff x="0" y="0"/>
+          <a:chExt cx="0" cy="0"/>
+        </a:xfrm>
+      </p:grpSpPr>
+      <p:sp>
+        <p:nvSpPr>
+          <p:cNvPr id="2" name="Título 1"/>
+          <p:cNvSpPr>
+            <a:spLocks noGrp="1"/>
+          </p:cNvSpPr>
+          <p:nvPr>
+            <p:ph type="title"/>
+          </p:nvPr>
+        </p:nvSpPr>
+        <p:spPr/>
+        <p:txBody>
+          <a:bodyPr/>
+          <a:lstStyle/>
+          <a:p>
+            <a:r>
+              <a:rPr lang="es-AR" dirty="0" smtClean="0">
+                <a:solidFill>
+                  <a:srgbClr val="890909"/>
+                </a:solidFill>
+              </a:rPr>
+              <a:t>Avances</a:t>
+            </a:r>
+            <a:endParaRPr lang="es-AR" dirty="0">
+              <a:solidFill>
+                <a:srgbClr val="890909"/>
+              </a:solidFill>
+            </a:endParaRPr>
+          </a:p>
+        </p:txBody>
+      </p:sp>
+      <p:sp>
+        <p:nvSpPr>
+          <p:cNvPr id="3" name="Marcador de texto 2"/>
+          <p:cNvSpPr>
+            <a:spLocks noGrp="1"/>
+          </p:cNvSpPr>
+          <p:nvPr>
+            <p:ph type="body" idx="1"/>
+          </p:nvPr>
+        </p:nvSpPr>
+        <p:spPr/>
+        <p:txBody>
+          <a:bodyPr/>
+          <a:lstStyle/>
+          <a:p>
+            <a:pPr marL="342900" indent="-342900">
+              <a:buFont typeface="Arial" panose="020B0604020202020204" pitchFamily="34" charset="0"/>
+              <a:buChar char="•"/>
+            </a:pPr>
+            <a:r>
+              <a:rPr lang="es-AR" b="0" dirty="0" smtClean="0">
+                <a:solidFill>
+                  <a:srgbClr val="890909"/>
+                </a:solidFill>
+              </a:rPr>
+              <a:t>Segunda Maqueta</a:t>
+            </a:r>
+            <a:endParaRPr lang="es-AR" b="0" dirty="0">
+              <a:solidFill>
+                <a:srgbClr val="890909"/>
+              </a:solidFill>
+            </a:endParaRPr>
+          </a:p>
+        </p:txBody>
+      </p:sp>
+      <p:pic>
+        <p:nvPicPr>
+          <p:cNvPr id="7" name="Marcador de contenido 6"/>
+          <p:cNvPicPr>
+            <a:picLocks noGrp="1" noChangeAspect="1"/>
+          </p:cNvPicPr>
+          <p:nvPr>
+            <p:ph sz="half" idx="2"/>
+          </p:nvPr>
+        </p:nvPicPr>
+        <p:blipFill>
+          <a:blip r:embed="rId2"/>
+          <a:stretch>
+            <a:fillRect/>
+          </a:stretch>
+        </p:blipFill>
+        <p:spPr>
+          <a:xfrm>
+            <a:off x="319095" y="2578081"/>
+            <a:ext cx="4325930" cy="3367297"/>
+          </a:xfrm>
+          <a:prstGeom prst="rect">
+            <a:avLst/>
+          </a:prstGeom>
+        </p:spPr>
+      </p:pic>
+      <p:sp>
+        <p:nvSpPr>
+          <p:cNvPr id="5" name="Marcador de texto 4"/>
+          <p:cNvSpPr>
+            <a:spLocks noGrp="1"/>
+          </p:cNvSpPr>
+          <p:nvPr>
+            <p:ph type="body" sz="quarter" idx="3"/>
+          </p:nvPr>
+        </p:nvSpPr>
+        <p:spPr/>
+        <p:txBody>
+          <a:bodyPr/>
+          <a:lstStyle/>
+          <a:p>
+            <a:pPr marL="342900" indent="-342900">
+              <a:buFont typeface="Arial" panose="020B0604020202020204" pitchFamily="34" charset="0"/>
+              <a:buChar char="•"/>
+            </a:pPr>
+            <a:r>
+              <a:rPr lang="es-AR" dirty="0" smtClean="0">
+                <a:solidFill>
+                  <a:srgbClr val="890909"/>
+                </a:solidFill>
+              </a:rPr>
+              <a:t>Prototipo Actual</a:t>
+            </a:r>
+            <a:endParaRPr lang="es-AR" dirty="0">
+              <a:solidFill>
+                <a:srgbClr val="890909"/>
+              </a:solidFill>
+            </a:endParaRPr>
+          </a:p>
+        </p:txBody>
+      </p:sp>
+      <p:pic>
+        <p:nvPicPr>
+          <p:cNvPr id="8" name="Marcador de contenido 7"/>
+          <p:cNvPicPr>
+            <a:picLocks noGrp="1" noChangeAspect="1"/>
+          </p:cNvPicPr>
+          <p:nvPr>
+            <p:ph sz="quarter" idx="4"/>
+          </p:nvPr>
+        </p:nvPicPr>
+        <p:blipFill>
+          <a:blip r:embed="rId3"/>
+          <a:stretch>
+            <a:fillRect/>
+          </a:stretch>
+        </p:blipFill>
+        <p:spPr>
+          <a:xfrm>
+            <a:off x="4645025" y="2578081"/>
+            <a:ext cx="4332411" cy="3367296"/>
+          </a:xfrm>
+          <a:prstGeom prst="rect">
+            <a:avLst/>
+          </a:prstGeom>
+        </p:spPr>
+      </p:pic>
+    </p:spTree>
+    <p:extLst>
+      <p:ext uri="{BB962C8B-B14F-4D97-AF65-F5344CB8AC3E}">
+        <p14:creationId xmlns:p14="http://schemas.microsoft.com/office/powerpoint/2010/main" val="2384931438"/>
+      </p:ext>
+    </p:extLst>
+  </p:cSld>
+  <p:clrMapOvr>
+    <a:masterClrMapping/>
+  </p:clrMapOvr>
+</p:sld>
+</file>
+
+<file path=ppt/slides/slide29.xml><?xml version="1.0" encoding="utf-8"?>
+<p:sld xmlns:a="http://schemas.openxmlformats.org/drawingml/2006/main" xmlns:r="http://schemas.openxmlformats.org/officeDocument/2006/relationships" xmlns:p="http://schemas.openxmlformats.org/presentationml/2006/main">
+  <p:cSld>
+    <p:spTree>
+      <p:nvGrpSpPr>
+        <p:cNvPr id="1" name=""/>
+        <p:cNvGrpSpPr/>
+        <p:nvPr/>
+      </p:nvGrpSpPr>
+      <p:grpSpPr>
+        <a:xfrm>
+          <a:off x="0" y="0"/>
+          <a:ext cx="0" cy="0"/>
+          <a:chOff x="0" y="0"/>
+          <a:chExt cx="0" cy="0"/>
+        </a:xfrm>
+      </p:grpSpPr>
+      <p:sp>
+        <p:nvSpPr>
+          <p:cNvPr id="2" name="Título 1"/>
+          <p:cNvSpPr>
+            <a:spLocks noGrp="1"/>
+          </p:cNvSpPr>
+          <p:nvPr>
+            <p:ph type="title"/>
+          </p:nvPr>
+        </p:nvSpPr>
+        <p:spPr/>
+        <p:txBody>
+          <a:bodyPr/>
+          <a:lstStyle/>
+          <a:p>
+            <a:r>
+              <a:rPr lang="es-AR" dirty="0" smtClean="0">
+                <a:solidFill>
+                  <a:srgbClr val="890909"/>
+                </a:solidFill>
+              </a:rPr>
+              <a:t>Avances</a:t>
+            </a:r>
+            <a:endParaRPr lang="es-AR" dirty="0">
+              <a:solidFill>
+                <a:srgbClr val="890909"/>
+              </a:solidFill>
+            </a:endParaRPr>
+          </a:p>
+        </p:txBody>
+      </p:sp>
+      <p:sp>
+        <p:nvSpPr>
+          <p:cNvPr id="6" name="Marcador de contenido 5"/>
+          <p:cNvSpPr>
+            <a:spLocks noGrp="1"/>
+          </p:cNvSpPr>
+          <p:nvPr>
+            <p:ph idx="1"/>
+          </p:nvPr>
+        </p:nvSpPr>
+        <p:spPr/>
+        <p:txBody>
+          <a:bodyPr>
+            <a:normAutofit fontScale="92500"/>
+          </a:bodyPr>
+          <a:lstStyle/>
+          <a:p>
+            <a:r>
+              <a:rPr lang="es-AR" sz="2800" dirty="0" smtClean="0">
+                <a:solidFill>
+                  <a:srgbClr val="890909"/>
+                </a:solidFill>
+              </a:rPr>
+              <a:t>Mediante esta interfaz el alumno es capaz de responderlos trabajos prácticos que tenga disponible.</a:t>
+            </a:r>
+          </a:p>
+          <a:p>
+            <a:r>
+              <a:rPr lang="es-AR" sz="2800" dirty="0" smtClean="0">
+                <a:solidFill>
+                  <a:srgbClr val="890909"/>
+                </a:solidFill>
+              </a:rPr>
+              <a:t>Las consignas se mostrara una vez comenzado el trabajo practico seleccionado</a:t>
+            </a:r>
+          </a:p>
+          <a:p>
+            <a:r>
+              <a:rPr lang="es-AR" sz="2800" dirty="0" smtClean="0">
+                <a:solidFill>
+                  <a:srgbClr val="890909"/>
+                </a:solidFill>
+              </a:rPr>
+              <a:t>La interfaz permitirá ver la consigna y las respuestas relacionadas</a:t>
+            </a:r>
+          </a:p>
+          <a:p>
+            <a:r>
+              <a:rPr lang="es-AR" sz="2800" dirty="0" smtClean="0">
+                <a:solidFill>
+                  <a:srgbClr val="890909"/>
+                </a:solidFill>
+              </a:rPr>
+              <a:t>El alumno deberá elegir la respuesta que considere más apropiada y enviarla </a:t>
+            </a:r>
+          </a:p>
+          <a:p>
+            <a:r>
+              <a:rPr lang="es-AR" sz="2800" dirty="0" smtClean="0">
+                <a:solidFill>
+                  <a:srgbClr val="890909"/>
+                </a:solidFill>
+              </a:rPr>
+              <a:t>La corrección se puede hacer en el momento o esperar y seguir con las siguientes preguntas.</a:t>
+            </a:r>
+          </a:p>
+          <a:p>
+            <a:pPr marL="0" indent="0">
+              <a:buNone/>
+            </a:pPr>
+            <a:endParaRPr lang="es-AR" sz="2800" dirty="0" smtClean="0">
+              <a:solidFill>
+                <a:srgbClr val="890909"/>
+              </a:solidFill>
+            </a:endParaRPr>
+          </a:p>
+        </p:txBody>
+      </p:sp>
+    </p:spTree>
+    <p:extLst>
+      <p:ext uri="{BB962C8B-B14F-4D97-AF65-F5344CB8AC3E}">
+        <p14:creationId xmlns:p14="http://schemas.microsoft.com/office/powerpoint/2010/main" val="525408346"/>
+      </p:ext>
+    </p:extLst>
+  </p:cSld>
+  <p:clrMapOvr>
+    <a:masterClrMapping/>
+  </p:clrMapOvr>
+</p:sld>
+</file>
+
+<file path=ppt/slides/slide3.xml><?xml version="1.0" encoding="utf-8"?>
+<p:sld xmlns:a="http://schemas.openxmlformats.org/drawingml/2006/main" xmlns:r="http://schemas.openxmlformats.org/officeDocument/2006/relationships" xmlns:p="http://schemas.openxmlformats.org/presentationml/2006/main">
+  <p:cSld>
+    <p:spTree>
+      <p:nvGrpSpPr>
+        <p:cNvPr id="1" name=""/>
+        <p:cNvGrpSpPr/>
+        <p:nvPr/>
+      </p:nvGrpSpPr>
+      <p:grpSpPr>
+        <a:xfrm>
+          <a:off x="0" y="0"/>
+          <a:ext cx="0" cy="0"/>
+          <a:chOff x="0" y="0"/>
+          <a:chExt cx="0" cy="0"/>
+        </a:xfrm>
+      </p:grpSpPr>
+      <p:sp>
+        <p:nvSpPr>
+          <p:cNvPr id="2" name="1 Título"/>
+          <p:cNvSpPr>
+            <a:spLocks noGrp="1"/>
+          </p:cNvSpPr>
+          <p:nvPr>
+            <p:ph type="title"/>
+          </p:nvPr>
+        </p:nvSpPr>
+        <p:spPr/>
+        <p:txBody>
+          <a:bodyPr>
+            <a:normAutofit/>
+          </a:bodyPr>
+          <a:lstStyle/>
+          <a:p>
+            <a:r>
+              <a:rPr lang="es-AR" b="1" dirty="0" smtClean="0">
+                <a:solidFill>
+                  <a:srgbClr val="890909"/>
+                </a:solidFill>
+                <a:latin typeface="Times New Roman" pitchFamily="18" charset="0"/>
+                <a:cs typeface="Times New Roman" pitchFamily="18" charset="0"/>
+              </a:rPr>
+              <a:t>Definición del proyecto</a:t>
+            </a:r>
+            <a:endParaRPr lang="es-AR" dirty="0"/>
+          </a:p>
+        </p:txBody>
+      </p:sp>
+      <p:pic>
+        <p:nvPicPr>
+          <p:cNvPr id="4" name="3 Marcador de contenido" descr="objetivos.png"/>
+          <p:cNvPicPr>
+            <a:picLocks noGrp="1" noChangeAspect="1"/>
+          </p:cNvPicPr>
+          <p:nvPr>
+            <p:ph idx="1"/>
+          </p:nvPr>
+        </p:nvPicPr>
+        <p:blipFill>
+          <a:blip r:embed="rId2"/>
+          <a:stretch>
+            <a:fillRect/>
+          </a:stretch>
+        </p:blipFill>
+        <p:spPr>
+          <a:xfrm>
+            <a:off x="2000232" y="1857364"/>
+            <a:ext cx="5246949" cy="3935211"/>
+          </a:xfrm>
+        </p:spPr>
+      </p:pic>
+    </p:spTree>
+  </p:cSld>
+  <p:clrMapOvr>
+    <a:masterClrMapping/>
+  </p:clrMapOvr>
+</p:sld>
+</file>
+
+<file path=ppt/slides/slide30.xml><?xml version="1.0" encoding="utf-8"?>
+<p:sld xmlns:a="http://schemas.openxmlformats.org/drawingml/2006/main" xmlns:r="http://schemas.openxmlformats.org/officeDocument/2006/relationships" xmlns:p="http://schemas.openxmlformats.org/presentationml/2006/main">
+  <p:cSld>
+    <p:spTree>
+      <p:nvGrpSpPr>
+        <p:cNvPr id="1" name=""/>
+        <p:cNvGrpSpPr/>
+        <p:nvPr/>
+      </p:nvGrpSpPr>
+      <p:grpSpPr>
+        <a:xfrm>
+          <a:off x="0" y="0"/>
+          <a:ext cx="0" cy="0"/>
+          <a:chOff x="0" y="0"/>
+          <a:chExt cx="0" cy="0"/>
+        </a:xfrm>
+      </p:grpSpPr>
+      <p:sp>
+        <p:nvSpPr>
+          <p:cNvPr id="7" name="Título 6"/>
+          <p:cNvSpPr>
+            <a:spLocks noGrp="1"/>
+          </p:cNvSpPr>
+          <p:nvPr>
+            <p:ph type="title"/>
+          </p:nvPr>
+        </p:nvSpPr>
+        <p:spPr/>
+        <p:txBody>
+          <a:bodyPr/>
+          <a:lstStyle/>
+          <a:p>
+            <a:r>
+              <a:rPr lang="es-AR" dirty="0" smtClean="0">
+                <a:solidFill>
+                  <a:srgbClr val="890909"/>
+                </a:solidFill>
+              </a:rPr>
+              <a:t>Avances</a:t>
+            </a:r>
+            <a:endParaRPr lang="es-AR" dirty="0">
+              <a:solidFill>
+                <a:srgbClr val="890909"/>
+              </a:solidFill>
+            </a:endParaRPr>
+          </a:p>
+        </p:txBody>
+      </p:sp>
+      <p:pic>
+        <p:nvPicPr>
+          <p:cNvPr id="9" name="Marcador de contenido 8"/>
+          <p:cNvPicPr>
+            <a:picLocks noGrp="1" noChangeAspect="1"/>
+          </p:cNvPicPr>
+          <p:nvPr>
+            <p:ph idx="1"/>
+          </p:nvPr>
+        </p:nvPicPr>
+        <p:blipFill rotWithShape="1">
+          <a:blip r:embed="rId2"/>
+          <a:srcRect r="819"/>
+          <a:stretch/>
+        </p:blipFill>
+        <p:spPr>
+          <a:xfrm>
+            <a:off x="2030747" y="1413322"/>
+            <a:ext cx="5082505" cy="3952875"/>
+          </a:xfrm>
+          <a:prstGeom prst="rect">
+            <a:avLst/>
+          </a:prstGeom>
+        </p:spPr>
+      </p:pic>
+      <p:sp>
+        <p:nvSpPr>
+          <p:cNvPr id="10" name="CuadroTexto 9"/>
+          <p:cNvSpPr txBox="1"/>
+          <p:nvPr/>
+        </p:nvSpPr>
+        <p:spPr>
+          <a:xfrm>
+            <a:off x="457200" y="5589240"/>
+            <a:ext cx="8507288" cy="646331"/>
+          </a:xfrm>
+          <a:prstGeom prst="rect">
+            <a:avLst/>
+          </a:prstGeom>
+          <a:noFill/>
+        </p:spPr>
+        <p:txBody>
+          <a:bodyPr wrap="square" rtlCol="0">
+            <a:spAutoFit/>
+          </a:bodyPr>
+          <a:lstStyle/>
+          <a:p>
+            <a:r>
+              <a:rPr lang="es-AR" dirty="0" smtClean="0">
+                <a:solidFill>
+                  <a:srgbClr val="890909"/>
+                </a:solidFill>
+              </a:rPr>
+              <a:t>Una vez finalizado el proyecto se procederá a mostrar la devolución final de trabajo practico</a:t>
+            </a:r>
+            <a:endParaRPr lang="es-AR" dirty="0">
+              <a:solidFill>
+                <a:srgbClr val="890909"/>
+              </a:solidFill>
+            </a:endParaRPr>
+          </a:p>
+        </p:txBody>
+      </p:sp>
+    </p:spTree>
+    <p:extLst>
+      <p:ext uri="{BB962C8B-B14F-4D97-AF65-F5344CB8AC3E}">
+        <p14:creationId xmlns:p14="http://schemas.microsoft.com/office/powerpoint/2010/main" val="2740652987"/>
+      </p:ext>
+    </p:extLst>
+  </p:cSld>
+  <p:clrMapOvr>
+    <a:masterClrMapping/>
+  </p:clrMapOvr>
+</p:sld>
+</file>
+
+<file path=ppt/slides/slide31.xml><?xml version="1.0" encoding="utf-8"?>
+<p:sld xmlns:a="http://schemas.openxmlformats.org/drawingml/2006/main" xmlns:r="http://schemas.openxmlformats.org/officeDocument/2006/relationships" xmlns:p="http://schemas.openxmlformats.org/presentationml/2006/main">
+  <p:cSld>
+    <p:spTree>
+      <p:nvGrpSpPr>
+        <p:cNvPr id="1" name=""/>
+        <p:cNvGrpSpPr/>
+        <p:nvPr/>
+      </p:nvGrpSpPr>
+      <p:grpSpPr>
+        <a:xfrm>
+          <a:off x="0" y="0"/>
+          <a:ext cx="0" cy="0"/>
+          <a:chOff x="0" y="0"/>
+          <a:chExt cx="0" cy="0"/>
+        </a:xfrm>
+      </p:grpSpPr>
+      <p:sp>
+        <p:nvSpPr>
+          <p:cNvPr id="4" name="Título 3"/>
+          <p:cNvSpPr>
+            <a:spLocks noGrp="1"/>
+          </p:cNvSpPr>
+          <p:nvPr>
+            <p:ph type="title"/>
+          </p:nvPr>
+        </p:nvSpPr>
+        <p:spPr/>
+        <p:txBody>
+          <a:bodyPr/>
+          <a:lstStyle/>
+          <a:p>
+            <a:r>
+              <a:rPr lang="es-AR" dirty="0" smtClean="0">
+                <a:solidFill>
+                  <a:srgbClr val="890909"/>
+                </a:solidFill>
+              </a:rPr>
+              <a:t>Avances</a:t>
+            </a:r>
+            <a:endParaRPr lang="es-AR" dirty="0">
+              <a:solidFill>
+                <a:srgbClr val="890909"/>
+              </a:solidFill>
+            </a:endParaRPr>
+          </a:p>
+        </p:txBody>
+      </p:sp>
+      <p:sp>
+        <p:nvSpPr>
+          <p:cNvPr id="5" name="Marcador de texto 4"/>
+          <p:cNvSpPr>
+            <a:spLocks noGrp="1"/>
+          </p:cNvSpPr>
+          <p:nvPr>
+            <p:ph type="body" idx="1"/>
+          </p:nvPr>
+        </p:nvSpPr>
+        <p:spPr/>
+        <p:txBody>
+          <a:bodyPr/>
+          <a:lstStyle/>
+          <a:p>
+            <a:pPr marL="342900" indent="-342900">
+              <a:buFont typeface="Arial" panose="020B0604020202020204" pitchFamily="34" charset="0"/>
+              <a:buChar char="•"/>
+            </a:pPr>
+            <a:r>
+              <a:rPr lang="es-AR" dirty="0" smtClean="0">
+                <a:solidFill>
+                  <a:srgbClr val="890909"/>
+                </a:solidFill>
+              </a:rPr>
+              <a:t>Segunda Maqueta</a:t>
+            </a:r>
+            <a:endParaRPr lang="es-AR" dirty="0">
+              <a:solidFill>
+                <a:srgbClr val="890909"/>
+              </a:solidFill>
+            </a:endParaRPr>
+          </a:p>
+        </p:txBody>
+      </p:sp>
+      <p:pic>
+        <p:nvPicPr>
+          <p:cNvPr id="9" name="Marcador de contenido 8"/>
+          <p:cNvPicPr>
+            <a:picLocks noGrp="1" noChangeAspect="1"/>
+          </p:cNvPicPr>
+          <p:nvPr>
+            <p:ph sz="half" idx="2"/>
+          </p:nvPr>
+        </p:nvPicPr>
+        <p:blipFill rotWithShape="1">
+          <a:blip r:embed="rId2"/>
+          <a:srcRect t="2174"/>
+          <a:stretch/>
+        </p:blipFill>
+        <p:spPr>
+          <a:xfrm>
+            <a:off x="107504" y="2470542"/>
+            <a:ext cx="4331464" cy="3312368"/>
+          </a:xfrm>
+          <a:prstGeom prst="rect">
+            <a:avLst/>
+          </a:prstGeom>
+        </p:spPr>
+      </p:pic>
+      <p:sp>
+        <p:nvSpPr>
+          <p:cNvPr id="7" name="Marcador de texto 6"/>
+          <p:cNvSpPr>
+            <a:spLocks noGrp="1"/>
+          </p:cNvSpPr>
+          <p:nvPr>
+            <p:ph type="body" sz="quarter" idx="3"/>
+          </p:nvPr>
+        </p:nvSpPr>
+        <p:spPr/>
+        <p:txBody>
+          <a:bodyPr/>
+          <a:lstStyle/>
+          <a:p>
+            <a:pPr marL="342900" indent="-342900">
+              <a:buFont typeface="Arial" panose="020B0604020202020204" pitchFamily="34" charset="0"/>
+              <a:buChar char="•"/>
+            </a:pPr>
+            <a:r>
+              <a:rPr lang="es-AR" dirty="0" smtClean="0">
+                <a:solidFill>
+                  <a:srgbClr val="890909"/>
+                </a:solidFill>
+              </a:rPr>
+              <a:t>Prototipo Actual</a:t>
+            </a:r>
+            <a:endParaRPr lang="es-AR" dirty="0">
+              <a:solidFill>
+                <a:srgbClr val="890909"/>
+              </a:solidFill>
+            </a:endParaRPr>
+          </a:p>
+        </p:txBody>
+      </p:sp>
+      <p:pic>
+        <p:nvPicPr>
+          <p:cNvPr id="10" name="Marcador de contenido 9"/>
+          <p:cNvPicPr>
+            <a:picLocks noGrp="1" noChangeAspect="1"/>
+          </p:cNvPicPr>
+          <p:nvPr>
+            <p:ph sz="quarter" idx="4"/>
+          </p:nvPr>
+        </p:nvPicPr>
+        <p:blipFill>
+          <a:blip r:embed="rId3"/>
+          <a:stretch>
+            <a:fillRect/>
+          </a:stretch>
+        </p:blipFill>
+        <p:spPr>
+          <a:xfrm>
+            <a:off x="4497388" y="2385894"/>
+            <a:ext cx="4476427" cy="3481665"/>
+          </a:xfrm>
+          <a:prstGeom prst="rect">
+            <a:avLst/>
+          </a:prstGeom>
+        </p:spPr>
+      </p:pic>
+    </p:spTree>
+    <p:extLst>
+      <p:ext uri="{BB962C8B-B14F-4D97-AF65-F5344CB8AC3E}">
+        <p14:creationId xmlns:p14="http://schemas.microsoft.com/office/powerpoint/2010/main" val="2527885673"/>
+      </p:ext>
+    </p:extLst>
+  </p:cSld>
+  <p:clrMapOvr>
+    <a:masterClrMapping/>
+  </p:clrMapOvr>
+</p:sld>
+</file>
+
+<file path=ppt/slides/slide32.xml><?xml version="1.0" encoding="utf-8"?>
+<p:sld xmlns:a="http://schemas.openxmlformats.org/drawingml/2006/main" xmlns:r="http://schemas.openxmlformats.org/officeDocument/2006/relationships" xmlns:p="http://schemas.openxmlformats.org/presentationml/2006/main">
+  <p:cSld>
+    <p:spTree>
+      <p:nvGrpSpPr>
+        <p:cNvPr id="1" name=""/>
+        <p:cNvGrpSpPr/>
+        <p:nvPr/>
+      </p:nvGrpSpPr>
+      <p:grpSpPr>
+        <a:xfrm>
+          <a:off x="0" y="0"/>
+          <a:ext cx="0" cy="0"/>
+          <a:chOff x="0" y="0"/>
+          <a:chExt cx="0" cy="0"/>
+        </a:xfrm>
+      </p:grpSpPr>
+      <p:sp>
+        <p:nvSpPr>
+          <p:cNvPr id="2" name="Título 1"/>
+          <p:cNvSpPr>
+            <a:spLocks noGrp="1"/>
+          </p:cNvSpPr>
+          <p:nvPr>
+            <p:ph type="title"/>
+          </p:nvPr>
+        </p:nvSpPr>
+        <p:spPr/>
+        <p:txBody>
+          <a:bodyPr/>
+          <a:lstStyle/>
+          <a:p>
+            <a:r>
+              <a:rPr lang="es-AR" dirty="0" smtClean="0">
+                <a:solidFill>
+                  <a:srgbClr val="890909"/>
+                </a:solidFill>
+              </a:rPr>
+              <a:t>Avances</a:t>
+            </a:r>
+            <a:endParaRPr lang="es-AR" dirty="0">
+              <a:solidFill>
+                <a:srgbClr val="890909"/>
+              </a:solidFill>
+            </a:endParaRPr>
+          </a:p>
+        </p:txBody>
+      </p:sp>
+      <p:sp>
+        <p:nvSpPr>
+          <p:cNvPr id="6" name="Marcador de contenido 5"/>
+          <p:cNvSpPr>
+            <a:spLocks noGrp="1"/>
+          </p:cNvSpPr>
+          <p:nvPr>
+            <p:ph idx="1"/>
+          </p:nvPr>
+        </p:nvSpPr>
+        <p:spPr/>
+        <p:txBody>
+          <a:bodyPr>
+            <a:normAutofit/>
+          </a:bodyPr>
+          <a:lstStyle/>
+          <a:p>
+            <a:r>
+              <a:rPr lang="es-AR" sz="2800" dirty="0" smtClean="0">
+                <a:solidFill>
+                  <a:srgbClr val="890909"/>
+                </a:solidFill>
+              </a:rPr>
+              <a:t>En la vista del administrador se podrán ver la lista de peticiones de accesos generadas por los usuarios que quieran registrarse al sistema.</a:t>
+            </a:r>
+          </a:p>
+          <a:p>
+            <a:r>
+              <a:rPr lang="es-AR" sz="2800" dirty="0" smtClean="0">
+                <a:solidFill>
+                  <a:srgbClr val="890909"/>
+                </a:solidFill>
+              </a:rPr>
+              <a:t>Podrá crear nuevos usuarios en el sistema.</a:t>
+            </a:r>
+          </a:p>
+          <a:p>
+            <a:r>
+              <a:rPr lang="es-AR" sz="2800" dirty="0" smtClean="0">
+                <a:solidFill>
+                  <a:srgbClr val="890909"/>
+                </a:solidFill>
+              </a:rPr>
+              <a:t>Resetear las contraseñas de los actuales.</a:t>
+            </a:r>
+          </a:p>
+          <a:p>
+            <a:r>
+              <a:rPr lang="es-AR" sz="2800" dirty="0" smtClean="0">
+                <a:solidFill>
+                  <a:srgbClr val="890909"/>
+                </a:solidFill>
+              </a:rPr>
+              <a:t>Eliminar los que ya no sean necesarios.</a:t>
+            </a:r>
+          </a:p>
+        </p:txBody>
+      </p:sp>
+    </p:spTree>
+    <p:extLst>
+      <p:ext uri="{BB962C8B-B14F-4D97-AF65-F5344CB8AC3E}">
+        <p14:creationId xmlns:p14="http://schemas.microsoft.com/office/powerpoint/2010/main" val="121229062"/>
+      </p:ext>
+    </p:extLst>
+  </p:cSld>
+  <p:clrMapOvr>
+    <a:masterClrMapping/>
+  </p:clrMapOvr>
+</p:sld>
+</file>
+
+<file path=ppt/slides/slide33.xml><?xml version="1.0" encoding="utf-8"?>
+<p:sld xmlns:a="http://schemas.openxmlformats.org/drawingml/2006/main" xmlns:r="http://schemas.openxmlformats.org/officeDocument/2006/relationships" xmlns:p="http://schemas.openxmlformats.org/presentationml/2006/main">
+  <p:cSld>
+    <p:spTree>
+      <p:nvGrpSpPr>
+        <p:cNvPr id="1" name=""/>
+        <p:cNvGrpSpPr/>
+        <p:nvPr/>
+      </p:nvGrpSpPr>
+      <p:grpSpPr>
+        <a:xfrm>
+          <a:off x="0" y="0"/>
+          <a:ext cx="0" cy="0"/>
+          <a:chOff x="0" y="0"/>
+          <a:chExt cx="0" cy="0"/>
+        </a:xfrm>
+      </p:grpSpPr>
+      <p:sp>
+        <p:nvSpPr>
+          <p:cNvPr id="7" name="Título 6"/>
+          <p:cNvSpPr>
+            <a:spLocks noGrp="1"/>
+          </p:cNvSpPr>
+          <p:nvPr>
+            <p:ph type="title"/>
+          </p:nvPr>
+        </p:nvSpPr>
+        <p:spPr/>
+        <p:txBody>
+          <a:bodyPr/>
+          <a:lstStyle/>
+          <a:p>
+            <a:r>
+              <a:rPr lang="es-AR" dirty="0" smtClean="0">
+                <a:solidFill>
+                  <a:srgbClr val="890909"/>
+                </a:solidFill>
+              </a:rPr>
+              <a:t>Avances</a:t>
+            </a:r>
+            <a:endParaRPr lang="es-AR" dirty="0">
+              <a:solidFill>
+                <a:srgbClr val="890909"/>
+              </a:solidFill>
+            </a:endParaRPr>
+          </a:p>
+        </p:txBody>
+      </p:sp>
+      <p:pic>
+        <p:nvPicPr>
+          <p:cNvPr id="9" name="Marcador de contenido 8"/>
+          <p:cNvPicPr>
+            <a:picLocks noGrp="1" noChangeAspect="1"/>
+          </p:cNvPicPr>
+          <p:nvPr>
+            <p:ph idx="1"/>
+          </p:nvPr>
+        </p:nvPicPr>
+        <p:blipFill rotWithShape="1">
+          <a:blip r:embed="rId2"/>
+          <a:srcRect l="819" t="880"/>
+          <a:stretch/>
+        </p:blipFill>
+        <p:spPr>
+          <a:xfrm>
+            <a:off x="2051719" y="1988840"/>
+            <a:ext cx="5082505" cy="3927549"/>
+          </a:xfrm>
+          <a:prstGeom prst="rect">
+            <a:avLst/>
+          </a:prstGeom>
+        </p:spPr>
+      </p:pic>
+    </p:spTree>
+    <p:extLst>
+      <p:ext uri="{BB962C8B-B14F-4D97-AF65-F5344CB8AC3E}">
+        <p14:creationId xmlns:p14="http://schemas.microsoft.com/office/powerpoint/2010/main" val="483979526"/>
+      </p:ext>
+    </p:extLst>
+  </p:cSld>
+  <p:clrMapOvr>
+    <a:masterClrMapping/>
+  </p:clrMapOvr>
+</p:sld>
+</file>
+
+<file path=ppt/slides/slide34.xml><?xml version="1.0" encoding="utf-8"?>
+<p:sld xmlns:a="http://schemas.openxmlformats.org/drawingml/2006/main" xmlns:r="http://schemas.openxmlformats.org/officeDocument/2006/relationships" xmlns:p="http://schemas.openxmlformats.org/presentationml/2006/main">
+  <p:cSld>
+    <p:spTree>
+      <p:nvGrpSpPr>
+        <p:cNvPr id="1" name=""/>
+        <p:cNvGrpSpPr/>
+        <p:nvPr/>
+      </p:nvGrpSpPr>
+      <p:grpSpPr>
+        <a:xfrm>
+          <a:off x="0" y="0"/>
+          <a:ext cx="0" cy="0"/>
+          <a:chOff x="0" y="0"/>
+          <a:chExt cx="0" cy="0"/>
+        </a:xfrm>
+      </p:grpSpPr>
+      <p:sp>
+        <p:nvSpPr>
+          <p:cNvPr id="2" name="Título 1"/>
+          <p:cNvSpPr>
+            <a:spLocks noGrp="1"/>
+          </p:cNvSpPr>
+          <p:nvPr>
+            <p:ph type="title"/>
+          </p:nvPr>
+        </p:nvSpPr>
+        <p:spPr/>
+        <p:txBody>
+          <a:bodyPr/>
+          <a:lstStyle/>
+          <a:p>
+            <a:r>
+              <a:rPr lang="es-AR" dirty="0" smtClean="0">
+                <a:solidFill>
+                  <a:srgbClr val="890909"/>
+                </a:solidFill>
+              </a:rPr>
+              <a:t>Avances</a:t>
+            </a:r>
+            <a:endParaRPr lang="es-AR" dirty="0">
+              <a:solidFill>
+                <a:srgbClr val="890909"/>
+              </a:solidFill>
+            </a:endParaRPr>
+          </a:p>
+        </p:txBody>
+      </p:sp>
+      <p:pic>
+        <p:nvPicPr>
+          <p:cNvPr id="4" name="Marcador de contenido 3"/>
+          <p:cNvPicPr>
+            <a:picLocks noGrp="1" noChangeAspect="1"/>
+          </p:cNvPicPr>
+          <p:nvPr>
+            <p:ph idx="1"/>
+          </p:nvPr>
+        </p:nvPicPr>
+        <p:blipFill rotWithShape="1">
+          <a:blip r:embed="rId2"/>
+          <a:srcRect t="1463" b="1569"/>
+          <a:stretch/>
+        </p:blipFill>
+        <p:spPr>
+          <a:xfrm>
+            <a:off x="2019300" y="1916832"/>
+            <a:ext cx="5105400" cy="3888432"/>
+          </a:xfrm>
+          <a:prstGeom prst="rect">
+            <a:avLst/>
+          </a:prstGeom>
+        </p:spPr>
+      </p:pic>
+    </p:spTree>
+    <p:extLst>
+      <p:ext uri="{BB962C8B-B14F-4D97-AF65-F5344CB8AC3E}">
+        <p14:creationId xmlns:p14="http://schemas.microsoft.com/office/powerpoint/2010/main" val="2319627585"/>
+      </p:ext>
+    </p:extLst>
+  </p:cSld>
+  <p:clrMapOvr>
+    <a:masterClrMapping/>
+  </p:clrMapOvr>
+</p:sld>
+</file>
+
+<file path=ppt/slides/slide35.xml><?xml version="1.0" encoding="utf-8"?>
+<p:sld xmlns:a="http://schemas.openxmlformats.org/drawingml/2006/main" xmlns:r="http://schemas.openxmlformats.org/officeDocument/2006/relationships" xmlns:p="http://schemas.openxmlformats.org/presentationml/2006/main">
+  <p:cSld>
+    <p:spTree>
+      <p:nvGrpSpPr>
+        <p:cNvPr id="1" name=""/>
+        <p:cNvGrpSpPr/>
+        <p:nvPr/>
+      </p:nvGrpSpPr>
+      <p:grpSpPr>
+        <a:xfrm>
+          <a:off x="0" y="0"/>
+          <a:ext cx="0" cy="0"/>
+          <a:chOff x="0" y="0"/>
+          <a:chExt cx="0" cy="0"/>
+        </a:xfrm>
+      </p:grpSpPr>
+      <p:sp>
+        <p:nvSpPr>
           <p:cNvPr id="2" name="1 Título"/>
           <p:cNvSpPr>
             <a:spLocks noGrp="1"/>
@@ -6025,7 +7935,7 @@
 </p:sld>
 </file>
 
-<file path=ppt/slides/slide24.xml><?xml version="1.0" encoding="utf-8"?>
+<file path=ppt/slides/slide36.xml><?xml version="1.0" encoding="utf-8"?>
 <p:sld xmlns:a="http://schemas.openxmlformats.org/drawingml/2006/main" xmlns:r="http://schemas.openxmlformats.org/officeDocument/2006/relationships" xmlns:p="http://schemas.openxmlformats.org/presentationml/2006/main">
   <p:cSld>
     <p:spTree>
@@ -6372,7 +8282,7 @@
 </p:sld>
 </file>
 
-<file path=ppt/slides/slide25.xml><?xml version="1.0" encoding="utf-8"?>
+<file path=ppt/slides/slide37.xml><?xml version="1.0" encoding="utf-8"?>
 <p:sld xmlns:a="http://schemas.openxmlformats.org/drawingml/2006/main" xmlns:r="http://schemas.openxmlformats.org/officeDocument/2006/relationships" xmlns:p="http://schemas.openxmlformats.org/presentationml/2006/main">
   <p:cSld>
     <p:spTree>
@@ -6729,7 +8639,7 @@
 </p:sld>
 </file>
 
-<file path=ppt/slides/slide26.xml><?xml version="1.0" encoding="utf-8"?>
+<file path=ppt/slides/slide38.xml><?xml version="1.0" encoding="utf-8"?>
 <p:sld xmlns:a="http://schemas.openxmlformats.org/drawingml/2006/main" xmlns:r="http://schemas.openxmlformats.org/officeDocument/2006/relationships" xmlns:p="http://schemas.openxmlformats.org/presentationml/2006/main">
   <p:cSld>
     <p:spTree>
@@ -6812,7 +8722,7 @@
 </p:sld>
 </file>
 
-<file path=ppt/slides/slide27.xml><?xml version="1.0" encoding="utf-8"?>
+<file path=ppt/slides/slide39.xml><?xml version="1.0" encoding="utf-8"?>
 <p:sld xmlns:a="http://schemas.openxmlformats.org/drawingml/2006/main" xmlns:r="http://schemas.openxmlformats.org/officeDocument/2006/relationships" xmlns:p="http://schemas.openxmlformats.org/presentationml/2006/main">
   <p:cSld>
     <p:spTree>
@@ -6984,7 +8894,23 @@
                   <a:srgbClr val="890909"/>
                 </a:solidFill>
               </a:rPr>
-              <a:t>Integración del sistema y del servidor ya implementado por separado.</a:t>
+              <a:t>Integración del sistema y del servidor ya </a:t>
+            </a:r>
+            <a:r>
+              <a:rPr lang="es-AR" sz="2200" dirty="0" smtClean="0">
+                <a:solidFill>
+                  <a:srgbClr val="890909"/>
+                </a:solidFill>
+              </a:rPr>
+              <a:t>implementados </a:t>
+            </a:r>
+            <a:r>
+              <a:rPr lang="es-AR" sz="2200" dirty="0">
+                <a:solidFill>
+                  <a:srgbClr val="890909"/>
+                </a:solidFill>
+              </a:rPr>
+              <a:t>por separado.</a:t>
             </a:r>
           </a:p>
           <a:p>
@@ -7012,333 +8938,6 @@
         <p14:creationId xmlns:p14="http://schemas.microsoft.com/office/powerpoint/2010/main" val="1139377580"/>
       </p:ext>
     </p:extLst>
-  </p:cSld>
-  <p:clrMapOvr>
-    <a:masterClrMapping/>
-  </p:clrMapOvr>
-</p:sld>
-</file>
-
-<file path=ppt/slides/slide28.xml><?xml version="1.0" encoding="utf-8"?>
-<p:sld xmlns:a="http://schemas.openxmlformats.org/drawingml/2006/main" xmlns:r="http://schemas.openxmlformats.org/officeDocument/2006/relationships" xmlns:p="http://schemas.openxmlformats.org/presentationml/2006/main">
-  <p:cSld>
-    <p:spTree>
-      <p:nvGrpSpPr>
-        <p:cNvPr id="1" name=""/>
-        <p:cNvGrpSpPr/>
-        <p:nvPr/>
-      </p:nvGrpSpPr>
-      <p:grpSpPr>
-        <a:xfrm>
-          <a:off x="0" y="0"/>
-          <a:ext cx="0" cy="0"/>
-          <a:chOff x="0" y="0"/>
-          <a:chExt cx="0" cy="0"/>
-        </a:xfrm>
-      </p:grpSpPr>
-      <p:sp>
-        <p:nvSpPr>
-          <p:cNvPr id="2" name="1 Título"/>
-          <p:cNvSpPr>
-            <a:spLocks noGrp="1"/>
-          </p:cNvSpPr>
-          <p:nvPr>
-            <p:ph type="ctrTitle"/>
-          </p:nvPr>
-        </p:nvSpPr>
-        <p:spPr>
-          <a:xfrm>
-            <a:off x="642910" y="428604"/>
-            <a:ext cx="7772400" cy="1470025"/>
-          </a:xfrm>
-        </p:spPr>
-        <p:txBody>
-          <a:bodyPr/>
-          <a:lstStyle/>
-          <a:p>
-            <a:r>
-              <a:rPr lang="es-AR" b="1" dirty="0" smtClean="0">
-                <a:solidFill>
-                  <a:srgbClr val="890909"/>
-                </a:solidFill>
-                <a:latin typeface="Times New Roman" pitchFamily="18" charset="0"/>
-                <a:cs typeface="Times New Roman" pitchFamily="18" charset="0"/>
-              </a:rPr>
-              <a:t>Sistema gestor de corrección de</a:t>
-            </a:r>
-            <a:br>
-              <a:rPr lang="es-AR" b="1" dirty="0" smtClean="0">
-                <a:solidFill>
-                  <a:srgbClr val="890909"/>
-                </a:solidFill>
-                <a:latin typeface="Times New Roman" pitchFamily="18" charset="0"/>
-                <a:cs typeface="Times New Roman" pitchFamily="18" charset="0"/>
-              </a:rPr>
-            </a:br>
-            <a:r>
-              <a:rPr lang="es-AR" b="1" dirty="0" err="1" smtClean="0">
-                <a:solidFill>
-                  <a:srgbClr val="890909"/>
-                </a:solidFill>
-                <a:latin typeface="Times New Roman" pitchFamily="18" charset="0"/>
-                <a:cs typeface="Times New Roman" pitchFamily="18" charset="0"/>
-              </a:rPr>
-              <a:t>Tps</a:t>
-            </a:r>
-            <a:endParaRPr lang="es-AR" b="1" dirty="0">
-              <a:solidFill>
-                <a:srgbClr val="890909"/>
-              </a:solidFill>
-              <a:latin typeface="Times New Roman" pitchFamily="18" charset="0"/>
-              <a:cs typeface="Times New Roman" pitchFamily="18" charset="0"/>
-            </a:endParaRPr>
-          </a:p>
-        </p:txBody>
-      </p:sp>
-      <p:sp>
-        <p:nvSpPr>
-          <p:cNvPr id="3" name="2 Subtítulo"/>
-          <p:cNvSpPr>
-            <a:spLocks noGrp="1"/>
-          </p:cNvSpPr>
-          <p:nvPr>
-            <p:ph type="subTitle" idx="1"/>
-          </p:nvPr>
-        </p:nvSpPr>
-        <p:spPr>
-          <a:xfrm>
-            <a:off x="1357290" y="5286388"/>
-            <a:ext cx="6400800" cy="1357322"/>
-          </a:xfrm>
-        </p:spPr>
-        <p:txBody>
-          <a:bodyPr>
-            <a:normAutofit fontScale="92500" lnSpcReduction="20000"/>
-          </a:bodyPr>
-          <a:lstStyle/>
-          <a:p>
-            <a:r>
-              <a:rPr lang="es-AR" sz="1800" u="sng" dirty="0" smtClean="0">
-                <a:solidFill>
-                  <a:srgbClr val="890909"/>
-                </a:solidFill>
-                <a:latin typeface="Times New Roman" pitchFamily="18" charset="0"/>
-                <a:cs typeface="Times New Roman" pitchFamily="18" charset="0"/>
-              </a:rPr>
-              <a:t>Integrantes</a:t>
-            </a:r>
-          </a:p>
-          <a:p>
-            <a:r>
-              <a:rPr lang="es-AR" sz="1800" dirty="0" err="1" smtClean="0">
-                <a:solidFill>
-                  <a:srgbClr val="890909"/>
-                </a:solidFill>
-                <a:latin typeface="Times New Roman" pitchFamily="18" charset="0"/>
-                <a:cs typeface="Times New Roman" pitchFamily="18" charset="0"/>
-              </a:rPr>
-              <a:t>Rodriguez</a:t>
-            </a:r>
-            <a:r>
-              <a:rPr lang="es-AR" sz="1800" dirty="0" smtClean="0">
-                <a:solidFill>
-                  <a:srgbClr val="890909"/>
-                </a:solidFill>
-                <a:latin typeface="Times New Roman" pitchFamily="18" charset="0"/>
-                <a:cs typeface="Times New Roman" pitchFamily="18" charset="0"/>
-              </a:rPr>
-              <a:t> Javier</a:t>
-            </a:r>
-          </a:p>
-          <a:p>
-            <a:r>
-              <a:rPr lang="es-AR" sz="1800" dirty="0" smtClean="0">
-                <a:solidFill>
-                  <a:srgbClr val="890909"/>
-                </a:solidFill>
-                <a:latin typeface="Times New Roman" pitchFamily="18" charset="0"/>
-                <a:cs typeface="Times New Roman" pitchFamily="18" charset="0"/>
-              </a:rPr>
-              <a:t>Saavedra </a:t>
-            </a:r>
-            <a:r>
-              <a:rPr lang="es-AR" sz="1800" dirty="0" err="1" smtClean="0">
-                <a:solidFill>
-                  <a:srgbClr val="890909"/>
-                </a:solidFill>
-                <a:latin typeface="Times New Roman" pitchFamily="18" charset="0"/>
-                <a:cs typeface="Times New Roman" pitchFamily="18" charset="0"/>
-              </a:rPr>
-              <a:t>Griott</a:t>
-            </a:r>
-            <a:r>
-              <a:rPr lang="es-AR" sz="1800" dirty="0" smtClean="0">
-                <a:solidFill>
-                  <a:srgbClr val="890909"/>
-                </a:solidFill>
-                <a:latin typeface="Times New Roman" pitchFamily="18" charset="0"/>
-                <a:cs typeface="Times New Roman" pitchFamily="18" charset="0"/>
-              </a:rPr>
-              <a:t> Diego</a:t>
-            </a:r>
-          </a:p>
-          <a:p>
-            <a:r>
-              <a:rPr lang="es-AR" sz="1800" dirty="0" err="1" smtClean="0">
-                <a:solidFill>
-                  <a:srgbClr val="890909"/>
-                </a:solidFill>
-                <a:latin typeface="Times New Roman" pitchFamily="18" charset="0"/>
-                <a:cs typeface="Times New Roman" pitchFamily="18" charset="0"/>
-              </a:rPr>
-              <a:t>Vallejos</a:t>
-            </a:r>
-            <a:r>
-              <a:rPr lang="es-AR" sz="1800" dirty="0" smtClean="0">
-                <a:solidFill>
-                  <a:srgbClr val="890909"/>
-                </a:solidFill>
-                <a:latin typeface="Times New Roman" pitchFamily="18" charset="0"/>
-                <a:cs typeface="Times New Roman" pitchFamily="18" charset="0"/>
-              </a:rPr>
-              <a:t> Laura</a:t>
-            </a:r>
-            <a:br>
-              <a:rPr lang="es-AR" sz="1800" dirty="0" smtClean="0">
-                <a:solidFill>
-                  <a:srgbClr val="890909"/>
-                </a:solidFill>
-                <a:latin typeface="Times New Roman" pitchFamily="18" charset="0"/>
-                <a:cs typeface="Times New Roman" pitchFamily="18" charset="0"/>
-              </a:rPr>
-            </a:br>
-            <a:r>
-              <a:rPr lang="es-AR" sz="1800" dirty="0" err="1" smtClean="0">
-                <a:solidFill>
-                  <a:srgbClr val="890909"/>
-                </a:solidFill>
-                <a:latin typeface="Times New Roman" pitchFamily="18" charset="0"/>
-                <a:cs typeface="Times New Roman" pitchFamily="18" charset="0"/>
-              </a:rPr>
-              <a:t>Yone</a:t>
-            </a:r>
-            <a:r>
-              <a:rPr lang="es-AR" sz="1800" dirty="0" smtClean="0">
-                <a:solidFill>
-                  <a:srgbClr val="890909"/>
-                </a:solidFill>
-                <a:latin typeface="Times New Roman" pitchFamily="18" charset="0"/>
-                <a:cs typeface="Times New Roman" pitchFamily="18" charset="0"/>
-              </a:rPr>
-              <a:t> Juan Ignacio</a:t>
-            </a:r>
-          </a:p>
-        </p:txBody>
-      </p:sp>
-      <p:pic>
-        <p:nvPicPr>
-          <p:cNvPr id="4" name="3 Imagen" descr="logo_unla.png"/>
-          <p:cNvPicPr>
-            <a:picLocks noChangeAspect="1"/>
-          </p:cNvPicPr>
-          <p:nvPr/>
-        </p:nvPicPr>
-        <p:blipFill>
-          <a:blip r:embed="rId2"/>
-          <a:stretch>
-            <a:fillRect/>
-          </a:stretch>
-        </p:blipFill>
-        <p:spPr>
-          <a:xfrm>
-            <a:off x="3357554" y="2071678"/>
-            <a:ext cx="2447488" cy="2714644"/>
-          </a:xfrm>
-          <a:prstGeom prst="rect">
-            <a:avLst/>
-          </a:prstGeom>
-        </p:spPr>
-      </p:pic>
-    </p:spTree>
-  </p:cSld>
-  <p:clrMapOvr>
-    <a:masterClrMapping/>
-  </p:clrMapOvr>
-</p:sld>
-</file>
-
-<file path=ppt/slides/slide3.xml><?xml version="1.0" encoding="utf-8"?>
-<p:sld xmlns:a="http://schemas.openxmlformats.org/drawingml/2006/main" xmlns:r="http://schemas.openxmlformats.org/officeDocument/2006/relationships" xmlns:p="http://schemas.openxmlformats.org/presentationml/2006/main">
-  <p:cSld>
-    <p:spTree>
-      <p:nvGrpSpPr>
-        <p:cNvPr id="1" name=""/>
-        <p:cNvGrpSpPr/>
-        <p:nvPr/>
-      </p:nvGrpSpPr>
-      <p:grpSpPr>
-        <a:xfrm>
-          <a:off x="0" y="0"/>
-          <a:ext cx="0" cy="0"/>
-          <a:chOff x="0" y="0"/>
-          <a:chExt cx="0" cy="0"/>
-        </a:xfrm>
-      </p:grpSpPr>
-      <p:sp>
-        <p:nvSpPr>
-          <p:cNvPr id="2" name="1 Título"/>
-          <p:cNvSpPr>
-            <a:spLocks noGrp="1"/>
-          </p:cNvSpPr>
-          <p:nvPr>
-            <p:ph type="title"/>
-          </p:nvPr>
-        </p:nvSpPr>
-        <p:spPr/>
-        <p:txBody>
-          <a:bodyPr>
-            <a:normAutofit/>
-          </a:bodyPr>
-          <a:lstStyle/>
-          <a:p>
-            <a:r>
-              <a:rPr lang="es-AR" b="1" dirty="0" smtClean="0">
-                <a:solidFill>
-                  <a:srgbClr val="890909"/>
-                </a:solidFill>
-                <a:latin typeface="Times New Roman" pitchFamily="18" charset="0"/>
-                <a:cs typeface="Times New Roman" pitchFamily="18" charset="0"/>
-              </a:rPr>
-              <a:t>Definición del proyecto</a:t>
-            </a:r>
-            <a:endParaRPr lang="es-AR" dirty="0"/>
-          </a:p>
-        </p:txBody>
-      </p:sp>
-      <p:pic>
-        <p:nvPicPr>
-          <p:cNvPr id="4" name="3 Marcador de contenido" descr="objetivos.png"/>
-          <p:cNvPicPr>
-            <a:picLocks noGrp="1" noChangeAspect="1"/>
-          </p:cNvPicPr>
-          <p:nvPr>
-            <p:ph idx="1"/>
-          </p:nvPr>
-        </p:nvPicPr>
-        <p:blipFill>
-          <a:blip r:embed="rId2"/>
-          <a:stretch>
-            <a:fillRect/>
-          </a:stretch>
-        </p:blipFill>
-        <p:spPr>
-          <a:xfrm>
-            <a:off x="2000232" y="1857364"/>
-            <a:ext cx="5246949" cy="3935211"/>
-          </a:xfrm>
-        </p:spPr>
-      </p:pic>
-    </p:spTree>
   </p:cSld>
   <p:clrMapOvr>
     <a:masterClrMapping/>
@@ -7662,6 +9261,254 @@
         <p14:creationId xmlns:p14="http://schemas.microsoft.com/office/powerpoint/2010/main" val="2954016001"/>
       </p:ext>
     </p:extLst>
+  </p:cSld>
+  <p:clrMapOvr>
+    <a:masterClrMapping/>
+  </p:clrMapOvr>
+</p:sld>
+</file>
+
+<file path=ppt/slides/slide40.xml><?xml version="1.0" encoding="utf-8"?>
+<p:sld xmlns:a="http://schemas.openxmlformats.org/drawingml/2006/main" xmlns:r="http://schemas.openxmlformats.org/officeDocument/2006/relationships" xmlns:p="http://schemas.openxmlformats.org/presentationml/2006/main">
+  <p:cSld>
+    <p:spTree>
+      <p:nvGrpSpPr>
+        <p:cNvPr id="1" name=""/>
+        <p:cNvGrpSpPr/>
+        <p:nvPr/>
+      </p:nvGrpSpPr>
+      <p:grpSpPr>
+        <a:xfrm>
+          <a:off x="0" y="0"/>
+          <a:ext cx="0" cy="0"/>
+          <a:chOff x="0" y="0"/>
+          <a:chExt cx="0" cy="0"/>
+        </a:xfrm>
+      </p:grpSpPr>
+      <p:sp>
+        <p:nvSpPr>
+          <p:cNvPr id="2" name="1 Título"/>
+          <p:cNvSpPr>
+            <a:spLocks noGrp="1"/>
+          </p:cNvSpPr>
+          <p:nvPr>
+            <p:ph type="ctrTitle"/>
+          </p:nvPr>
+        </p:nvSpPr>
+        <p:spPr>
+          <a:xfrm>
+            <a:off x="642910" y="428604"/>
+            <a:ext cx="7772400" cy="1470025"/>
+          </a:xfrm>
+        </p:spPr>
+        <p:txBody>
+          <a:bodyPr/>
+          <a:lstStyle/>
+          <a:p>
+            <a:r>
+              <a:rPr lang="es-AR" b="1" dirty="0" smtClean="0">
+                <a:solidFill>
+                  <a:srgbClr val="890909"/>
+                </a:solidFill>
+                <a:latin typeface="Times New Roman" pitchFamily="18" charset="0"/>
+                <a:cs typeface="Times New Roman" pitchFamily="18" charset="0"/>
+              </a:rPr>
+              <a:t>Sistema gestor de corrección de</a:t>
+            </a:r>
+            <a:br>
+              <a:rPr lang="es-AR" b="1" dirty="0" smtClean="0">
+                <a:solidFill>
+                  <a:srgbClr val="890909"/>
+                </a:solidFill>
+                <a:latin typeface="Times New Roman" pitchFamily="18" charset="0"/>
+                <a:cs typeface="Times New Roman" pitchFamily="18" charset="0"/>
+              </a:rPr>
+            </a:br>
+            <a:r>
+              <a:rPr lang="es-AR" b="1" dirty="0" err="1" smtClean="0">
+                <a:solidFill>
+                  <a:srgbClr val="890909"/>
+                </a:solidFill>
+                <a:latin typeface="Times New Roman" pitchFamily="18" charset="0"/>
+                <a:cs typeface="Times New Roman" pitchFamily="18" charset="0"/>
+              </a:rPr>
+              <a:t>Tps</a:t>
+            </a:r>
+            <a:endParaRPr lang="es-AR" b="1" dirty="0">
+              <a:solidFill>
+                <a:srgbClr val="890909"/>
+              </a:solidFill>
+              <a:latin typeface="Times New Roman" pitchFamily="18" charset="0"/>
+              <a:cs typeface="Times New Roman" pitchFamily="18" charset="0"/>
+            </a:endParaRPr>
+          </a:p>
+        </p:txBody>
+      </p:sp>
+      <p:sp>
+        <p:nvSpPr>
+          <p:cNvPr id="3" name="2 Subtítulo"/>
+          <p:cNvSpPr>
+            <a:spLocks noGrp="1"/>
+          </p:cNvSpPr>
+          <p:nvPr>
+            <p:ph type="subTitle" idx="1"/>
+          </p:nvPr>
+        </p:nvSpPr>
+        <p:spPr>
+          <a:xfrm>
+            <a:off x="1357290" y="5286388"/>
+            <a:ext cx="6400800" cy="1357322"/>
+          </a:xfrm>
+        </p:spPr>
+        <p:txBody>
+          <a:bodyPr>
+            <a:normAutofit fontScale="92500" lnSpcReduction="20000"/>
+          </a:bodyPr>
+          <a:lstStyle/>
+          <a:p>
+            <a:r>
+              <a:rPr lang="es-AR" sz="1800" u="sng" dirty="0" smtClean="0">
+                <a:solidFill>
+                  <a:srgbClr val="890909"/>
+                </a:solidFill>
+                <a:latin typeface="Times New Roman" pitchFamily="18" charset="0"/>
+                <a:cs typeface="Times New Roman" pitchFamily="18" charset="0"/>
+              </a:rPr>
+              <a:t>Integrantes</a:t>
+            </a:r>
+          </a:p>
+          <a:p>
+            <a:r>
+              <a:rPr lang="es-AR" sz="1800" dirty="0" err="1" smtClean="0">
+                <a:solidFill>
+                  <a:srgbClr val="890909"/>
+                </a:solidFill>
+                <a:latin typeface="Times New Roman" pitchFamily="18" charset="0"/>
+                <a:cs typeface="Times New Roman" pitchFamily="18" charset="0"/>
+              </a:rPr>
+              <a:t>Rodriguez</a:t>
+            </a:r>
+            <a:r>
+              <a:rPr lang="es-AR" sz="1800" dirty="0" smtClean="0">
+                <a:solidFill>
+                  <a:srgbClr val="890909"/>
+                </a:solidFill>
+                <a:latin typeface="Times New Roman" pitchFamily="18" charset="0"/>
+                <a:cs typeface="Times New Roman" pitchFamily="18" charset="0"/>
+              </a:rPr>
+              <a:t> Javier</a:t>
+            </a:r>
+          </a:p>
+          <a:p>
+            <a:r>
+              <a:rPr lang="es-AR" sz="1800" dirty="0" smtClean="0">
+                <a:solidFill>
+                  <a:srgbClr val="890909"/>
+                </a:solidFill>
+                <a:latin typeface="Times New Roman" pitchFamily="18" charset="0"/>
+                <a:cs typeface="Times New Roman" pitchFamily="18" charset="0"/>
+              </a:rPr>
+              <a:t>Saavedra </a:t>
+            </a:r>
+            <a:r>
+              <a:rPr lang="es-AR" sz="1800" dirty="0" err="1" smtClean="0">
+                <a:solidFill>
+                  <a:srgbClr val="890909"/>
+                </a:solidFill>
+                <a:latin typeface="Times New Roman" pitchFamily="18" charset="0"/>
+                <a:cs typeface="Times New Roman" pitchFamily="18" charset="0"/>
+              </a:rPr>
+              <a:t>Griott</a:t>
+            </a:r>
+            <a:r>
+              <a:rPr lang="es-AR" sz="1800" dirty="0" smtClean="0">
+                <a:solidFill>
+                  <a:srgbClr val="890909"/>
+                </a:solidFill>
+                <a:latin typeface="Times New Roman" pitchFamily="18" charset="0"/>
+                <a:cs typeface="Times New Roman" pitchFamily="18" charset="0"/>
+              </a:rPr>
+              <a:t> Diego</a:t>
+            </a:r>
+          </a:p>
+          <a:p>
+            <a:r>
+              <a:rPr lang="es-AR" sz="1800" dirty="0" err="1" smtClean="0">
+                <a:solidFill>
+                  <a:srgbClr val="890909"/>
+                </a:solidFill>
+                <a:latin typeface="Times New Roman" pitchFamily="18" charset="0"/>
+                <a:cs typeface="Times New Roman" pitchFamily="18" charset="0"/>
+              </a:rPr>
+              <a:t>Vallejos</a:t>
+            </a:r>
+            <a:r>
+              <a:rPr lang="es-AR" sz="1800" dirty="0" smtClean="0">
+                <a:solidFill>
+                  <a:srgbClr val="890909"/>
+                </a:solidFill>
+                <a:latin typeface="Times New Roman" pitchFamily="18" charset="0"/>
+                <a:cs typeface="Times New Roman" pitchFamily="18" charset="0"/>
+              </a:rPr>
+              <a:t> Laura</a:t>
+            </a:r>
+            <a:br>
+              <a:rPr lang="es-AR" sz="1800" dirty="0" smtClean="0">
+                <a:solidFill>
+                  <a:srgbClr val="890909"/>
+                </a:solidFill>
+                <a:latin typeface="Times New Roman" pitchFamily="18" charset="0"/>
+                <a:cs typeface="Times New Roman" pitchFamily="18" charset="0"/>
+              </a:rPr>
+            </a:br>
+            <a:r>
+              <a:rPr lang="es-AR" sz="1800" dirty="0" err="1" smtClean="0">
+                <a:solidFill>
+                  <a:srgbClr val="890909"/>
+                </a:solidFill>
+                <a:latin typeface="Times New Roman" pitchFamily="18" charset="0"/>
+                <a:cs typeface="Times New Roman" pitchFamily="18" charset="0"/>
+              </a:rPr>
+              <a:t>Yone</a:t>
+            </a:r>
+            <a:r>
+              <a:rPr lang="es-AR" sz="1800" dirty="0" smtClean="0">
+                <a:solidFill>
+                  <a:srgbClr val="890909"/>
+                </a:solidFill>
+                <a:latin typeface="Times New Roman" pitchFamily="18" charset="0"/>
+                <a:cs typeface="Times New Roman" pitchFamily="18" charset="0"/>
+              </a:rPr>
+              <a:t> Juan Ignacio</a:t>
+            </a:r>
+          </a:p>
+        </p:txBody>
+      </p:sp>
+      <p:pic>
+        <p:nvPicPr>
+          <p:cNvPr id="4" name="3 Imagen" descr="logo_unla.png"/>
+          <p:cNvPicPr>
+            <a:picLocks noChangeAspect="1"/>
+          </p:cNvPicPr>
+          <p:nvPr/>
+        </p:nvPicPr>
+        <p:blipFill>
+          <a:blip r:embed="rId2"/>
+          <a:stretch>
+            <a:fillRect/>
+          </a:stretch>
+        </p:blipFill>
+        <p:spPr>
+          <a:xfrm>
+            <a:off x="3357554" y="2071678"/>
+            <a:ext cx="2447488" cy="2714644"/>
+          </a:xfrm>
+          <a:prstGeom prst="rect">
+            <a:avLst/>
+          </a:prstGeom>
+        </p:spPr>
+      </p:pic>
+    </p:spTree>
   </p:cSld>
   <p:clrMapOvr>
     <a:masterClrMapping/>
